--- a/99. Lecture note in ppt/7. Python3.pptx
+++ b/99. Lecture note in ppt/7. Python3.pptx
@@ -35,22 +35,32 @@
     <p:sldId id="433" r:id="rId29"/>
     <p:sldId id="414" r:id="rId30"/>
     <p:sldId id="434" r:id="rId31"/>
-    <p:sldId id="435" r:id="rId32"/>
-    <p:sldId id="436" r:id="rId33"/>
-    <p:sldId id="437" r:id="rId34"/>
-    <p:sldId id="450" r:id="rId35"/>
-    <p:sldId id="438" r:id="rId36"/>
-    <p:sldId id="451" r:id="rId37"/>
-    <p:sldId id="439" r:id="rId38"/>
-    <p:sldId id="440" r:id="rId39"/>
-    <p:sldId id="441" r:id="rId40"/>
-    <p:sldId id="442" r:id="rId41"/>
-    <p:sldId id="443" r:id="rId42"/>
-    <p:sldId id="444" r:id="rId43"/>
-    <p:sldId id="446" r:id="rId44"/>
-    <p:sldId id="447" r:id="rId45"/>
-    <p:sldId id="448" r:id="rId46"/>
-    <p:sldId id="449" r:id="rId47"/>
+    <p:sldId id="452" r:id="rId32"/>
+    <p:sldId id="453" r:id="rId33"/>
+    <p:sldId id="435" r:id="rId34"/>
+    <p:sldId id="454" r:id="rId35"/>
+    <p:sldId id="457" r:id="rId36"/>
+    <p:sldId id="455" r:id="rId37"/>
+    <p:sldId id="456" r:id="rId38"/>
+    <p:sldId id="458" r:id="rId39"/>
+    <p:sldId id="459" r:id="rId40"/>
+    <p:sldId id="460" r:id="rId41"/>
+    <p:sldId id="436" r:id="rId42"/>
+    <p:sldId id="437" r:id="rId43"/>
+    <p:sldId id="450" r:id="rId44"/>
+    <p:sldId id="438" r:id="rId45"/>
+    <p:sldId id="451" r:id="rId46"/>
+    <p:sldId id="439" r:id="rId47"/>
+    <p:sldId id="440" r:id="rId48"/>
+    <p:sldId id="441" r:id="rId49"/>
+    <p:sldId id="442" r:id="rId50"/>
+    <p:sldId id="443" r:id="rId51"/>
+    <p:sldId id="444" r:id="rId52"/>
+    <p:sldId id="461" r:id="rId53"/>
+    <p:sldId id="446" r:id="rId54"/>
+    <p:sldId id="447" r:id="rId55"/>
+    <p:sldId id="448" r:id="rId56"/>
+    <p:sldId id="449" r:id="rId57"/>
   </p:sldIdLst>
   <p:sldSz cx="12192000" cy="6858000"/>
   <p:notesSz cx="6858000" cy="9144000"/>
@@ -215,10 +225,9 @@
           </a:lstStyle>
           <a:p>
             <a:r>
-              <a:rPr lang="ko-KR" altLang="en-US" smtClean="0"/>
+              <a:rPr lang="ko-KR" altLang="en-US"/>
               <a:t>마스터 제목 스타일 편집</a:t>
             </a:r>
-            <a:endParaRPr lang="ko-KR" altLang="en-US"/>
           </a:p>
         </p:txBody>
       </p:sp>
@@ -280,10 +289,9 @@
           </a:lstStyle>
           <a:p>
             <a:r>
-              <a:rPr lang="ko-KR" altLang="en-US" smtClean="0"/>
+              <a:rPr lang="ko-KR" altLang="en-US"/>
               <a:t>클릭하여 마스터 부제목 스타일 편집</a:t>
             </a:r>
-            <a:endParaRPr lang="ko-KR" altLang="en-US"/>
           </a:p>
         </p:txBody>
       </p:sp>
@@ -304,7 +312,7 @@
           <a:p>
             <a:fld id="{B2970B56-F379-468E-8C04-AC3274656B30}" type="datetimeFigureOut">
               <a:rPr lang="ko-KR" altLang="en-US" smtClean="0"/>
-              <a:t>2023-04-05</a:t>
+              <a:t>2023-04-08</a:t>
             </a:fld>
             <a:endParaRPr lang="ko-KR" altLang="en-US"/>
           </a:p>
@@ -398,10 +406,9 @@
           <a:lstStyle/>
           <a:p>
             <a:r>
-              <a:rPr lang="ko-KR" altLang="en-US" smtClean="0"/>
+              <a:rPr lang="ko-KR" altLang="en-US"/>
               <a:t>마스터 제목 스타일 편집</a:t>
             </a:r>
-            <a:endParaRPr lang="ko-KR" altLang="en-US"/>
           </a:p>
         </p:txBody>
       </p:sp>
@@ -422,38 +429,37 @@
           <a:p>
             <a:pPr lvl="0"/>
             <a:r>
-              <a:rPr lang="ko-KR" altLang="en-US" smtClean="0"/>
+              <a:rPr lang="ko-KR" altLang="en-US"/>
               <a:t>마스터 텍스트 스타일 편집</a:t>
             </a:r>
           </a:p>
           <a:p>
             <a:pPr lvl="1"/>
             <a:r>
-              <a:rPr lang="ko-KR" altLang="en-US" smtClean="0"/>
+              <a:rPr lang="ko-KR" altLang="en-US"/>
               <a:t>둘째 수준</a:t>
             </a:r>
           </a:p>
           <a:p>
             <a:pPr lvl="2"/>
             <a:r>
-              <a:rPr lang="ko-KR" altLang="en-US" smtClean="0"/>
+              <a:rPr lang="ko-KR" altLang="en-US"/>
               <a:t>셋째 수준</a:t>
             </a:r>
           </a:p>
           <a:p>
             <a:pPr lvl="3"/>
             <a:r>
-              <a:rPr lang="ko-KR" altLang="en-US" smtClean="0"/>
+              <a:rPr lang="ko-KR" altLang="en-US"/>
               <a:t>넷째 수준</a:t>
             </a:r>
           </a:p>
           <a:p>
             <a:pPr lvl="4"/>
             <a:r>
-              <a:rPr lang="ko-KR" altLang="en-US" smtClean="0"/>
+              <a:rPr lang="ko-KR" altLang="en-US"/>
               <a:t>다섯째 수준</a:t>
             </a:r>
-            <a:endParaRPr lang="ko-KR" altLang="en-US"/>
           </a:p>
         </p:txBody>
       </p:sp>
@@ -474,7 +480,7 @@
           <a:p>
             <a:fld id="{B2970B56-F379-468E-8C04-AC3274656B30}" type="datetimeFigureOut">
               <a:rPr lang="ko-KR" altLang="en-US" smtClean="0"/>
-              <a:t>2023-04-05</a:t>
+              <a:t>2023-04-08</a:t>
             </a:fld>
             <a:endParaRPr lang="ko-KR" altLang="en-US"/>
           </a:p>
@@ -573,10 +579,9 @@
           <a:lstStyle/>
           <a:p>
             <a:r>
-              <a:rPr lang="ko-KR" altLang="en-US" smtClean="0"/>
+              <a:rPr lang="ko-KR" altLang="en-US"/>
               <a:t>마스터 제목 스타일 편집</a:t>
             </a:r>
-            <a:endParaRPr lang="ko-KR" altLang="en-US"/>
           </a:p>
         </p:txBody>
       </p:sp>
@@ -602,38 +607,37 @@
           <a:p>
             <a:pPr lvl="0"/>
             <a:r>
-              <a:rPr lang="ko-KR" altLang="en-US" smtClean="0"/>
+              <a:rPr lang="ko-KR" altLang="en-US"/>
               <a:t>마스터 텍스트 스타일 편집</a:t>
             </a:r>
           </a:p>
           <a:p>
             <a:pPr lvl="1"/>
             <a:r>
-              <a:rPr lang="ko-KR" altLang="en-US" smtClean="0"/>
+              <a:rPr lang="ko-KR" altLang="en-US"/>
               <a:t>둘째 수준</a:t>
             </a:r>
           </a:p>
           <a:p>
             <a:pPr lvl="2"/>
             <a:r>
-              <a:rPr lang="ko-KR" altLang="en-US" smtClean="0"/>
+              <a:rPr lang="ko-KR" altLang="en-US"/>
               <a:t>셋째 수준</a:t>
             </a:r>
           </a:p>
           <a:p>
             <a:pPr lvl="3"/>
             <a:r>
-              <a:rPr lang="ko-KR" altLang="en-US" smtClean="0"/>
+              <a:rPr lang="ko-KR" altLang="en-US"/>
               <a:t>넷째 수준</a:t>
             </a:r>
           </a:p>
           <a:p>
             <a:pPr lvl="4"/>
             <a:r>
-              <a:rPr lang="ko-KR" altLang="en-US" smtClean="0"/>
+              <a:rPr lang="ko-KR" altLang="en-US"/>
               <a:t>다섯째 수준</a:t>
             </a:r>
-            <a:endParaRPr lang="ko-KR" altLang="en-US"/>
           </a:p>
         </p:txBody>
       </p:sp>
@@ -654,7 +658,7 @@
           <a:p>
             <a:fld id="{B2970B56-F379-468E-8C04-AC3274656B30}" type="datetimeFigureOut">
               <a:rPr lang="ko-KR" altLang="en-US" smtClean="0"/>
-              <a:t>2023-04-05</a:t>
+              <a:t>2023-04-08</a:t>
             </a:fld>
             <a:endParaRPr lang="ko-KR" altLang="en-US"/>
           </a:p>
@@ -748,10 +752,9 @@
           <a:lstStyle/>
           <a:p>
             <a:r>
-              <a:rPr lang="ko-KR" altLang="en-US" smtClean="0"/>
+              <a:rPr lang="ko-KR" altLang="en-US"/>
               <a:t>마스터 제목 스타일 편집</a:t>
             </a:r>
-            <a:endParaRPr lang="ko-KR" altLang="en-US"/>
           </a:p>
         </p:txBody>
       </p:sp>
@@ -772,38 +775,37 @@
           <a:p>
             <a:pPr lvl="0"/>
             <a:r>
-              <a:rPr lang="ko-KR" altLang="en-US" smtClean="0"/>
+              <a:rPr lang="ko-KR" altLang="en-US"/>
               <a:t>마스터 텍스트 스타일 편집</a:t>
             </a:r>
           </a:p>
           <a:p>
             <a:pPr lvl="1"/>
             <a:r>
-              <a:rPr lang="ko-KR" altLang="en-US" smtClean="0"/>
+              <a:rPr lang="ko-KR" altLang="en-US"/>
               <a:t>둘째 수준</a:t>
             </a:r>
           </a:p>
           <a:p>
             <a:pPr lvl="2"/>
             <a:r>
-              <a:rPr lang="ko-KR" altLang="en-US" smtClean="0"/>
+              <a:rPr lang="ko-KR" altLang="en-US"/>
               <a:t>셋째 수준</a:t>
             </a:r>
           </a:p>
           <a:p>
             <a:pPr lvl="3"/>
             <a:r>
-              <a:rPr lang="ko-KR" altLang="en-US" smtClean="0"/>
+              <a:rPr lang="ko-KR" altLang="en-US"/>
               <a:t>넷째 수준</a:t>
             </a:r>
           </a:p>
           <a:p>
             <a:pPr lvl="4"/>
             <a:r>
-              <a:rPr lang="ko-KR" altLang="en-US" smtClean="0"/>
+              <a:rPr lang="ko-KR" altLang="en-US"/>
               <a:t>다섯째 수준</a:t>
             </a:r>
-            <a:endParaRPr lang="ko-KR" altLang="en-US"/>
           </a:p>
         </p:txBody>
       </p:sp>
@@ -824,7 +826,7 @@
           <a:p>
             <a:fld id="{B2970B56-F379-468E-8C04-AC3274656B30}" type="datetimeFigureOut">
               <a:rPr lang="ko-KR" altLang="en-US" smtClean="0"/>
-              <a:t>2023-04-05</a:t>
+              <a:t>2023-04-08</a:t>
             </a:fld>
             <a:endParaRPr lang="ko-KR" altLang="en-US"/>
           </a:p>
@@ -927,10 +929,9 @@
           </a:lstStyle>
           <a:p>
             <a:r>
-              <a:rPr lang="ko-KR" altLang="en-US" smtClean="0"/>
+              <a:rPr lang="ko-KR" altLang="en-US"/>
               <a:t>마스터 제목 스타일 편집</a:t>
             </a:r>
-            <a:endParaRPr lang="ko-KR" altLang="en-US"/>
           </a:p>
         </p:txBody>
       </p:sp>
@@ -1047,7 +1048,7 @@
           <a:p>
             <a:pPr lvl="0"/>
             <a:r>
-              <a:rPr lang="ko-KR" altLang="en-US" smtClean="0"/>
+              <a:rPr lang="ko-KR" altLang="en-US"/>
               <a:t>마스터 텍스트 스타일 편집</a:t>
             </a:r>
           </a:p>
@@ -1070,7 +1071,7 @@
           <a:p>
             <a:fld id="{B2970B56-F379-468E-8C04-AC3274656B30}" type="datetimeFigureOut">
               <a:rPr lang="ko-KR" altLang="en-US" smtClean="0"/>
-              <a:t>2023-04-05</a:t>
+              <a:t>2023-04-08</a:t>
             </a:fld>
             <a:endParaRPr lang="ko-KR" altLang="en-US"/>
           </a:p>
@@ -1164,10 +1165,9 @@
           <a:lstStyle/>
           <a:p>
             <a:r>
-              <a:rPr lang="ko-KR" altLang="en-US" smtClean="0"/>
+              <a:rPr lang="ko-KR" altLang="en-US"/>
               <a:t>마스터 제목 스타일 편집</a:t>
             </a:r>
-            <a:endParaRPr lang="ko-KR" altLang="en-US"/>
           </a:p>
         </p:txBody>
       </p:sp>
@@ -1193,38 +1193,37 @@
           <a:p>
             <a:pPr lvl="0"/>
             <a:r>
-              <a:rPr lang="ko-KR" altLang="en-US" smtClean="0"/>
+              <a:rPr lang="ko-KR" altLang="en-US"/>
               <a:t>마스터 텍스트 스타일 편집</a:t>
             </a:r>
           </a:p>
           <a:p>
             <a:pPr lvl="1"/>
             <a:r>
-              <a:rPr lang="ko-KR" altLang="en-US" smtClean="0"/>
+              <a:rPr lang="ko-KR" altLang="en-US"/>
               <a:t>둘째 수준</a:t>
             </a:r>
           </a:p>
           <a:p>
             <a:pPr lvl="2"/>
             <a:r>
-              <a:rPr lang="ko-KR" altLang="en-US" smtClean="0"/>
+              <a:rPr lang="ko-KR" altLang="en-US"/>
               <a:t>셋째 수준</a:t>
             </a:r>
           </a:p>
           <a:p>
             <a:pPr lvl="3"/>
             <a:r>
-              <a:rPr lang="ko-KR" altLang="en-US" smtClean="0"/>
+              <a:rPr lang="ko-KR" altLang="en-US"/>
               <a:t>넷째 수준</a:t>
             </a:r>
           </a:p>
           <a:p>
             <a:pPr lvl="4"/>
             <a:r>
-              <a:rPr lang="ko-KR" altLang="en-US" smtClean="0"/>
+              <a:rPr lang="ko-KR" altLang="en-US"/>
               <a:t>다섯째 수준</a:t>
             </a:r>
-            <a:endParaRPr lang="ko-KR" altLang="en-US"/>
           </a:p>
         </p:txBody>
       </p:sp>
@@ -1250,38 +1249,37 @@
           <a:p>
             <a:pPr lvl="0"/>
             <a:r>
-              <a:rPr lang="ko-KR" altLang="en-US" smtClean="0"/>
+              <a:rPr lang="ko-KR" altLang="en-US"/>
               <a:t>마스터 텍스트 스타일 편집</a:t>
             </a:r>
           </a:p>
           <a:p>
             <a:pPr lvl="1"/>
             <a:r>
-              <a:rPr lang="ko-KR" altLang="en-US" smtClean="0"/>
+              <a:rPr lang="ko-KR" altLang="en-US"/>
               <a:t>둘째 수준</a:t>
             </a:r>
           </a:p>
           <a:p>
             <a:pPr lvl="2"/>
             <a:r>
-              <a:rPr lang="ko-KR" altLang="en-US" smtClean="0"/>
+              <a:rPr lang="ko-KR" altLang="en-US"/>
               <a:t>셋째 수준</a:t>
             </a:r>
           </a:p>
           <a:p>
             <a:pPr lvl="3"/>
             <a:r>
-              <a:rPr lang="ko-KR" altLang="en-US" smtClean="0"/>
+              <a:rPr lang="ko-KR" altLang="en-US"/>
               <a:t>넷째 수준</a:t>
             </a:r>
           </a:p>
           <a:p>
             <a:pPr lvl="4"/>
             <a:r>
-              <a:rPr lang="ko-KR" altLang="en-US" smtClean="0"/>
+              <a:rPr lang="ko-KR" altLang="en-US"/>
               <a:t>다섯째 수준</a:t>
             </a:r>
-            <a:endParaRPr lang="ko-KR" altLang="en-US"/>
           </a:p>
         </p:txBody>
       </p:sp>
@@ -1302,7 +1300,7 @@
           <a:p>
             <a:fld id="{B2970B56-F379-468E-8C04-AC3274656B30}" type="datetimeFigureOut">
               <a:rPr lang="ko-KR" altLang="en-US" smtClean="0"/>
-              <a:t>2023-04-05</a:t>
+              <a:t>2023-04-08</a:t>
             </a:fld>
             <a:endParaRPr lang="ko-KR" altLang="en-US"/>
           </a:p>
@@ -1401,10 +1399,9 @@
           <a:lstStyle/>
           <a:p>
             <a:r>
-              <a:rPr lang="ko-KR" altLang="en-US" smtClean="0"/>
+              <a:rPr lang="ko-KR" altLang="en-US"/>
               <a:t>마스터 제목 스타일 편집</a:t>
             </a:r>
-            <a:endParaRPr lang="ko-KR" altLang="en-US"/>
           </a:p>
         </p:txBody>
       </p:sp>
@@ -1467,7 +1464,7 @@
           <a:p>
             <a:pPr lvl="0"/>
             <a:r>
-              <a:rPr lang="ko-KR" altLang="en-US" smtClean="0"/>
+              <a:rPr lang="ko-KR" altLang="en-US"/>
               <a:t>마스터 텍스트 스타일 편집</a:t>
             </a:r>
           </a:p>
@@ -1495,38 +1492,37 @@
           <a:p>
             <a:pPr lvl="0"/>
             <a:r>
-              <a:rPr lang="ko-KR" altLang="en-US" smtClean="0"/>
+              <a:rPr lang="ko-KR" altLang="en-US"/>
               <a:t>마스터 텍스트 스타일 편집</a:t>
             </a:r>
           </a:p>
           <a:p>
             <a:pPr lvl="1"/>
             <a:r>
-              <a:rPr lang="ko-KR" altLang="en-US" smtClean="0"/>
+              <a:rPr lang="ko-KR" altLang="en-US"/>
               <a:t>둘째 수준</a:t>
             </a:r>
           </a:p>
           <a:p>
             <a:pPr lvl="2"/>
             <a:r>
-              <a:rPr lang="ko-KR" altLang="en-US" smtClean="0"/>
+              <a:rPr lang="ko-KR" altLang="en-US"/>
               <a:t>셋째 수준</a:t>
             </a:r>
           </a:p>
           <a:p>
             <a:pPr lvl="3"/>
             <a:r>
-              <a:rPr lang="ko-KR" altLang="en-US" smtClean="0"/>
+              <a:rPr lang="ko-KR" altLang="en-US"/>
               <a:t>넷째 수준</a:t>
             </a:r>
           </a:p>
           <a:p>
             <a:pPr lvl="4"/>
             <a:r>
-              <a:rPr lang="ko-KR" altLang="en-US" smtClean="0"/>
+              <a:rPr lang="ko-KR" altLang="en-US"/>
               <a:t>다섯째 수준</a:t>
             </a:r>
-            <a:endParaRPr lang="ko-KR" altLang="en-US"/>
           </a:p>
         </p:txBody>
       </p:sp>
@@ -1589,7 +1585,7 @@
           <a:p>
             <a:pPr lvl="0"/>
             <a:r>
-              <a:rPr lang="ko-KR" altLang="en-US" smtClean="0"/>
+              <a:rPr lang="ko-KR" altLang="en-US"/>
               <a:t>마스터 텍스트 스타일 편집</a:t>
             </a:r>
           </a:p>
@@ -1617,38 +1613,37 @@
           <a:p>
             <a:pPr lvl="0"/>
             <a:r>
-              <a:rPr lang="ko-KR" altLang="en-US" smtClean="0"/>
+              <a:rPr lang="ko-KR" altLang="en-US"/>
               <a:t>마스터 텍스트 스타일 편집</a:t>
             </a:r>
           </a:p>
           <a:p>
             <a:pPr lvl="1"/>
             <a:r>
-              <a:rPr lang="ko-KR" altLang="en-US" smtClean="0"/>
+              <a:rPr lang="ko-KR" altLang="en-US"/>
               <a:t>둘째 수준</a:t>
             </a:r>
           </a:p>
           <a:p>
             <a:pPr lvl="2"/>
             <a:r>
-              <a:rPr lang="ko-KR" altLang="en-US" smtClean="0"/>
+              <a:rPr lang="ko-KR" altLang="en-US"/>
               <a:t>셋째 수준</a:t>
             </a:r>
           </a:p>
           <a:p>
             <a:pPr lvl="3"/>
             <a:r>
-              <a:rPr lang="ko-KR" altLang="en-US" smtClean="0"/>
+              <a:rPr lang="ko-KR" altLang="en-US"/>
               <a:t>넷째 수준</a:t>
             </a:r>
           </a:p>
           <a:p>
             <a:pPr lvl="4"/>
             <a:r>
-              <a:rPr lang="ko-KR" altLang="en-US" smtClean="0"/>
+              <a:rPr lang="ko-KR" altLang="en-US"/>
               <a:t>다섯째 수준</a:t>
             </a:r>
-            <a:endParaRPr lang="ko-KR" altLang="en-US"/>
           </a:p>
         </p:txBody>
       </p:sp>
@@ -1669,7 +1664,7 @@
           <a:p>
             <a:fld id="{B2970B56-F379-468E-8C04-AC3274656B30}" type="datetimeFigureOut">
               <a:rPr lang="ko-KR" altLang="en-US" smtClean="0"/>
-              <a:t>2023-04-05</a:t>
+              <a:t>2023-04-08</a:t>
             </a:fld>
             <a:endParaRPr lang="ko-KR" altLang="en-US"/>
           </a:p>
@@ -1763,10 +1758,9 @@
           <a:lstStyle/>
           <a:p>
             <a:r>
-              <a:rPr lang="ko-KR" altLang="en-US" smtClean="0"/>
+              <a:rPr lang="ko-KR" altLang="en-US"/>
               <a:t>마스터 제목 스타일 편집</a:t>
             </a:r>
-            <a:endParaRPr lang="ko-KR" altLang="en-US"/>
           </a:p>
         </p:txBody>
       </p:sp>
@@ -1787,7 +1781,7 @@
           <a:p>
             <a:fld id="{B2970B56-F379-468E-8C04-AC3274656B30}" type="datetimeFigureOut">
               <a:rPr lang="ko-KR" altLang="en-US" smtClean="0"/>
-              <a:t>2023-04-05</a:t>
+              <a:t>2023-04-08</a:t>
             </a:fld>
             <a:endParaRPr lang="ko-KR" altLang="en-US"/>
           </a:p>
@@ -1882,7 +1876,7 @@
           <a:p>
             <a:fld id="{B2970B56-F379-468E-8C04-AC3274656B30}" type="datetimeFigureOut">
               <a:rPr lang="ko-KR" altLang="en-US" smtClean="0"/>
-              <a:t>2023-04-05</a:t>
+              <a:t>2023-04-08</a:t>
             </a:fld>
             <a:endParaRPr lang="ko-KR" altLang="en-US"/>
           </a:p>
@@ -1985,10 +1979,9 @@
           </a:lstStyle>
           <a:p>
             <a:r>
-              <a:rPr lang="ko-KR" altLang="en-US" smtClean="0"/>
+              <a:rPr lang="ko-KR" altLang="en-US"/>
               <a:t>마스터 제목 스타일 편집</a:t>
             </a:r>
-            <a:endParaRPr lang="ko-KR" altLang="en-US"/>
           </a:p>
         </p:txBody>
       </p:sp>
@@ -2042,38 +2035,37 @@
           <a:p>
             <a:pPr lvl="0"/>
             <a:r>
-              <a:rPr lang="ko-KR" altLang="en-US" smtClean="0"/>
+              <a:rPr lang="ko-KR" altLang="en-US"/>
               <a:t>마스터 텍스트 스타일 편집</a:t>
             </a:r>
           </a:p>
           <a:p>
             <a:pPr lvl="1"/>
             <a:r>
-              <a:rPr lang="ko-KR" altLang="en-US" smtClean="0"/>
+              <a:rPr lang="ko-KR" altLang="en-US"/>
               <a:t>둘째 수준</a:t>
             </a:r>
           </a:p>
           <a:p>
             <a:pPr lvl="2"/>
             <a:r>
-              <a:rPr lang="ko-KR" altLang="en-US" smtClean="0"/>
+              <a:rPr lang="ko-KR" altLang="en-US"/>
               <a:t>셋째 수준</a:t>
             </a:r>
           </a:p>
           <a:p>
             <a:pPr lvl="3"/>
             <a:r>
-              <a:rPr lang="ko-KR" altLang="en-US" smtClean="0"/>
+              <a:rPr lang="ko-KR" altLang="en-US"/>
               <a:t>넷째 수준</a:t>
             </a:r>
           </a:p>
           <a:p>
             <a:pPr lvl="4"/>
             <a:r>
-              <a:rPr lang="ko-KR" altLang="en-US" smtClean="0"/>
+              <a:rPr lang="ko-KR" altLang="en-US"/>
               <a:t>다섯째 수준</a:t>
             </a:r>
-            <a:endParaRPr lang="ko-KR" altLang="en-US"/>
           </a:p>
         </p:txBody>
       </p:sp>
@@ -2136,7 +2128,7 @@
           <a:p>
             <a:pPr lvl="0"/>
             <a:r>
-              <a:rPr lang="ko-KR" altLang="en-US" smtClean="0"/>
+              <a:rPr lang="ko-KR" altLang="en-US"/>
               <a:t>마스터 텍스트 스타일 편집</a:t>
             </a:r>
           </a:p>
@@ -2159,7 +2151,7 @@
           <a:p>
             <a:fld id="{B2970B56-F379-468E-8C04-AC3274656B30}" type="datetimeFigureOut">
               <a:rPr lang="ko-KR" altLang="en-US" smtClean="0"/>
-              <a:t>2023-04-05</a:t>
+              <a:t>2023-04-08</a:t>
             </a:fld>
             <a:endParaRPr lang="ko-KR" altLang="en-US"/>
           </a:p>
@@ -2262,10 +2254,9 @@
           </a:lstStyle>
           <a:p>
             <a:r>
-              <a:rPr lang="ko-KR" altLang="en-US" smtClean="0"/>
+              <a:rPr lang="ko-KR" altLang="en-US"/>
               <a:t>마스터 제목 스타일 편집</a:t>
             </a:r>
-            <a:endParaRPr lang="ko-KR" altLang="en-US"/>
           </a:p>
         </p:txBody>
       </p:sp>
@@ -2389,7 +2380,7 @@
           <a:p>
             <a:pPr lvl="0"/>
             <a:r>
-              <a:rPr lang="ko-KR" altLang="en-US" smtClean="0"/>
+              <a:rPr lang="ko-KR" altLang="en-US"/>
               <a:t>마스터 텍스트 스타일 편집</a:t>
             </a:r>
           </a:p>
@@ -2412,7 +2403,7 @@
           <a:p>
             <a:fld id="{B2970B56-F379-468E-8C04-AC3274656B30}" type="datetimeFigureOut">
               <a:rPr lang="ko-KR" altLang="en-US" smtClean="0"/>
-              <a:t>2023-04-05</a:t>
+              <a:t>2023-04-08</a:t>
             </a:fld>
             <a:endParaRPr lang="ko-KR" altLang="en-US"/>
           </a:p>
@@ -2521,10 +2512,9 @@
           <a:lstStyle/>
           <a:p>
             <a:r>
-              <a:rPr lang="ko-KR" altLang="en-US" smtClean="0"/>
+              <a:rPr lang="ko-KR" altLang="en-US"/>
               <a:t>마스터 제목 스타일 편집</a:t>
             </a:r>
-            <a:endParaRPr lang="ko-KR" altLang="en-US"/>
           </a:p>
         </p:txBody>
       </p:sp>
@@ -2555,38 +2545,37 @@
           <a:p>
             <a:pPr lvl="0"/>
             <a:r>
-              <a:rPr lang="ko-KR" altLang="en-US" smtClean="0"/>
+              <a:rPr lang="ko-KR" altLang="en-US"/>
               <a:t>마스터 텍스트 스타일 편집</a:t>
             </a:r>
           </a:p>
           <a:p>
             <a:pPr lvl="1"/>
             <a:r>
-              <a:rPr lang="ko-KR" altLang="en-US" smtClean="0"/>
+              <a:rPr lang="ko-KR" altLang="en-US"/>
               <a:t>둘째 수준</a:t>
             </a:r>
           </a:p>
           <a:p>
             <a:pPr lvl="2"/>
             <a:r>
-              <a:rPr lang="ko-KR" altLang="en-US" smtClean="0"/>
+              <a:rPr lang="ko-KR" altLang="en-US"/>
               <a:t>셋째 수준</a:t>
             </a:r>
           </a:p>
           <a:p>
             <a:pPr lvl="3"/>
             <a:r>
-              <a:rPr lang="ko-KR" altLang="en-US" smtClean="0"/>
+              <a:rPr lang="ko-KR" altLang="en-US"/>
               <a:t>넷째 수준</a:t>
             </a:r>
           </a:p>
           <a:p>
             <a:pPr lvl="4"/>
             <a:r>
-              <a:rPr lang="ko-KR" altLang="en-US" smtClean="0"/>
+              <a:rPr lang="ko-KR" altLang="en-US"/>
               <a:t>다섯째 수준</a:t>
             </a:r>
-            <a:endParaRPr lang="ko-KR" altLang="en-US"/>
           </a:p>
         </p:txBody>
       </p:sp>
@@ -2625,7 +2614,7 @@
           <a:p>
             <a:fld id="{B2970B56-F379-468E-8C04-AC3274656B30}" type="datetimeFigureOut">
               <a:rPr lang="ko-KR" altLang="en-US" smtClean="0"/>
-              <a:t>2023-04-05</a:t>
+              <a:t>2023-04-08</a:t>
             </a:fld>
             <a:endParaRPr lang="ko-KR" altLang="en-US"/>
           </a:p>
@@ -3075,7 +3064,7 @@
           <a:p>
             <a:pPr algn="ctr"/>
             <a:r>
-              <a:rPr lang="en-US" altLang="ko-KR" dirty="0" smtClean="0">
+              <a:rPr lang="en-US" altLang="ko-KR" dirty="0">
                 <a:solidFill>
                   <a:schemeClr val="tx1"/>
                 </a:solidFill>
@@ -3213,7 +3202,7 @@
           <a:p>
             <a:pPr algn="ctr"/>
             <a:r>
-              <a:rPr lang="ko-KR" altLang="en-US" dirty="0" smtClean="0">
+              <a:rPr lang="ko-KR" altLang="en-US" dirty="0">
                 <a:solidFill>
                   <a:schemeClr val="tx1"/>
                 </a:solidFill>
@@ -3221,7 +3210,7 @@
               <a:t>밑에서 불러도 알아서 찾아온다</a:t>
             </a:r>
             <a:r>
-              <a:rPr lang="en-US" altLang="ko-KR" dirty="0" smtClean="0">
+              <a:rPr lang="en-US" altLang="ko-KR" dirty="0">
                 <a:solidFill>
                   <a:schemeClr val="tx1"/>
                 </a:solidFill>
@@ -3359,18 +3348,13 @@
           <a:p>
             <a:pPr algn="ctr"/>
             <a:r>
-              <a:rPr lang="ko-KR" altLang="en-US" dirty="0" smtClean="0">
+              <a:rPr lang="ko-KR" altLang="en-US" dirty="0">
                 <a:solidFill>
                   <a:schemeClr val="tx1"/>
                 </a:solidFill>
               </a:rPr>
               <a:t>가변적으로 인자를 받고 싶을 땐 이렇게 해도 됨</a:t>
             </a:r>
-            <a:endParaRPr lang="ko-KR" altLang="en-US" dirty="0">
-              <a:solidFill>
-                <a:schemeClr val="tx1"/>
-              </a:solidFill>
-            </a:endParaRPr>
           </a:p>
         </p:txBody>
       </p:sp>
@@ -3449,7 +3433,7 @@
           <a:p>
             <a:pPr algn="ctr"/>
             <a:r>
-              <a:rPr lang="ko-KR" altLang="en-US" dirty="0" smtClean="0">
+              <a:rPr lang="ko-KR" altLang="en-US" dirty="0">
                 <a:solidFill>
                   <a:schemeClr val="tx1"/>
                 </a:solidFill>
@@ -3457,7 +3441,7 @@
               <a:t>단 예측 가능한 범위 내에서만 저렇게 쓰기</a:t>
             </a:r>
             <a:r>
-              <a:rPr lang="en-US" altLang="ko-KR" dirty="0" smtClean="0">
+              <a:rPr lang="en-US" altLang="ko-KR" dirty="0">
                 <a:solidFill>
                   <a:schemeClr val="tx1"/>
                 </a:solidFill>
@@ -3468,7 +3452,7 @@
           <a:p>
             <a:pPr algn="ctr"/>
             <a:r>
-              <a:rPr lang="ko-KR" altLang="en-US" dirty="0" err="1" smtClean="0">
+              <a:rPr lang="ko-KR" altLang="en-US" dirty="0" err="1">
                 <a:solidFill>
                   <a:schemeClr val="tx1"/>
                 </a:solidFill>
@@ -3476,18 +3460,13 @@
               <a:t>안그러면</a:t>
             </a:r>
             <a:r>
-              <a:rPr lang="ko-KR" altLang="en-US" dirty="0" smtClean="0">
+              <a:rPr lang="ko-KR" altLang="en-US" dirty="0">
                 <a:solidFill>
                   <a:schemeClr val="tx1"/>
                 </a:solidFill>
               </a:rPr>
               <a:t> 나중에 혼자 울면서 뚝딱뚝딱 해야 함</a:t>
             </a:r>
-            <a:endParaRPr lang="ko-KR" altLang="en-US" dirty="0">
-              <a:solidFill>
-                <a:schemeClr val="tx1"/>
-              </a:solidFill>
-            </a:endParaRPr>
           </a:p>
         </p:txBody>
       </p:sp>
@@ -3655,7 +3634,7 @@
           <a:p>
             <a:pPr algn="ctr"/>
             <a:r>
-              <a:rPr lang="ko-KR" altLang="en-US" smtClean="0">
+              <a:rPr lang="ko-KR" altLang="en-US">
                 <a:solidFill>
                   <a:schemeClr val="tx1"/>
                 </a:solidFill>
@@ -3769,7 +3748,7 @@
           <a:p>
             <a:pPr algn="ctr"/>
             <a:r>
-              <a:rPr lang="en-US" altLang="ko-KR" dirty="0" smtClean="0">
+              <a:rPr lang="en-US" altLang="ko-KR" dirty="0">
                 <a:solidFill>
                   <a:schemeClr val="tx1"/>
                 </a:solidFill>
@@ -3777,14 +3756,14 @@
               <a:t>*: positional argument</a:t>
             </a:r>
             <a:r>
-              <a:rPr lang="ko-KR" altLang="en-US" dirty="0" smtClean="0">
+              <a:rPr lang="ko-KR" altLang="en-US" dirty="0">
                 <a:solidFill>
                   <a:schemeClr val="tx1"/>
                 </a:solidFill>
               </a:rPr>
               <a:t>만 받을 때</a:t>
             </a:r>
-            <a:endParaRPr lang="en-US" altLang="ko-KR" dirty="0" smtClean="0">
+            <a:endParaRPr lang="en-US" altLang="ko-KR" dirty="0">
               <a:solidFill>
                 <a:schemeClr val="tx1"/>
               </a:solidFill>
@@ -3793,7 +3772,7 @@
           <a:p>
             <a:pPr algn="ctr"/>
             <a:r>
-              <a:rPr lang="en-US" altLang="ko-KR" dirty="0" smtClean="0">
+              <a:rPr lang="en-US" altLang="ko-KR" dirty="0">
                 <a:solidFill>
                   <a:schemeClr val="tx1"/>
                 </a:solidFill>
@@ -3801,7 +3780,7 @@
               <a:t>**: keyword argument</a:t>
             </a:r>
             <a:r>
-              <a:rPr lang="ko-KR" altLang="en-US" dirty="0" smtClean="0">
+              <a:rPr lang="ko-KR" altLang="en-US" dirty="0">
                 <a:solidFill>
                   <a:schemeClr val="tx1"/>
                 </a:solidFill>
@@ -3809,7 +3788,7 @@
               <a:t>만 받을 때</a:t>
             </a:r>
             <a:r>
-              <a:rPr lang="en-US" altLang="ko-KR" dirty="0" smtClean="0">
+              <a:rPr lang="en-US" altLang="ko-KR" dirty="0">
                 <a:solidFill>
                   <a:schemeClr val="tx1"/>
                 </a:solidFill>
@@ -3947,18 +3926,13 @@
           <a:p>
             <a:pPr algn="ctr"/>
             <a:r>
-              <a:rPr lang="ko-KR" altLang="en-US" dirty="0" smtClean="0">
+              <a:rPr lang="ko-KR" altLang="en-US" dirty="0">
                 <a:solidFill>
                   <a:schemeClr val="tx1"/>
                 </a:solidFill>
               </a:rPr>
               <a:t>리턴 타입의 함수</a:t>
             </a:r>
-            <a:endParaRPr lang="ko-KR" altLang="en-US" dirty="0">
-              <a:solidFill>
-                <a:schemeClr val="tx1"/>
-              </a:solidFill>
-            </a:endParaRPr>
           </a:p>
         </p:txBody>
       </p:sp>
@@ -4061,7 +4035,7 @@
           <a:p>
             <a:pPr algn="ctr"/>
             <a:r>
-              <a:rPr lang="ko-KR" altLang="en-US" dirty="0" smtClean="0">
+              <a:rPr lang="ko-KR" altLang="en-US" dirty="0">
                 <a:solidFill>
                   <a:schemeClr val="tx1"/>
                 </a:solidFill>
@@ -4069,7 +4043,7 @@
               <a:t>함수 타고 신나게 내려가다 </a:t>
             </a:r>
             <a:r>
-              <a:rPr lang="en-US" altLang="ko-KR" dirty="0" smtClean="0">
+              <a:rPr lang="en-US" altLang="ko-KR" dirty="0">
                 <a:solidFill>
                   <a:schemeClr val="tx1"/>
                 </a:solidFill>
@@ -4077,7 +4051,7 @@
               <a:t>return 10 </a:t>
             </a:r>
             <a:r>
-              <a:rPr lang="ko-KR" altLang="en-US" dirty="0" smtClean="0">
+              <a:rPr lang="ko-KR" altLang="en-US" dirty="0">
                 <a:solidFill>
                   <a:schemeClr val="tx1"/>
                 </a:solidFill>
@@ -4085,7 +4059,7 @@
               <a:t>조건에 맞으니 </a:t>
             </a:r>
             <a:r>
-              <a:rPr lang="en-US" altLang="ko-KR" dirty="0" smtClean="0">
+              <a:rPr lang="en-US" altLang="ko-KR" dirty="0">
                 <a:solidFill>
                   <a:schemeClr val="tx1"/>
                 </a:solidFill>
@@ -4093,14 +4067,14 @@
               <a:t>10</a:t>
             </a:r>
             <a:r>
-              <a:rPr lang="ko-KR" altLang="en-US" dirty="0" smtClean="0">
+              <a:rPr lang="ko-KR" altLang="en-US" dirty="0">
                 <a:solidFill>
                   <a:schemeClr val="tx1"/>
                 </a:solidFill>
               </a:rPr>
               <a:t>을 반환</a:t>
             </a:r>
-            <a:endParaRPr lang="en-US" altLang="ko-KR" dirty="0" smtClean="0">
+            <a:endParaRPr lang="en-US" altLang="ko-KR" dirty="0">
               <a:solidFill>
                 <a:schemeClr val="tx1"/>
               </a:solidFill>
@@ -4109,7 +4083,7 @@
           <a:p>
             <a:pPr algn="ctr"/>
             <a:r>
-              <a:rPr lang="en-US" altLang="ko-KR" dirty="0" smtClean="0">
+              <a:rPr lang="en-US" altLang="ko-KR" dirty="0">
                 <a:solidFill>
                   <a:schemeClr val="tx1"/>
                 </a:solidFill>
@@ -4117,7 +4091,7 @@
               <a:t>(</a:t>
             </a:r>
             <a:r>
-              <a:rPr lang="ko-KR" altLang="en-US" dirty="0" smtClean="0">
+              <a:rPr lang="ko-KR" altLang="en-US" dirty="0">
                 <a:solidFill>
                   <a:schemeClr val="tx1"/>
                 </a:solidFill>
@@ -4125,7 +4099,7 @@
               <a:t>반환했으니 그 밑은 수행 </a:t>
             </a:r>
             <a:r>
-              <a:rPr lang="en-US" altLang="ko-KR" dirty="0" smtClean="0">
+              <a:rPr lang="en-US" altLang="ko-KR" dirty="0">
                 <a:solidFill>
                   <a:schemeClr val="tx1"/>
                 </a:solidFill>
@@ -4263,7 +4237,7 @@
           <a:p>
             <a:pPr algn="ctr"/>
             <a:r>
-              <a:rPr lang="ko-KR" altLang="en-US" dirty="0" smtClean="0">
+              <a:rPr lang="ko-KR" altLang="en-US" dirty="0">
                 <a:solidFill>
                   <a:schemeClr val="tx1"/>
                 </a:solidFill>
@@ -4271,7 +4245,7 @@
               <a:t>일반적인 언어에서는 불가능</a:t>
             </a:r>
             <a:r>
-              <a:rPr lang="en-US" altLang="ko-KR" dirty="0" smtClean="0">
+              <a:rPr lang="en-US" altLang="ko-KR" dirty="0">
                 <a:solidFill>
                   <a:schemeClr val="tx1"/>
                 </a:solidFill>
@@ -4282,7 +4256,7 @@
           <a:p>
             <a:pPr algn="ctr"/>
             <a:r>
-              <a:rPr lang="ko-KR" altLang="en-US" dirty="0" err="1" smtClean="0">
+              <a:rPr lang="ko-KR" altLang="en-US" dirty="0" err="1">
                 <a:solidFill>
                   <a:schemeClr val="tx1"/>
                 </a:solidFill>
@@ -4290,7 +4264,7 @@
               <a:t>파이썬에서는</a:t>
             </a:r>
             <a:r>
-              <a:rPr lang="ko-KR" altLang="en-US" dirty="0" smtClean="0">
+              <a:rPr lang="ko-KR" altLang="en-US" dirty="0">
                 <a:solidFill>
                   <a:schemeClr val="tx1"/>
                 </a:solidFill>
@@ -4298,7 +4272,7 @@
               <a:t> </a:t>
             </a:r>
             <a:r>
-              <a:rPr lang="ko-KR" altLang="en-US" dirty="0" err="1" smtClean="0">
+              <a:rPr lang="ko-KR" altLang="en-US" dirty="0" err="1">
                 <a:solidFill>
                   <a:schemeClr val="tx1"/>
                 </a:solidFill>
@@ -4306,7 +4280,7 @@
               <a:t>튜플</a:t>
             </a:r>
             <a:r>
-              <a:rPr lang="ko-KR" altLang="en-US" dirty="0" smtClean="0">
+              <a:rPr lang="ko-KR" altLang="en-US" dirty="0">
                 <a:solidFill>
                   <a:schemeClr val="tx1"/>
                 </a:solidFill>
@@ -4314,7 +4288,7 @@
               <a:t> 덕분에 가능</a:t>
             </a:r>
             <a:r>
-              <a:rPr lang="en-US" altLang="ko-KR" dirty="0" smtClean="0">
+              <a:rPr lang="en-US" altLang="ko-KR" dirty="0">
                 <a:solidFill>
                   <a:schemeClr val="tx1"/>
                 </a:solidFill>
@@ -4325,7 +4299,7 @@
           <a:p>
             <a:pPr algn="ctr"/>
             <a:r>
-              <a:rPr lang="ko-KR" altLang="en-US" dirty="0" smtClean="0">
+              <a:rPr lang="ko-KR" altLang="en-US" dirty="0">
                 <a:solidFill>
                   <a:schemeClr val="tx1"/>
                 </a:solidFill>
@@ -4333,7 +4307,7 @@
               <a:t>저 값은 </a:t>
             </a:r>
             <a:r>
-              <a:rPr lang="ko-KR" altLang="en-US" dirty="0" err="1" smtClean="0">
+              <a:rPr lang="ko-KR" altLang="en-US" dirty="0" err="1">
                 <a:solidFill>
                   <a:schemeClr val="tx1"/>
                 </a:solidFill>
@@ -4341,7 +4315,7 @@
               <a:t>튜플</a:t>
             </a:r>
             <a:r>
-              <a:rPr lang="ko-KR" altLang="en-US" dirty="0" smtClean="0">
+              <a:rPr lang="ko-KR" altLang="en-US" dirty="0">
                 <a:solidFill>
                   <a:schemeClr val="tx1"/>
                 </a:solidFill>
@@ -4349,7 +4323,7 @@
               <a:t> 형태로 반환된 것</a:t>
             </a:r>
             <a:r>
-              <a:rPr lang="en-US" altLang="ko-KR" dirty="0" smtClean="0">
+              <a:rPr lang="en-US" altLang="ko-KR" dirty="0">
                 <a:solidFill>
                   <a:schemeClr val="tx1"/>
                 </a:solidFill>
@@ -4360,21 +4334,13 @@
           <a:p>
             <a:pPr algn="ctr"/>
             <a:r>
-              <a:rPr lang="ko-KR" altLang="en-US" dirty="0" smtClean="0">
+              <a:rPr lang="ko-KR" altLang="en-US" dirty="0">
                 <a:solidFill>
                   <a:schemeClr val="tx1"/>
                 </a:solidFill>
               </a:rPr>
               <a:t>값이 단수가 아니라 복수의 반환이 가능함</a:t>
             </a:r>
-            <a:endParaRPr lang="en-US" altLang="ko-KR" dirty="0" smtClean="0">
-              <a:solidFill>
-                <a:schemeClr val="tx1"/>
-              </a:solidFill>
-            </a:endParaRPr>
-          </a:p>
-          <a:p>
-            <a:pPr algn="ctr"/>
             <a:endParaRPr lang="en-US" altLang="ko-KR" dirty="0">
               <a:solidFill>
                 <a:schemeClr val="tx1"/>
@@ -4383,8 +4349,16 @@
           </a:p>
           <a:p>
             <a:pPr algn="ctr"/>
-            <a:r>
-              <a:rPr lang="ko-KR" altLang="en-US" b="1" dirty="0" err="1" smtClean="0">
+            <a:endParaRPr lang="en-US" altLang="ko-KR" dirty="0">
+              <a:solidFill>
+                <a:schemeClr val="tx1"/>
+              </a:solidFill>
+            </a:endParaRPr>
+          </a:p>
+          <a:p>
+            <a:pPr algn="ctr"/>
+            <a:r>
+              <a:rPr lang="ko-KR" altLang="en-US" b="1" dirty="0" err="1">
                 <a:solidFill>
                   <a:srgbClr val="FF0000"/>
                 </a:solidFill>
@@ -4392,7 +4366,7 @@
               <a:t>파이썬만</a:t>
             </a:r>
             <a:r>
-              <a:rPr lang="ko-KR" altLang="en-US" b="1" dirty="0" smtClean="0">
+              <a:rPr lang="ko-KR" altLang="en-US" b="1" dirty="0">
                 <a:solidFill>
                   <a:srgbClr val="FF0000"/>
                 </a:solidFill>
@@ -4400,7 +4374,7 @@
               <a:t> 가능한 </a:t>
             </a:r>
             <a:r>
-              <a:rPr lang="ko-KR" altLang="en-US" b="1" dirty="0" err="1" smtClean="0">
+              <a:rPr lang="ko-KR" altLang="en-US" b="1" dirty="0" err="1">
                 <a:solidFill>
                   <a:srgbClr val="FF0000"/>
                 </a:solidFill>
@@ -4514,7 +4488,7 @@
           <a:p>
             <a:pPr algn="ctr"/>
             <a:r>
-              <a:rPr lang="en-US" altLang="ko-KR" dirty="0" smtClean="0">
+              <a:rPr lang="en-US" altLang="ko-KR" dirty="0">
                 <a:solidFill>
                   <a:schemeClr val="tx1"/>
                 </a:solidFill>
@@ -4522,7 +4496,7 @@
               <a:t>Reference rewriting: </a:t>
             </a:r>
             <a:r>
-              <a:rPr lang="ko-KR" altLang="en-US" dirty="0" smtClean="0">
+              <a:rPr lang="ko-KR" altLang="en-US" dirty="0">
                 <a:solidFill>
                   <a:schemeClr val="tx1"/>
                 </a:solidFill>
@@ -4530,7 +4504,7 @@
               <a:t>어떤 경우에는 레퍼런스를 덮어쓰는 경우도 있고</a:t>
             </a:r>
             <a:r>
-              <a:rPr lang="en-US" altLang="ko-KR" dirty="0" smtClean="0">
+              <a:rPr lang="en-US" altLang="ko-KR" dirty="0">
                 <a:solidFill>
                   <a:schemeClr val="tx1"/>
                 </a:solidFill>
@@ -4538,7 +4512,7 @@
               <a:t>, </a:t>
             </a:r>
             <a:r>
-              <a:rPr lang="ko-KR" altLang="en-US" dirty="0" smtClean="0">
+              <a:rPr lang="ko-KR" altLang="en-US" dirty="0">
                 <a:solidFill>
                   <a:schemeClr val="tx1"/>
                 </a:solidFill>
@@ -4546,7 +4520,7 @@
               <a:t>어떤 경우에는 덮어쓰지 않는 경우가 있다</a:t>
             </a:r>
             <a:r>
-              <a:rPr lang="en-US" altLang="ko-KR" dirty="0" smtClean="0">
+              <a:rPr lang="en-US" altLang="ko-KR" dirty="0">
                 <a:solidFill>
                   <a:schemeClr val="tx1"/>
                 </a:solidFill>
@@ -4682,7 +4656,7 @@
           <a:lstStyle/>
           <a:p>
             <a:pPr algn="ctr"/>
-            <a:endParaRPr lang="en-US" altLang="ko-KR" dirty="0" smtClean="0">
+            <a:endParaRPr lang="en-US" altLang="ko-KR" dirty="0">
               <a:solidFill>
                 <a:schemeClr val="tx1"/>
               </a:solidFill>
@@ -4735,7 +4709,7 @@
           <a:p>
             <a:pPr algn="ctr"/>
             <a:r>
-              <a:rPr lang="en-US" altLang="ko-KR" dirty="0" smtClean="0">
+              <a:rPr lang="en-US" altLang="ko-KR" dirty="0">
                 <a:solidFill>
                   <a:schemeClr val="tx1"/>
                 </a:solidFill>
@@ -4743,7 +4717,7 @@
               <a:t>‘dic1 </a:t>
             </a:r>
             <a:r>
-              <a:rPr lang="ko-KR" altLang="en-US" dirty="0" smtClean="0">
+              <a:rPr lang="ko-KR" altLang="en-US" dirty="0">
                 <a:solidFill>
                   <a:schemeClr val="tx1"/>
                 </a:solidFill>
@@ -4751,7 +4725,7 @@
               <a:t>값이 </a:t>
             </a:r>
             <a:r>
-              <a:rPr lang="en-US" altLang="ko-KR" dirty="0" smtClean="0">
+              <a:rPr lang="en-US" altLang="ko-KR" dirty="0">
                 <a:solidFill>
                   <a:schemeClr val="tx1"/>
                 </a:solidFill>
@@ -4759,7 +4733,7 @@
               <a:t>dic2</a:t>
             </a:r>
             <a:r>
-              <a:rPr lang="ko-KR" altLang="en-US" dirty="0" smtClean="0">
+              <a:rPr lang="ko-KR" altLang="en-US" dirty="0">
                 <a:solidFill>
                   <a:schemeClr val="tx1"/>
                 </a:solidFill>
@@ -4767,14 +4741,14 @@
               <a:t>로 </a:t>
             </a:r>
             <a:r>
-              <a:rPr lang="ko-KR" altLang="en-US" dirty="0" err="1" smtClean="0">
+              <a:rPr lang="ko-KR" altLang="en-US" dirty="0" err="1">
                 <a:solidFill>
                   <a:schemeClr val="tx1"/>
                 </a:solidFill>
               </a:rPr>
               <a:t>덮어씌워짐</a:t>
             </a:r>
-            <a:endParaRPr lang="en-US" altLang="ko-KR" dirty="0" smtClean="0">
+            <a:endParaRPr lang="en-US" altLang="ko-KR" dirty="0">
               <a:solidFill>
                 <a:schemeClr val="tx1"/>
               </a:solidFill>
@@ -4783,7 +4757,7 @@
           <a:p>
             <a:pPr algn="ctr"/>
             <a:r>
-              <a:rPr lang="ko-KR" altLang="en-US" dirty="0" smtClean="0">
+              <a:rPr lang="ko-KR" altLang="en-US" dirty="0">
                 <a:solidFill>
                   <a:schemeClr val="tx1"/>
                 </a:solidFill>
@@ -4791,7 +4765,7 @@
               <a:t>이걸 설명하려면 </a:t>
             </a:r>
             <a:r>
-              <a:rPr lang="ko-KR" altLang="en-US" dirty="0" err="1" smtClean="0">
+              <a:rPr lang="ko-KR" altLang="en-US" dirty="0" err="1">
                 <a:solidFill>
                   <a:schemeClr val="tx1"/>
                 </a:solidFill>
@@ -4799,7 +4773,7 @@
               <a:t>자료형</a:t>
             </a:r>
             <a:r>
-              <a:rPr lang="ko-KR" altLang="en-US" dirty="0" smtClean="0">
+              <a:rPr lang="ko-KR" altLang="en-US" dirty="0">
                 <a:solidFill>
                   <a:schemeClr val="tx1"/>
                 </a:solidFill>
@@ -4807,7 +4781,7 @@
               <a:t> 별 구분을 설명해야 하는데</a:t>
             </a:r>
             <a:r>
-              <a:rPr lang="en-US" altLang="ko-KR" dirty="0" smtClean="0">
+              <a:rPr lang="en-US" altLang="ko-KR" dirty="0">
                 <a:solidFill>
                   <a:schemeClr val="tx1"/>
                 </a:solidFill>
@@ -4897,18 +4871,13 @@
           <a:p>
             <a:pPr algn="ctr"/>
             <a:r>
-              <a:rPr lang="ko-KR" altLang="en-US" dirty="0" smtClean="0">
+              <a:rPr lang="ko-KR" altLang="en-US" dirty="0">
                 <a:solidFill>
                   <a:schemeClr val="tx1"/>
                 </a:solidFill>
               </a:rPr>
               <a:t>함수</a:t>
             </a:r>
-            <a:endParaRPr lang="ko-KR" altLang="en-US" dirty="0">
-              <a:solidFill>
-                <a:schemeClr val="tx1"/>
-              </a:solidFill>
-            </a:endParaRPr>
           </a:p>
         </p:txBody>
       </p:sp>
@@ -4987,7 +4956,7 @@
           <a:p>
             <a:pPr algn="ctr"/>
             <a:r>
-              <a:rPr lang="en-US" altLang="ko-KR" dirty="0" smtClean="0">
+              <a:rPr lang="en-US" altLang="ko-KR" dirty="0">
                 <a:solidFill>
                   <a:schemeClr val="tx1"/>
                 </a:solidFill>
@@ -4998,7 +4967,7 @@
           <a:p>
             <a:pPr algn="ctr"/>
             <a:r>
-              <a:rPr lang="en-US" altLang="ko-KR" sz="1600" dirty="0" smtClean="0">
+              <a:rPr lang="en-US" altLang="ko-KR" sz="1600" dirty="0">
                 <a:solidFill>
                   <a:schemeClr val="tx1"/>
                 </a:solidFill>
@@ -5006,7 +4975,7 @@
               <a:t>(</a:t>
             </a:r>
             <a:r>
-              <a:rPr lang="ko-KR" altLang="en-US" sz="1600" dirty="0" smtClean="0">
+              <a:rPr lang="ko-KR" altLang="en-US" sz="1600" dirty="0">
                 <a:solidFill>
                   <a:schemeClr val="tx1"/>
                 </a:solidFill>
@@ -5014,7 +4983,7 @@
               <a:t>변경 가능 </a:t>
             </a:r>
             <a:r>
-              <a:rPr lang="en-US" altLang="ko-KR" sz="1600" dirty="0" smtClean="0">
+              <a:rPr lang="en-US" altLang="ko-KR" sz="1600" dirty="0">
                 <a:solidFill>
                   <a:schemeClr val="tx1"/>
                 </a:solidFill>
@@ -5022,7 +4991,7 @@
               <a:t>vs </a:t>
             </a:r>
             <a:r>
-              <a:rPr lang="ko-KR" altLang="en-US" sz="1600" dirty="0" smtClean="0">
+              <a:rPr lang="ko-KR" altLang="en-US" sz="1600" dirty="0">
                 <a:solidFill>
                   <a:schemeClr val="tx1"/>
                 </a:solidFill>
@@ -5030,7 +4999,7 @@
               <a:t>읽기 전용</a:t>
             </a:r>
             <a:r>
-              <a:rPr lang="en-US" altLang="ko-KR" sz="1600" dirty="0" smtClean="0">
+              <a:rPr lang="en-US" altLang="ko-KR" sz="1600" dirty="0">
                 <a:solidFill>
                   <a:schemeClr val="tx1"/>
                 </a:solidFill>
@@ -5120,7 +5089,7 @@
           <a:p>
             <a:pPr algn="ctr"/>
             <a:r>
-              <a:rPr lang="en-US" altLang="ko-KR" dirty="0" smtClean="0">
+              <a:rPr lang="en-US" altLang="ko-KR" dirty="0">
                 <a:solidFill>
                   <a:schemeClr val="tx1"/>
                 </a:solidFill>
@@ -5180,7 +5149,7 @@
           <a:p>
             <a:pPr algn="ctr"/>
             <a:r>
-              <a:rPr lang="en-US" altLang="ko-KR" dirty="0" smtClean="0">
+              <a:rPr lang="en-US" altLang="ko-KR" dirty="0">
                 <a:solidFill>
                   <a:schemeClr val="tx1"/>
                 </a:solidFill>
@@ -5236,7 +5205,7 @@
           <a:p>
             <a:pPr algn="ctr"/>
             <a:r>
-              <a:rPr lang="en-US" altLang="ko-KR" dirty="0" smtClean="0">
+              <a:rPr lang="en-US" altLang="ko-KR" dirty="0">
                 <a:solidFill>
                   <a:schemeClr val="tx1"/>
                 </a:solidFill>
@@ -5296,7 +5265,7 @@
           <a:p>
             <a:pPr algn="ctr"/>
             <a:r>
-              <a:rPr lang="en-US" altLang="ko-KR" dirty="0" smtClean="0">
+              <a:rPr lang="en-US" altLang="ko-KR" dirty="0">
                 <a:solidFill>
                   <a:schemeClr val="tx1"/>
                 </a:solidFill>
@@ -5404,7 +5373,7 @@
           <a:p>
             <a:pPr algn="ctr"/>
             <a:r>
-              <a:rPr lang="en-US" altLang="ko-KR" dirty="0" smtClean="0">
+              <a:rPr lang="en-US" altLang="ko-KR" dirty="0">
                 <a:solidFill>
                   <a:schemeClr val="tx1"/>
                 </a:solidFill>
@@ -5499,7 +5468,7 @@
           <a:p>
             <a:pPr algn="ctr"/>
             <a:r>
-              <a:rPr lang="en-US" altLang="ko-KR" dirty="0" smtClean="0">
+              <a:rPr lang="en-US" altLang="ko-KR" dirty="0">
                 <a:solidFill>
                   <a:schemeClr val="tx1"/>
                 </a:solidFill>
@@ -5561,7 +5530,7 @@
           <a:p>
             <a:pPr algn="ctr"/>
             <a:r>
-              <a:rPr lang="en-US" altLang="ko-KR" dirty="0" smtClean="0">
+              <a:rPr lang="en-US" altLang="ko-KR" dirty="0">
                 <a:solidFill>
                   <a:schemeClr val="tx1"/>
                 </a:solidFill>
@@ -5621,7 +5590,7 @@
           <a:p>
             <a:pPr algn="ctr"/>
             <a:r>
-              <a:rPr lang="ko-KR" altLang="en-US" smtClean="0">
+              <a:rPr lang="ko-KR" altLang="en-US">
                 <a:solidFill>
                   <a:schemeClr val="tx1"/>
                 </a:solidFill>
@@ -5681,7 +5650,7 @@
           <a:p>
             <a:pPr algn="ctr"/>
             <a:r>
-              <a:rPr lang="en-US" altLang="ko-KR" dirty="0" smtClean="0">
+              <a:rPr lang="en-US" altLang="ko-KR" dirty="0">
                 <a:solidFill>
                   <a:schemeClr val="tx1"/>
                 </a:solidFill>
@@ -5741,18 +5710,13 @@
           <a:p>
             <a:pPr algn="ctr"/>
             <a:r>
-              <a:rPr lang="ko-KR" altLang="en-US" dirty="0" smtClean="0">
+              <a:rPr lang="ko-KR" altLang="en-US" dirty="0">
                 <a:solidFill>
                   <a:schemeClr val="tx1"/>
                 </a:solidFill>
               </a:rPr>
               <a:t>메모리</a:t>
             </a:r>
-            <a:endParaRPr lang="ko-KR" altLang="en-US" dirty="0">
-              <a:solidFill>
-                <a:schemeClr val="tx1"/>
-              </a:solidFill>
-            </a:endParaRPr>
           </a:p>
         </p:txBody>
       </p:sp>
@@ -5801,7 +5765,7 @@
           <a:p>
             <a:pPr algn="ctr"/>
             <a:r>
-              <a:rPr lang="en-US" altLang="ko-KR" dirty="0" smtClean="0">
+              <a:rPr lang="en-US" altLang="ko-KR" dirty="0">
                 <a:solidFill>
                   <a:schemeClr val="tx1"/>
                 </a:solidFill>
@@ -5891,7 +5855,7 @@
           <a:p>
             <a:pPr algn="ctr"/>
             <a:r>
-              <a:rPr lang="en-US" altLang="ko-KR" dirty="0" smtClean="0">
+              <a:rPr lang="en-US" altLang="ko-KR" dirty="0">
                 <a:solidFill>
                   <a:schemeClr val="tx1"/>
                 </a:solidFill>
@@ -5911,7 +5875,7 @@
               <a:t></a:t>
             </a:r>
             <a:r>
-              <a:rPr lang="en-US" altLang="ko-KR" dirty="0" smtClean="0">
+              <a:rPr lang="en-US" altLang="ko-KR" dirty="0">
                 <a:solidFill>
                   <a:schemeClr val="tx1"/>
                 </a:solidFill>
@@ -5971,7 +5935,7 @@
           <a:p>
             <a:pPr algn="ctr"/>
             <a:r>
-              <a:rPr lang="en-US" altLang="ko-KR" dirty="0" smtClean="0">
+              <a:rPr lang="en-US" altLang="ko-KR" dirty="0">
                 <a:solidFill>
                   <a:schemeClr val="tx1"/>
                 </a:solidFill>
@@ -6027,7 +5991,7 @@
           <a:p>
             <a:pPr algn="ctr"/>
             <a:r>
-              <a:rPr lang="en-US" altLang="ko-KR" dirty="0" smtClean="0">
+              <a:rPr lang="en-US" altLang="ko-KR" dirty="0">
                 <a:solidFill>
                   <a:schemeClr val="tx1"/>
                 </a:solidFill>
@@ -6087,7 +6051,7 @@
           <a:p>
             <a:pPr algn="ctr"/>
             <a:r>
-              <a:rPr lang="en-US" altLang="ko-KR" dirty="0" smtClean="0">
+              <a:rPr lang="en-US" altLang="ko-KR" dirty="0">
                 <a:solidFill>
                   <a:schemeClr val="tx1"/>
                 </a:solidFill>
@@ -6098,7 +6062,7 @@
           <a:p>
             <a:pPr algn="ctr"/>
             <a:r>
-              <a:rPr lang="en-US" altLang="ko-KR" dirty="0" smtClean="0">
+              <a:rPr lang="en-US" altLang="ko-KR" dirty="0">
                 <a:solidFill>
                   <a:schemeClr val="tx1"/>
                 </a:solidFill>
@@ -6213,7 +6177,7 @@
           <a:p>
             <a:pPr algn="ctr"/>
             <a:r>
-              <a:rPr lang="en-US" altLang="ko-KR" dirty="0" smtClean="0">
+              <a:rPr lang="en-US" altLang="ko-KR" dirty="0">
                 <a:solidFill>
                   <a:schemeClr val="tx1"/>
                 </a:solidFill>
@@ -6275,7 +6239,7 @@
           <a:p>
             <a:pPr algn="ctr"/>
             <a:r>
-              <a:rPr lang="en-US" altLang="ko-KR" dirty="0" smtClean="0">
+              <a:rPr lang="en-US" altLang="ko-KR" dirty="0">
                 <a:solidFill>
                   <a:schemeClr val="tx1"/>
                 </a:solidFill>
@@ -6331,7 +6295,7 @@
           <a:p>
             <a:pPr algn="ctr"/>
             <a:r>
-              <a:rPr lang="en-US" altLang="ko-KR" dirty="0" smtClean="0">
+              <a:rPr lang="en-US" altLang="ko-KR" dirty="0">
                 <a:solidFill>
                   <a:schemeClr val="tx1"/>
                 </a:solidFill>
@@ -6426,7 +6390,7 @@
           <a:p>
             <a:pPr algn="ctr"/>
             <a:r>
-              <a:rPr lang="en-US" altLang="ko-KR" dirty="0" smtClean="0">
+              <a:rPr lang="en-US" altLang="ko-KR" dirty="0">
                 <a:solidFill>
                   <a:schemeClr val="tx1"/>
                 </a:solidFill>
@@ -6488,7 +6452,7 @@
           <a:p>
             <a:pPr algn="ctr"/>
             <a:r>
-              <a:rPr lang="en-US" altLang="ko-KR" dirty="0" smtClean="0">
+              <a:rPr lang="en-US" altLang="ko-KR" dirty="0">
                 <a:solidFill>
                   <a:schemeClr val="tx1"/>
                 </a:solidFill>
@@ -6594,7 +6558,7 @@
           <a:p>
             <a:pPr algn="ctr"/>
             <a:r>
-              <a:rPr lang="en-US" altLang="ko-KR" dirty="0" smtClean="0">
+              <a:rPr lang="en-US" altLang="ko-KR" dirty="0">
                 <a:solidFill>
                   <a:schemeClr val="tx1"/>
                 </a:solidFill>
@@ -6602,7 +6566,7 @@
               <a:t>X = 10</a:t>
             </a:r>
             <a:r>
-              <a:rPr lang="ko-KR" altLang="en-US" dirty="0" smtClean="0">
+              <a:rPr lang="ko-KR" altLang="en-US" dirty="0">
                 <a:solidFill>
                   <a:schemeClr val="tx1"/>
                 </a:solidFill>
@@ -6610,7 +6574,7 @@
               <a:t>이 </a:t>
             </a:r>
             <a:r>
-              <a:rPr lang="en-US" altLang="ko-KR" dirty="0" smtClean="0">
+              <a:rPr lang="en-US" altLang="ko-KR" dirty="0">
                 <a:solidFill>
                   <a:schemeClr val="tx1"/>
                 </a:solidFill>
@@ -6618,12 +6582,67 @@
               <a:t>11</a:t>
             </a:r>
             <a:r>
-              <a:rPr lang="ko-KR" altLang="en-US" dirty="0" smtClean="0">
+              <a:rPr lang="ko-KR" altLang="en-US" dirty="0">
                 <a:solidFill>
                   <a:schemeClr val="tx1"/>
                 </a:solidFill>
               </a:rPr>
               <a:t>로 바뀌면</a:t>
+            </a:r>
+          </a:p>
+        </p:txBody>
+      </p:sp>
+      <p:sp>
+        <p:nvSpPr>
+          <p:cNvPr id="18" name="직사각형 17"/>
+          <p:cNvSpPr/>
+          <p:nvPr/>
+        </p:nvSpPr>
+        <p:spPr>
+          <a:xfrm>
+            <a:off x="891862" y="1917723"/>
+            <a:ext cx="1331574" cy="502740"/>
+          </a:xfrm>
+          <a:prstGeom prst="rect">
+            <a:avLst/>
+          </a:prstGeom>
+          <a:solidFill>
+            <a:srgbClr val="00B0F0">
+              <a:alpha val="34000"/>
+            </a:srgbClr>
+          </a:solidFill>
+          <a:ln w="38100">
+            <a:noFill/>
+          </a:ln>
+        </p:spPr>
+        <p:style>
+          <a:lnRef idx="2">
+            <a:schemeClr val="accent1">
+              <a:shade val="50000"/>
+            </a:schemeClr>
+          </a:lnRef>
+          <a:fillRef idx="1">
+            <a:schemeClr val="accent1"/>
+          </a:fillRef>
+          <a:effectRef idx="0">
+            <a:schemeClr val="accent1"/>
+          </a:effectRef>
+          <a:fontRef idx="minor">
+            <a:schemeClr val="lt1"/>
+          </a:fontRef>
+        </p:style>
+        <p:txBody>
+          <a:bodyPr rtlCol="0" anchor="ctr"/>
+          <a:lstStyle/>
+          <a:p>
+            <a:pPr algn="ctr"/>
+            <a:r>
+              <a:rPr lang="ko-KR" altLang="en-US">
+                <a:solidFill>
+                  <a:schemeClr val="tx1"/>
+                </a:solidFill>
+              </a:rPr>
+              <a:t>다른 언어</a:t>
             </a:r>
             <a:endParaRPr lang="ko-KR" altLang="en-US" dirty="0">
               <a:solidFill>
@@ -6635,20 +6654,20 @@
       </p:sp>
       <p:sp>
         <p:nvSpPr>
-          <p:cNvPr id="18" name="직사각형 17"/>
+          <p:cNvPr id="19" name="직사각형 18"/>
           <p:cNvSpPr/>
           <p:nvPr/>
         </p:nvSpPr>
         <p:spPr>
           <a:xfrm>
-            <a:off x="891862" y="1917723"/>
+            <a:off x="891862" y="4740530"/>
             <a:ext cx="1331574" cy="502740"/>
           </a:xfrm>
           <a:prstGeom prst="rect">
             <a:avLst/>
           </a:prstGeom>
           <a:solidFill>
-            <a:srgbClr val="00B0F0">
+            <a:srgbClr val="FF0000">
               <a:alpha val="34000"/>
             </a:srgbClr>
           </a:solidFill>
@@ -6678,12 +6697,12 @@
           <a:p>
             <a:pPr algn="ctr"/>
             <a:r>
-              <a:rPr lang="ko-KR" altLang="en-US" smtClean="0">
-                <a:solidFill>
-                  <a:schemeClr val="tx1"/>
-                </a:solidFill>
-              </a:rPr>
-              <a:t>다른 언어</a:t>
+              <a:rPr lang="en-US" altLang="ko-KR" dirty="0">
+                <a:solidFill>
+                  <a:schemeClr val="tx1"/>
+                </a:solidFill>
+              </a:rPr>
+              <a:t>Py</a:t>
             </a:r>
             <a:endParaRPr lang="ko-KR" altLang="en-US" dirty="0">
               <a:solidFill>
@@ -6695,14 +6714,14 @@
       </p:sp>
       <p:sp>
         <p:nvSpPr>
-          <p:cNvPr id="19" name="직사각형 18"/>
+          <p:cNvPr id="20" name="직사각형 19"/>
           <p:cNvSpPr/>
           <p:nvPr/>
         </p:nvSpPr>
         <p:spPr>
           <a:xfrm>
-            <a:off x="891862" y="4740530"/>
-            <a:ext cx="1331574" cy="502740"/>
+            <a:off x="2656573" y="4991900"/>
+            <a:ext cx="2807407" cy="792566"/>
           </a:xfrm>
           <a:prstGeom prst="rect">
             <a:avLst/>
@@ -6738,31 +6757,101 @@
           <a:p>
             <a:pPr algn="ctr"/>
             <a:r>
-              <a:rPr lang="en-US" altLang="ko-KR" dirty="0" smtClean="0">
-                <a:solidFill>
-                  <a:schemeClr val="tx1"/>
-                </a:solidFill>
-              </a:rPr>
-              <a:t>Py</a:t>
-            </a:r>
-            <a:endParaRPr lang="ko-KR" altLang="en-US" dirty="0">
-              <a:solidFill>
-                <a:schemeClr val="tx1"/>
-              </a:solidFill>
-            </a:endParaRPr>
-          </a:p>
-        </p:txBody>
-      </p:sp>
-      <p:sp>
-        <p:nvSpPr>
-          <p:cNvPr id="20" name="직사각형 19"/>
+              <a:rPr lang="en-US" altLang="ko-KR" sz="1400" dirty="0">
+                <a:solidFill>
+                  <a:schemeClr val="tx1"/>
+                </a:solidFill>
+              </a:rPr>
+              <a:t>X</a:t>
+            </a:r>
+            <a:r>
+              <a:rPr lang="ko-KR" altLang="en-US" sz="1400" dirty="0">
+                <a:solidFill>
+                  <a:schemeClr val="tx1"/>
+                </a:solidFill>
+              </a:rPr>
+              <a:t>가 </a:t>
+            </a:r>
+            <a:r>
+              <a:rPr lang="en-US" altLang="ko-KR" sz="1400" dirty="0">
+                <a:solidFill>
+                  <a:schemeClr val="tx1"/>
+                </a:solidFill>
+              </a:rPr>
+              <a:t>11</a:t>
+            </a:r>
+            <a:r>
+              <a:rPr lang="ko-KR" altLang="en-US" sz="1400" dirty="0">
+                <a:solidFill>
+                  <a:schemeClr val="tx1"/>
+                </a:solidFill>
+              </a:rPr>
+              <a:t>이라고</a:t>
+            </a:r>
+            <a:r>
+              <a:rPr lang="en-US" altLang="ko-KR" sz="1400" dirty="0">
+                <a:solidFill>
+                  <a:schemeClr val="tx1"/>
+                </a:solidFill>
+              </a:rPr>
+              <a:t>?</a:t>
+            </a:r>
+          </a:p>
+          <a:p>
+            <a:pPr algn="ctr"/>
+            <a:r>
+              <a:rPr lang="en-US" altLang="ko-KR" sz="1400" dirty="0">
+                <a:solidFill>
+                  <a:schemeClr val="tx1"/>
+                </a:solidFill>
+              </a:rPr>
+              <a:t>11</a:t>
+            </a:r>
+            <a:r>
+              <a:rPr lang="ko-KR" altLang="en-US" sz="1400" dirty="0">
+                <a:solidFill>
+                  <a:schemeClr val="tx1"/>
+                </a:solidFill>
+              </a:rPr>
+              <a:t>이라는 값에서 </a:t>
+            </a:r>
+            <a:r>
+              <a:rPr lang="en-US" altLang="ko-KR" sz="1400" dirty="0">
+                <a:solidFill>
+                  <a:schemeClr val="tx1"/>
+                </a:solidFill>
+              </a:rPr>
+              <a:t>x</a:t>
+            </a:r>
+            <a:r>
+              <a:rPr lang="ko-KR" altLang="en-US" sz="1400" dirty="0" err="1">
+                <a:solidFill>
+                  <a:schemeClr val="tx1"/>
+                </a:solidFill>
+              </a:rPr>
+              <a:t>를</a:t>
+            </a:r>
+            <a:r>
+              <a:rPr lang="ko-KR" altLang="en-US" sz="1400" dirty="0">
+                <a:solidFill>
+                  <a:schemeClr val="tx1"/>
+                </a:solidFill>
+              </a:rPr>
+              <a:t> 가리키자</a:t>
+            </a:r>
+          </a:p>
+        </p:txBody>
+      </p:sp>
+      <p:sp>
+        <p:nvSpPr>
+          <p:cNvPr id="21" name="직사각형 20"/>
           <p:cNvSpPr/>
           <p:nvPr/>
         </p:nvSpPr>
         <p:spPr>
           <a:xfrm>
-            <a:off x="2656573" y="4991900"/>
-            <a:ext cx="2807407" cy="792566"/>
+            <a:off x="7225284" y="3176515"/>
+            <a:ext cx="3092997" cy="502739"/>
           </a:xfrm>
           <a:prstGeom prst="rect">
             <a:avLst/>
@@ -6798,87 +6887,99 @@
           <a:p>
             <a:pPr algn="ctr"/>
             <a:r>
-              <a:rPr lang="en-US" altLang="ko-KR" sz="1400" dirty="0" smtClean="0">
-                <a:solidFill>
-                  <a:schemeClr val="tx1"/>
-                </a:solidFill>
-              </a:rPr>
-              <a:t>X</a:t>
-            </a:r>
-            <a:r>
-              <a:rPr lang="ko-KR" altLang="en-US" sz="1400" dirty="0" smtClean="0">
-                <a:solidFill>
-                  <a:schemeClr val="tx1"/>
-                </a:solidFill>
-              </a:rPr>
-              <a:t>가 </a:t>
-            </a:r>
-            <a:r>
-              <a:rPr lang="en-US" altLang="ko-KR" sz="1400" dirty="0" smtClean="0">
-                <a:solidFill>
-                  <a:schemeClr val="tx1"/>
-                </a:solidFill>
-              </a:rPr>
-              <a:t>11</a:t>
-            </a:r>
-            <a:r>
-              <a:rPr lang="ko-KR" altLang="en-US" sz="1400" dirty="0" smtClean="0">
-                <a:solidFill>
-                  <a:schemeClr val="tx1"/>
-                </a:solidFill>
-              </a:rPr>
-              <a:t>이라고</a:t>
-            </a:r>
-            <a:r>
-              <a:rPr lang="en-US" altLang="ko-KR" sz="1400" dirty="0" smtClean="0">
-                <a:solidFill>
-                  <a:schemeClr val="tx1"/>
-                </a:solidFill>
-              </a:rPr>
-              <a:t>?</a:t>
-            </a:r>
-          </a:p>
-          <a:p>
-            <a:pPr algn="ctr"/>
-            <a:r>
-              <a:rPr lang="en-US" altLang="ko-KR" sz="1400" dirty="0" smtClean="0">
-                <a:solidFill>
-                  <a:schemeClr val="tx1"/>
-                </a:solidFill>
-              </a:rPr>
-              <a:t>11</a:t>
-            </a:r>
-            <a:r>
-              <a:rPr lang="ko-KR" altLang="en-US" sz="1400" dirty="0" smtClean="0">
-                <a:solidFill>
-                  <a:schemeClr val="tx1"/>
-                </a:solidFill>
-              </a:rPr>
-              <a:t>이라는 값에서 </a:t>
-            </a:r>
-            <a:r>
-              <a:rPr lang="en-US" altLang="ko-KR" sz="1400" dirty="0" smtClean="0">
-                <a:solidFill>
-                  <a:schemeClr val="tx1"/>
-                </a:solidFill>
-              </a:rPr>
-              <a:t>x</a:t>
-            </a:r>
-            <a:r>
-              <a:rPr lang="ko-KR" altLang="en-US" sz="1400" dirty="0" err="1" smtClean="0">
-                <a:solidFill>
-                  <a:schemeClr val="tx1"/>
-                </a:solidFill>
-              </a:rPr>
-              <a:t>를</a:t>
-            </a:r>
-            <a:r>
-              <a:rPr lang="ko-KR" altLang="en-US" sz="1400" dirty="0" smtClean="0">
-                <a:solidFill>
-                  <a:schemeClr val="tx1"/>
-                </a:solidFill>
-              </a:rPr>
-              <a:t> 가리키자</a:t>
+              <a:rPr lang="ko-KR" altLang="en-US" dirty="0">
+                <a:solidFill>
+                  <a:schemeClr val="tx1"/>
+                </a:solidFill>
+              </a:rPr>
+              <a:t>메모리</a:t>
+            </a:r>
+          </a:p>
+        </p:txBody>
+      </p:sp>
+      <p:sp>
+        <p:nvSpPr>
+          <p:cNvPr id="22" name="직사각형 21"/>
+          <p:cNvSpPr/>
+          <p:nvPr/>
+        </p:nvSpPr>
+        <p:spPr>
+          <a:xfrm>
+            <a:off x="2656573" y="5801804"/>
+            <a:ext cx="2807407" cy="792566"/>
+          </a:xfrm>
+          <a:prstGeom prst="rect">
+            <a:avLst/>
+          </a:prstGeom>
+          <a:solidFill>
+            <a:srgbClr val="FF0000">
+              <a:alpha val="34000"/>
+            </a:srgbClr>
+          </a:solidFill>
+          <a:ln w="38100">
+            <a:noFill/>
+          </a:ln>
+        </p:spPr>
+        <p:style>
+          <a:lnRef idx="2">
+            <a:schemeClr val="accent1">
+              <a:shade val="50000"/>
+            </a:schemeClr>
+          </a:lnRef>
+          <a:fillRef idx="1">
+            <a:schemeClr val="accent1"/>
+          </a:fillRef>
+          <a:effectRef idx="0">
+            <a:schemeClr val="accent1"/>
+          </a:effectRef>
+          <a:fontRef idx="minor">
+            <a:schemeClr val="lt1"/>
+          </a:fontRef>
+        </p:style>
+        <p:txBody>
+          <a:bodyPr rtlCol="0" anchor="ctr"/>
+          <a:lstStyle/>
+          <a:p>
+            <a:pPr algn="ctr"/>
+            <a:r>
+              <a:rPr lang="en-US" altLang="ko-KR" sz="1400" dirty="0">
+                <a:solidFill>
+                  <a:schemeClr val="tx1"/>
+                </a:solidFill>
+              </a:rPr>
+              <a:t>(</a:t>
+            </a:r>
+            <a:r>
+              <a:rPr lang="ko-KR" altLang="en-US" sz="1400" dirty="0">
+                <a:solidFill>
+                  <a:schemeClr val="tx1"/>
+                </a:solidFill>
+              </a:rPr>
+              <a:t>결과적으로 메모리에 </a:t>
+            </a:r>
+            <a:r>
+              <a:rPr lang="en-US" altLang="ko-KR" sz="1400" dirty="0">
+                <a:solidFill>
+                  <a:schemeClr val="tx1"/>
+                </a:solidFill>
+              </a:rPr>
+              <a:t>10</a:t>
+            </a:r>
+            <a:r>
+              <a:rPr lang="ko-KR" altLang="en-US" sz="1400" dirty="0">
+                <a:solidFill>
+                  <a:schemeClr val="tx1"/>
+                </a:solidFill>
+              </a:rPr>
+              <a:t>이라는 값은 남아있게 됨</a:t>
+            </a:r>
+            <a:r>
+              <a:rPr lang="en-US" altLang="ko-KR" sz="1400" dirty="0">
+                <a:solidFill>
+                  <a:schemeClr val="tx1"/>
+                </a:solidFill>
+              </a:rPr>
+              <a:t>.)</a:t>
             </a:r>
             <a:endParaRPr lang="ko-KR" altLang="en-US" sz="1400" dirty="0">
               <a:solidFill>
@@ -6890,20 +6991,20 @@
       </p:sp>
       <p:sp>
         <p:nvSpPr>
-          <p:cNvPr id="21" name="직사각형 20"/>
+          <p:cNvPr id="23" name="직사각형 22"/>
           <p:cNvSpPr/>
           <p:nvPr/>
         </p:nvSpPr>
         <p:spPr>
           <a:xfrm>
-            <a:off x="7225284" y="3176515"/>
-            <a:ext cx="3092997" cy="502739"/>
-          </a:xfrm>
-          <a:prstGeom prst="rect">
-            <a:avLst/>
-          </a:prstGeom>
-          <a:solidFill>
-            <a:srgbClr val="FF0000">
+            <a:off x="2656573" y="2511415"/>
+            <a:ext cx="2807407" cy="792566"/>
+          </a:xfrm>
+          <a:prstGeom prst="rect">
+            <a:avLst/>
+          </a:prstGeom>
+          <a:solidFill>
+            <a:srgbClr val="00B0F0">
               <a:alpha val="34000"/>
             </a:srgbClr>
           </a:solidFill>
@@ -6933,83 +7034,15 @@
           <a:p>
             <a:pPr algn="ctr"/>
             <a:r>
-              <a:rPr lang="ko-KR" altLang="en-US" dirty="0" smtClean="0">
-                <a:solidFill>
-                  <a:schemeClr val="tx1"/>
-                </a:solidFill>
-              </a:rPr>
-              <a:t>메모리</a:t>
-            </a:r>
-            <a:endParaRPr lang="ko-KR" altLang="en-US" dirty="0">
-              <a:solidFill>
-                <a:schemeClr val="tx1"/>
-              </a:solidFill>
-            </a:endParaRPr>
-          </a:p>
-        </p:txBody>
-      </p:sp>
-      <p:sp>
-        <p:nvSpPr>
-          <p:cNvPr id="22" name="직사각형 21"/>
-          <p:cNvSpPr/>
-          <p:nvPr/>
-        </p:nvSpPr>
-        <p:spPr>
-          <a:xfrm>
-            <a:off x="2656573" y="5801804"/>
-            <a:ext cx="2807407" cy="792566"/>
-          </a:xfrm>
-          <a:prstGeom prst="rect">
-            <a:avLst/>
-          </a:prstGeom>
-          <a:solidFill>
-            <a:srgbClr val="FF0000">
-              <a:alpha val="34000"/>
-            </a:srgbClr>
-          </a:solidFill>
-          <a:ln w="38100">
-            <a:noFill/>
-          </a:ln>
-        </p:spPr>
-        <p:style>
-          <a:lnRef idx="2">
-            <a:schemeClr val="accent1">
-              <a:shade val="50000"/>
-            </a:schemeClr>
-          </a:lnRef>
-          <a:fillRef idx="1">
-            <a:schemeClr val="accent1"/>
-          </a:fillRef>
-          <a:effectRef idx="0">
-            <a:schemeClr val="accent1"/>
-          </a:effectRef>
-          <a:fontRef idx="minor">
-            <a:schemeClr val="lt1"/>
-          </a:fontRef>
-        </p:style>
-        <p:txBody>
-          <a:bodyPr rtlCol="0" anchor="ctr"/>
-          <a:lstStyle/>
-          <a:p>
-            <a:pPr algn="ctr"/>
-            <a:r>
-              <a:rPr lang="en-US" altLang="ko-KR" sz="1400" dirty="0" smtClean="0">
-                <a:solidFill>
-                  <a:schemeClr val="tx1"/>
-                </a:solidFill>
-              </a:rPr>
-              <a:t>(</a:t>
-            </a:r>
-            <a:r>
-              <a:rPr lang="ko-KR" altLang="en-US" sz="1400" dirty="0" smtClean="0">
-                <a:solidFill>
-                  <a:schemeClr val="tx1"/>
-                </a:solidFill>
-              </a:rPr>
-              <a:t>결과적으로 메모리에 </a:t>
-            </a:r>
-            <a:r>
-              <a:rPr lang="en-US" altLang="ko-KR" sz="1400" dirty="0" smtClean="0">
+              <a:rPr lang="ko-KR" altLang="en-US" sz="1400" dirty="0">
+                <a:solidFill>
+                  <a:schemeClr val="tx1"/>
+                </a:solidFill>
+              </a:rPr>
+              <a:t>메모리 위에서 </a:t>
+            </a:r>
+            <a:r>
+              <a:rPr lang="en-US" altLang="ko-KR" sz="1400" dirty="0">
                 <a:solidFill>
                   <a:schemeClr val="tx1"/>
                 </a:solidFill>
@@ -7017,91 +7050,7 @@
               <a:t>10</a:t>
             </a:r>
             <a:r>
-              <a:rPr lang="ko-KR" altLang="en-US" sz="1400" dirty="0" smtClean="0">
-                <a:solidFill>
-                  <a:schemeClr val="tx1"/>
-                </a:solidFill>
-              </a:rPr>
-              <a:t>이라는 값은 남아있게 됨</a:t>
-            </a:r>
-            <a:r>
-              <a:rPr lang="en-US" altLang="ko-KR" sz="1400" dirty="0" smtClean="0">
-                <a:solidFill>
-                  <a:schemeClr val="tx1"/>
-                </a:solidFill>
-              </a:rPr>
-              <a:t>.)</a:t>
-            </a:r>
-            <a:endParaRPr lang="ko-KR" altLang="en-US" sz="1400" dirty="0">
-              <a:solidFill>
-                <a:schemeClr val="tx1"/>
-              </a:solidFill>
-            </a:endParaRPr>
-          </a:p>
-        </p:txBody>
-      </p:sp>
-      <p:sp>
-        <p:nvSpPr>
-          <p:cNvPr id="23" name="직사각형 22"/>
-          <p:cNvSpPr/>
-          <p:nvPr/>
-        </p:nvSpPr>
-        <p:spPr>
-          <a:xfrm>
-            <a:off x="2656573" y="2511415"/>
-            <a:ext cx="2807407" cy="792566"/>
-          </a:xfrm>
-          <a:prstGeom prst="rect">
-            <a:avLst/>
-          </a:prstGeom>
-          <a:solidFill>
-            <a:srgbClr val="00B0F0">
-              <a:alpha val="34000"/>
-            </a:srgbClr>
-          </a:solidFill>
-          <a:ln w="38100">
-            <a:noFill/>
-          </a:ln>
-        </p:spPr>
-        <p:style>
-          <a:lnRef idx="2">
-            <a:schemeClr val="accent1">
-              <a:shade val="50000"/>
-            </a:schemeClr>
-          </a:lnRef>
-          <a:fillRef idx="1">
-            <a:schemeClr val="accent1"/>
-          </a:fillRef>
-          <a:effectRef idx="0">
-            <a:schemeClr val="accent1"/>
-          </a:effectRef>
-          <a:fontRef idx="minor">
-            <a:schemeClr val="lt1"/>
-          </a:fontRef>
-        </p:style>
-        <p:txBody>
-          <a:bodyPr rtlCol="0" anchor="ctr"/>
-          <a:lstStyle/>
-          <a:p>
-            <a:pPr algn="ctr"/>
-            <a:r>
-              <a:rPr lang="ko-KR" altLang="en-US" sz="1400" dirty="0" smtClean="0">
-                <a:solidFill>
-                  <a:schemeClr val="tx1"/>
-                </a:solidFill>
-              </a:rPr>
-              <a:t>메모리 위에서 </a:t>
-            </a:r>
-            <a:r>
-              <a:rPr lang="en-US" altLang="ko-KR" sz="1400" dirty="0" smtClean="0">
-                <a:solidFill>
-                  <a:schemeClr val="tx1"/>
-                </a:solidFill>
-              </a:rPr>
-              <a:t>10</a:t>
-            </a:r>
-            <a:r>
-              <a:rPr lang="ko-KR" altLang="en-US" sz="1400" dirty="0" smtClean="0">
+              <a:rPr lang="ko-KR" altLang="en-US" sz="1400" dirty="0">
                 <a:solidFill>
                   <a:schemeClr val="tx1"/>
                 </a:solidFill>
@@ -7109,7 +7058,7 @@
               <a:t>을 지우고</a:t>
             </a:r>
             <a:r>
-              <a:rPr lang="en-US" altLang="ko-KR" sz="1400" dirty="0" smtClean="0">
+              <a:rPr lang="en-US" altLang="ko-KR" sz="1400" dirty="0">
                 <a:solidFill>
                   <a:schemeClr val="tx1"/>
                 </a:solidFill>
@@ -7120,7 +7069,7 @@
           <a:p>
             <a:pPr algn="ctr"/>
             <a:r>
-              <a:rPr lang="en-US" altLang="ko-KR" sz="1400" dirty="0" smtClean="0">
+              <a:rPr lang="en-US" altLang="ko-KR" sz="1400" dirty="0">
                 <a:solidFill>
                   <a:schemeClr val="tx1"/>
                 </a:solidFill>
@@ -7128,18 +7077,13 @@
               <a:t>11</a:t>
             </a:r>
             <a:r>
-              <a:rPr lang="ko-KR" altLang="en-US" sz="1400" dirty="0" smtClean="0">
+              <a:rPr lang="ko-KR" altLang="en-US" sz="1400" dirty="0">
                 <a:solidFill>
                   <a:schemeClr val="tx1"/>
                 </a:solidFill>
               </a:rPr>
               <a:t>을 넣는다</a:t>
             </a:r>
-            <a:endParaRPr lang="ko-KR" altLang="en-US" sz="1400" dirty="0">
-              <a:solidFill>
-                <a:schemeClr val="tx1"/>
-              </a:solidFill>
-            </a:endParaRPr>
           </a:p>
         </p:txBody>
       </p:sp>
@@ -7218,7 +7162,7 @@
           <a:p>
             <a:pPr algn="ctr"/>
             <a:r>
-              <a:rPr lang="en-US" altLang="ko-KR" dirty="0" smtClean="0">
+              <a:rPr lang="en-US" altLang="ko-KR" dirty="0">
                 <a:solidFill>
                   <a:schemeClr val="tx1"/>
                 </a:solidFill>
@@ -7278,7 +7222,7 @@
           <a:p>
             <a:pPr algn="ctr"/>
             <a:r>
-              <a:rPr lang="en-US" altLang="ko-KR" dirty="0" smtClean="0">
+              <a:rPr lang="en-US" altLang="ko-KR" dirty="0">
                 <a:solidFill>
                   <a:schemeClr val="tx1"/>
                 </a:solidFill>
@@ -7338,7 +7282,7 @@
           <a:p>
             <a:pPr algn="ctr"/>
             <a:r>
-              <a:rPr lang="en-US" altLang="ko-KR" dirty="0" smtClean="0">
+              <a:rPr lang="en-US" altLang="ko-KR" dirty="0">
                 <a:solidFill>
                   <a:schemeClr val="tx1"/>
                 </a:solidFill>
@@ -7398,7 +7342,7 @@
           <a:p>
             <a:pPr algn="ctr"/>
             <a:r>
-              <a:rPr lang="en-US" altLang="ko-KR" dirty="0" smtClean="0">
+              <a:rPr lang="en-US" altLang="ko-KR" dirty="0">
                 <a:solidFill>
                   <a:schemeClr val="tx1"/>
                 </a:solidFill>
@@ -7458,7 +7402,7 @@
           <a:p>
             <a:pPr algn="ctr"/>
             <a:r>
-              <a:rPr lang="en-US" altLang="ko-KR" dirty="0" smtClean="0">
+              <a:rPr lang="en-US" altLang="ko-KR" dirty="0">
                 <a:solidFill>
                   <a:schemeClr val="tx1"/>
                 </a:solidFill>
@@ -7518,7 +7462,7 @@
           <a:p>
             <a:pPr algn="ctr"/>
             <a:r>
-              <a:rPr lang="en-US" altLang="ko-KR" dirty="0" smtClean="0">
+              <a:rPr lang="en-US" altLang="ko-KR" dirty="0">
                 <a:solidFill>
                   <a:schemeClr val="tx1"/>
                 </a:solidFill>
@@ -7578,7 +7522,7 @@
           <a:p>
             <a:pPr algn="ctr"/>
             <a:r>
-              <a:rPr lang="en-US" altLang="ko-KR" dirty="0" smtClean="0">
+              <a:rPr lang="en-US" altLang="ko-KR" dirty="0">
                 <a:solidFill>
                   <a:schemeClr val="tx1"/>
                 </a:solidFill>
@@ -7638,7 +7582,7 @@
           <a:p>
             <a:pPr algn="ctr"/>
             <a:r>
-              <a:rPr lang="en-US" altLang="ko-KR" dirty="0" smtClean="0">
+              <a:rPr lang="en-US" altLang="ko-KR" dirty="0">
                 <a:solidFill>
                   <a:schemeClr val="tx1"/>
                 </a:solidFill>
@@ -7698,7 +7642,7 @@
           <a:p>
             <a:pPr algn="ctr"/>
             <a:r>
-              <a:rPr lang="en-US" altLang="ko-KR" dirty="0" smtClean="0">
+              <a:rPr lang="en-US" altLang="ko-KR" dirty="0">
                 <a:solidFill>
                   <a:schemeClr val="tx1"/>
                 </a:solidFill>
@@ -7862,7 +7806,7 @@
           <a:p>
             <a:pPr algn="ctr"/>
             <a:r>
-              <a:rPr lang="en-US" altLang="ko-KR" dirty="0" smtClean="0">
+              <a:rPr lang="en-US" altLang="ko-KR" dirty="0">
                 <a:solidFill>
                   <a:schemeClr val="tx1"/>
                 </a:solidFill>
@@ -7952,7 +7896,7 @@
           <a:p>
             <a:pPr algn="ctr"/>
             <a:r>
-              <a:rPr lang="en-US" altLang="ko-KR" dirty="0" smtClean="0">
+              <a:rPr lang="en-US" altLang="ko-KR" dirty="0">
                 <a:solidFill>
                   <a:schemeClr val="tx1"/>
                 </a:solidFill>
@@ -7960,7 +7904,7 @@
               <a:t>immutable</a:t>
             </a:r>
             <a:r>
-              <a:rPr lang="ko-KR" altLang="en-US" dirty="0" smtClean="0">
+              <a:rPr lang="ko-KR" altLang="en-US" dirty="0">
                 <a:solidFill>
                   <a:schemeClr val="tx1"/>
                 </a:solidFill>
@@ -7968,7 +7912,7 @@
               <a:t>은 안쪽에서 데이터가 변경되면 메모리 주소가 바뀐다</a:t>
             </a:r>
             <a:r>
-              <a:rPr lang="en-US" altLang="ko-KR" dirty="0" smtClean="0">
+              <a:rPr lang="en-US" altLang="ko-KR" dirty="0">
                 <a:solidFill>
                   <a:schemeClr val="tx1"/>
                 </a:solidFill>
@@ -8023,7 +7967,7 @@
           <a:p>
             <a:pPr algn="ctr"/>
             <a:r>
-              <a:rPr lang="ko-KR" altLang="en-US" dirty="0" smtClean="0">
+              <a:rPr lang="ko-KR" altLang="en-US" dirty="0">
                 <a:solidFill>
                   <a:schemeClr val="tx1"/>
                 </a:solidFill>
@@ -8031,7 +7975,7 @@
               <a:t>값</a:t>
             </a:r>
             <a:r>
-              <a:rPr lang="en-US" altLang="ko-KR" dirty="0" smtClean="0">
+              <a:rPr lang="en-US" altLang="ko-KR" dirty="0">
                 <a:solidFill>
                   <a:schemeClr val="tx1"/>
                 </a:solidFill>
@@ -8086,7 +8030,7 @@
           <a:p>
             <a:pPr algn="ctr"/>
             <a:r>
-              <a:rPr lang="ko-KR" altLang="en-US" dirty="0" smtClean="0">
+              <a:rPr lang="ko-KR" altLang="en-US" dirty="0">
                 <a:solidFill>
                   <a:schemeClr val="tx1"/>
                 </a:solidFill>
@@ -8094,7 +8038,7 @@
               <a:t>값</a:t>
             </a:r>
             <a:r>
-              <a:rPr lang="en-US" altLang="ko-KR" dirty="0" smtClean="0">
+              <a:rPr lang="en-US" altLang="ko-KR" dirty="0">
                 <a:solidFill>
                   <a:schemeClr val="tx1"/>
                 </a:solidFill>
@@ -8149,7 +8093,7 @@
           <a:p>
             <a:pPr algn="ctr"/>
             <a:r>
-              <a:rPr lang="en-US" altLang="ko-KR" dirty="0" smtClean="0">
+              <a:rPr lang="en-US" altLang="ko-KR" dirty="0">
                 <a:solidFill>
                   <a:schemeClr val="tx1"/>
                 </a:solidFill>
@@ -8157,7 +8101,7 @@
               <a:t>mutable</a:t>
             </a:r>
             <a:r>
-              <a:rPr lang="ko-KR" altLang="en-US" dirty="0" smtClean="0">
+              <a:rPr lang="ko-KR" altLang="en-US" dirty="0">
                 <a:solidFill>
                   <a:schemeClr val="tx1"/>
                 </a:solidFill>
@@ -8165,7 +8109,7 @@
               <a:t>은 안쪽에서 데이터가 변경되면원본이 바뀐다</a:t>
             </a:r>
             <a:r>
-              <a:rPr lang="en-US" altLang="ko-KR" dirty="0" smtClean="0">
+              <a:rPr lang="en-US" altLang="ko-KR" dirty="0">
                 <a:solidFill>
                   <a:schemeClr val="tx1"/>
                 </a:solidFill>
@@ -8220,7 +8164,7 @@
           <a:p>
             <a:pPr algn="ctr"/>
             <a:r>
-              <a:rPr lang="ko-KR" altLang="en-US" dirty="0" smtClean="0">
+              <a:rPr lang="ko-KR" altLang="en-US" dirty="0">
                 <a:solidFill>
                   <a:schemeClr val="tx1"/>
                 </a:solidFill>
@@ -8228,7 +8172,7 @@
               <a:t>값</a:t>
             </a:r>
             <a:r>
-              <a:rPr lang="en-US" altLang="ko-KR" dirty="0" smtClean="0">
+              <a:rPr lang="en-US" altLang="ko-KR" dirty="0">
                 <a:solidFill>
                   <a:schemeClr val="tx1"/>
                 </a:solidFill>
@@ -8283,7 +8227,7 @@
           <a:p>
             <a:pPr algn="ctr"/>
             <a:r>
-              <a:rPr lang="ko-KR" altLang="en-US" dirty="0" smtClean="0">
+              <a:rPr lang="ko-KR" altLang="en-US" dirty="0">
                 <a:solidFill>
                   <a:schemeClr val="tx1"/>
                 </a:solidFill>
@@ -8291,7 +8235,7 @@
               <a:t>값</a:t>
             </a:r>
             <a:r>
-              <a:rPr lang="en-US" altLang="ko-KR" dirty="0" smtClean="0">
+              <a:rPr lang="en-US" altLang="ko-KR" dirty="0">
                 <a:solidFill>
                   <a:schemeClr val="tx1"/>
                 </a:solidFill>
@@ -8382,7 +8326,7 @@
           <a:p>
             <a:pPr algn="ctr"/>
             <a:r>
-              <a:rPr lang="en-US" altLang="ko-KR" dirty="0" smtClean="0">
+              <a:rPr lang="en-US" altLang="ko-KR" dirty="0">
                 <a:solidFill>
                   <a:schemeClr val="tx1"/>
                 </a:solidFill>
@@ -8437,7 +8381,7 @@
           <a:p>
             <a:pPr algn="ctr"/>
             <a:r>
-              <a:rPr lang="en-US" altLang="ko-KR" dirty="0" smtClean="0">
+              <a:rPr lang="en-US" altLang="ko-KR" dirty="0">
                 <a:solidFill>
                   <a:schemeClr val="tx1"/>
                 </a:solidFill>
@@ -8492,7 +8436,7 @@
           <a:p>
             <a:pPr algn="ctr"/>
             <a:r>
-              <a:rPr lang="en-US" altLang="ko-KR" dirty="0" smtClean="0">
+              <a:rPr lang="en-US" altLang="ko-KR" dirty="0">
                 <a:solidFill>
                   <a:schemeClr val="tx1"/>
                 </a:solidFill>
@@ -8547,7 +8491,7 @@
           <a:p>
             <a:pPr algn="ctr"/>
             <a:r>
-              <a:rPr lang="en-US" altLang="ko-KR" dirty="0" smtClean="0">
+              <a:rPr lang="en-US" altLang="ko-KR" dirty="0">
                 <a:solidFill>
                   <a:schemeClr val="tx1"/>
                 </a:solidFill>
@@ -8638,15 +8582,15 @@
           <a:p>
             <a:pPr algn="ctr"/>
             <a:r>
-              <a:rPr lang="ko-KR" altLang="en-US" sz="1600" dirty="0" smtClean="0">
-                <a:solidFill>
-                  <a:schemeClr val="tx1"/>
-                </a:solidFill>
-              </a:rPr>
-              <a:t>이건 함수 안정</a:t>
-            </a:r>
-            <a:r>
-              <a:rPr lang="en-US" altLang="ko-KR" sz="1600" dirty="0" smtClean="0">
+              <a:rPr lang="ko-KR" altLang="en-US" sz="1600" dirty="0">
+                <a:solidFill>
+                  <a:schemeClr val="tx1"/>
+                </a:solidFill>
+              </a:rPr>
+              <a:t>이건 함수 한정</a:t>
+            </a:r>
+            <a:r>
+              <a:rPr lang="en-US" altLang="ko-KR" sz="1600" dirty="0">
                 <a:solidFill>
                   <a:schemeClr val="tx1"/>
                 </a:solidFill>
@@ -8657,7 +8601,7 @@
           <a:p>
             <a:pPr algn="ctr"/>
             <a:r>
-              <a:rPr lang="ko-KR" altLang="en-US" sz="1600" dirty="0" smtClean="0">
+              <a:rPr lang="ko-KR" altLang="en-US" sz="1600" dirty="0">
                 <a:solidFill>
                   <a:schemeClr val="tx1"/>
                 </a:solidFill>
@@ -8665,7 +8609,7 @@
               <a:t>객체나 클래스 넘어가면 또 상황이 달라집니다</a:t>
             </a:r>
             <a:r>
-              <a:rPr lang="en-US" altLang="ko-KR" sz="1600" dirty="0" smtClean="0">
+              <a:rPr lang="en-US" altLang="ko-KR" sz="1600" dirty="0">
                 <a:solidFill>
                   <a:schemeClr val="tx1"/>
                 </a:solidFill>
@@ -8750,7 +8694,7 @@
           <a:p>
             <a:pPr algn="ctr"/>
             <a:r>
-              <a:rPr lang="en-US" altLang="ko-KR" dirty="0" smtClean="0">
+              <a:rPr lang="en-US" altLang="ko-KR" dirty="0">
                 <a:solidFill>
                   <a:schemeClr val="tx1"/>
                 </a:solidFill>
@@ -8758,7 +8702,7 @@
               <a:t>mutable</a:t>
             </a:r>
             <a:r>
-              <a:rPr lang="ko-KR" altLang="en-US" dirty="0" smtClean="0">
+              <a:rPr lang="ko-KR" altLang="en-US" dirty="0">
                 <a:solidFill>
                   <a:schemeClr val="tx1"/>
                 </a:solidFill>
@@ -8766,7 +8710,7 @@
               <a:t>은 안쪽에서 데이터가 변경되면원본이 바뀐다</a:t>
             </a:r>
             <a:r>
-              <a:rPr lang="en-US" altLang="ko-KR" dirty="0" smtClean="0">
+              <a:rPr lang="en-US" altLang="ko-KR" dirty="0">
                 <a:solidFill>
                   <a:schemeClr val="tx1"/>
                 </a:solidFill>
@@ -8821,7 +8765,7 @@
           <a:p>
             <a:pPr algn="ctr"/>
             <a:r>
-              <a:rPr lang="ko-KR" altLang="en-US" dirty="0" smtClean="0">
+              <a:rPr lang="ko-KR" altLang="en-US" dirty="0">
                 <a:solidFill>
                   <a:schemeClr val="tx1"/>
                 </a:solidFill>
@@ -8829,7 +8773,7 @@
               <a:t>값</a:t>
             </a:r>
             <a:r>
-              <a:rPr lang="en-US" altLang="ko-KR" dirty="0" smtClean="0">
+              <a:rPr lang="en-US" altLang="ko-KR" dirty="0">
                 <a:solidFill>
                   <a:schemeClr val="tx1"/>
                 </a:solidFill>
@@ -8884,7 +8828,7 @@
           <a:p>
             <a:pPr algn="ctr"/>
             <a:r>
-              <a:rPr lang="ko-KR" altLang="en-US" dirty="0" smtClean="0">
+              <a:rPr lang="ko-KR" altLang="en-US" dirty="0">
                 <a:solidFill>
                   <a:schemeClr val="tx1"/>
                 </a:solidFill>
@@ -8892,7 +8836,7 @@
               <a:t>값</a:t>
             </a:r>
             <a:r>
-              <a:rPr lang="en-US" altLang="ko-KR" dirty="0" smtClean="0">
+              <a:rPr lang="en-US" altLang="ko-KR" dirty="0">
                 <a:solidFill>
                   <a:schemeClr val="tx1"/>
                 </a:solidFill>
@@ -8900,7 +8844,7 @@
               <a:t>1</a:t>
             </a:r>
             <a:r>
-              <a:rPr lang="en-US" altLang="ko-KR" b="1" dirty="0" smtClean="0">
+              <a:rPr lang="en-US" altLang="ko-KR" b="1" dirty="0">
                 <a:solidFill>
                   <a:srgbClr val="FF0000"/>
                 </a:solidFill>
@@ -8955,7 +8899,7 @@
           <a:p>
             <a:pPr algn="ctr"/>
             <a:r>
-              <a:rPr lang="en-US" altLang="ko-KR" dirty="0" smtClean="0">
+              <a:rPr lang="en-US" altLang="ko-KR" dirty="0">
                 <a:solidFill>
                   <a:schemeClr val="tx1"/>
                 </a:solidFill>
@@ -9010,7 +8954,7 @@
           <a:p>
             <a:pPr algn="ctr"/>
             <a:r>
-              <a:rPr lang="en-US" altLang="ko-KR" dirty="0" smtClean="0">
+              <a:rPr lang="en-US" altLang="ko-KR" dirty="0">
                 <a:solidFill>
                   <a:schemeClr val="tx1"/>
                 </a:solidFill>
@@ -9101,14 +9045,14 @@
           <a:p>
             <a:pPr algn="ctr"/>
             <a:r>
-              <a:rPr lang="ko-KR" altLang="en-US" dirty="0" smtClean="0">
+              <a:rPr lang="ko-KR" altLang="en-US" dirty="0">
                 <a:solidFill>
                   <a:schemeClr val="tx1"/>
                 </a:solidFill>
               </a:rPr>
               <a:t>얕은 복사</a:t>
             </a:r>
-            <a:endParaRPr lang="en-US" altLang="ko-KR" dirty="0" smtClean="0">
+            <a:endParaRPr lang="en-US" altLang="ko-KR" dirty="0">
               <a:solidFill>
                 <a:schemeClr val="tx1"/>
               </a:solidFill>
@@ -9161,7 +9105,7 @@
           <a:p>
             <a:pPr algn="ctr"/>
             <a:r>
-              <a:rPr lang="en-US" altLang="ko-KR" dirty="0" smtClean="0">
+              <a:rPr lang="en-US" altLang="ko-KR" dirty="0">
                 <a:solidFill>
                   <a:schemeClr val="tx1"/>
                 </a:solidFill>
@@ -9169,7 +9113,7 @@
               <a:t>immutable</a:t>
             </a:r>
             <a:r>
-              <a:rPr lang="ko-KR" altLang="en-US" dirty="0" smtClean="0">
+              <a:rPr lang="ko-KR" altLang="en-US" dirty="0">
                 <a:solidFill>
                   <a:schemeClr val="tx1"/>
                 </a:solidFill>
@@ -9177,7 +9121,7 @@
               <a:t>은 안쪽에서 데이터가 변경되면 메모리 주소가 바뀐다</a:t>
             </a:r>
             <a:r>
-              <a:rPr lang="en-US" altLang="ko-KR" dirty="0" smtClean="0">
+              <a:rPr lang="en-US" altLang="ko-KR" dirty="0">
                 <a:solidFill>
                   <a:schemeClr val="tx1"/>
                 </a:solidFill>
@@ -9232,7 +9176,7 @@
           <a:p>
             <a:pPr algn="ctr"/>
             <a:r>
-              <a:rPr lang="ko-KR" altLang="en-US" dirty="0" smtClean="0">
+              <a:rPr lang="ko-KR" altLang="en-US" dirty="0">
                 <a:solidFill>
                   <a:schemeClr val="tx1"/>
                 </a:solidFill>
@@ -9240,7 +9184,7 @@
               <a:t>값</a:t>
             </a:r>
             <a:r>
-              <a:rPr lang="en-US" altLang="ko-KR" dirty="0" smtClean="0">
+              <a:rPr lang="en-US" altLang="ko-KR" dirty="0">
                 <a:solidFill>
                   <a:schemeClr val="tx1"/>
                 </a:solidFill>
@@ -9295,7 +9239,7 @@
           <a:p>
             <a:pPr algn="ctr"/>
             <a:r>
-              <a:rPr lang="ko-KR" altLang="en-US" dirty="0" smtClean="0">
+              <a:rPr lang="ko-KR" altLang="en-US" dirty="0">
                 <a:solidFill>
                   <a:schemeClr val="tx1"/>
                 </a:solidFill>
@@ -9303,7 +9247,7 @@
               <a:t>값</a:t>
             </a:r>
             <a:r>
-              <a:rPr lang="en-US" altLang="ko-KR" dirty="0" smtClean="0">
+              <a:rPr lang="en-US" altLang="ko-KR" dirty="0">
                 <a:solidFill>
                   <a:schemeClr val="tx1"/>
                 </a:solidFill>
@@ -9311,7 +9255,7 @@
               <a:t>1</a:t>
             </a:r>
             <a:r>
-              <a:rPr lang="en-US" altLang="ko-KR" b="1" dirty="0" smtClean="0">
+              <a:rPr lang="en-US" altLang="ko-KR" b="1" dirty="0">
                 <a:solidFill>
                   <a:srgbClr val="FF0000"/>
                 </a:solidFill>
@@ -9402,7 +9346,7 @@
           <a:p>
             <a:pPr algn="ctr"/>
             <a:r>
-              <a:rPr lang="en-US" altLang="ko-KR" dirty="0" smtClean="0">
+              <a:rPr lang="en-US" altLang="ko-KR" dirty="0">
                 <a:solidFill>
                   <a:schemeClr val="tx1"/>
                 </a:solidFill>
@@ -9457,7 +9401,7 @@
           <a:p>
             <a:pPr algn="ctr"/>
             <a:r>
-              <a:rPr lang="en-US" altLang="ko-KR" dirty="0" smtClean="0">
+              <a:rPr lang="en-US" altLang="ko-KR" dirty="0">
                 <a:solidFill>
                   <a:schemeClr val="tx1"/>
                 </a:solidFill>
@@ -9512,14 +9456,14 @@
           <a:p>
             <a:pPr algn="ctr"/>
             <a:r>
-              <a:rPr lang="ko-KR" altLang="en-US" dirty="0" smtClean="0">
+              <a:rPr lang="ko-KR" altLang="en-US" dirty="0">
                 <a:solidFill>
                   <a:schemeClr val="tx1"/>
                 </a:solidFill>
               </a:rPr>
               <a:t>깊은 복사</a:t>
             </a:r>
-            <a:endParaRPr lang="en-US" altLang="ko-KR" dirty="0" smtClean="0">
+            <a:endParaRPr lang="en-US" altLang="ko-KR" dirty="0">
               <a:solidFill>
                 <a:schemeClr val="tx1"/>
               </a:solidFill>
@@ -9570,7 +9514,7 @@
           <a:lstStyle/>
           <a:p>
             <a:pPr algn="ctr"/>
-            <a:endParaRPr lang="en-US" altLang="ko-KR" dirty="0" smtClean="0">
+            <a:endParaRPr lang="en-US" altLang="ko-KR" dirty="0">
               <a:solidFill>
                 <a:schemeClr val="tx1"/>
               </a:solidFill>
@@ -9621,7 +9565,7 @@
           <a:lstStyle/>
           <a:p>
             <a:pPr algn="ctr"/>
-            <a:endParaRPr lang="en-US" altLang="ko-KR" dirty="0" smtClean="0">
+            <a:endParaRPr lang="en-US" altLang="ko-KR" dirty="0">
               <a:solidFill>
                 <a:schemeClr val="tx1"/>
               </a:solidFill>
@@ -9674,7 +9618,7 @@
           <a:p>
             <a:pPr algn="ctr"/>
             <a:r>
-              <a:rPr lang="en-US" altLang="ko-KR" sz="1600" dirty="0" smtClean="0">
+              <a:rPr lang="en-US" altLang="ko-KR" sz="1600" dirty="0">
                 <a:solidFill>
                   <a:schemeClr val="tx1"/>
                 </a:solidFill>
@@ -9682,14 +9626,14 @@
               <a:t>* </a:t>
             </a:r>
             <a:r>
-              <a:rPr lang="ko-KR" altLang="en-US" sz="1600" dirty="0" smtClean="0">
+              <a:rPr lang="ko-KR" altLang="en-US" sz="1600" dirty="0">
                 <a:solidFill>
                   <a:schemeClr val="tx1"/>
                 </a:solidFill>
               </a:rPr>
               <a:t>더 정확하게는 교안에 있는 도해가</a:t>
             </a:r>
-            <a:endParaRPr lang="en-US" altLang="ko-KR" sz="1600" dirty="0" smtClean="0">
+            <a:endParaRPr lang="en-US" altLang="ko-KR" sz="1600" dirty="0">
               <a:solidFill>
                 <a:schemeClr val="tx1"/>
               </a:solidFill>
@@ -9698,7 +9642,7 @@
           <a:p>
             <a:pPr algn="ctr"/>
             <a:r>
-              <a:rPr lang="ko-KR" altLang="en-US" sz="1600" dirty="0" err="1" smtClean="0">
+              <a:rPr lang="ko-KR" altLang="en-US" sz="1600" dirty="0" err="1">
                 <a:solidFill>
                   <a:schemeClr val="tx1"/>
                 </a:solidFill>
@@ -9706,7 +9650,7 @@
               <a:t>맞습니당</a:t>
             </a:r>
             <a:r>
-              <a:rPr lang="ko-KR" altLang="en-US" sz="1600" dirty="0" smtClean="0">
+              <a:rPr lang="ko-KR" altLang="en-US" sz="1600" dirty="0">
                 <a:solidFill>
                   <a:schemeClr val="tx1"/>
                 </a:solidFill>
@@ -9714,7 +9658,7 @@
               <a:t> </a:t>
             </a:r>
             <a:r>
-              <a:rPr lang="en-US" altLang="ko-KR" sz="1600" dirty="0" smtClean="0">
+              <a:rPr lang="en-US" altLang="ko-KR" sz="1600" dirty="0">
                 <a:solidFill>
                   <a:schemeClr val="tx1"/>
                 </a:solidFill>
@@ -9722,7 +9666,7 @@
               <a:t>‘</a:t>
             </a:r>
             <a:r>
-              <a:rPr lang="ko-KR" altLang="en-US" sz="1600" dirty="0" err="1" smtClean="0">
+              <a:rPr lang="ko-KR" altLang="en-US" sz="1600" dirty="0" err="1">
                 <a:solidFill>
                   <a:schemeClr val="tx1"/>
                 </a:solidFill>
@@ -9730,7 +9674,7 @@
               <a:t>ㅁ</a:t>
             </a:r>
             <a:r>
-              <a:rPr lang="en-US" altLang="ko-KR" sz="1600" dirty="0" smtClean="0">
+              <a:rPr lang="en-US" altLang="ko-KR" sz="1600" dirty="0">
                 <a:solidFill>
                   <a:schemeClr val="tx1"/>
                 </a:solidFill>
@@ -9741,14 +9685,14 @@
           <a:p>
             <a:pPr algn="ctr"/>
             <a:r>
-              <a:rPr lang="ko-KR" altLang="en-US" sz="1600" dirty="0" smtClean="0">
+              <a:rPr lang="ko-KR" altLang="en-US" sz="1600" dirty="0">
                 <a:solidFill>
                   <a:schemeClr val="tx1"/>
                 </a:solidFill>
               </a:rPr>
               <a:t>이건 대략적인 설명</a:t>
             </a:r>
-            <a:endParaRPr lang="en-US" altLang="ko-KR" sz="1600" dirty="0" smtClean="0">
+            <a:endParaRPr lang="en-US" altLang="ko-KR" sz="1600" dirty="0">
               <a:solidFill>
                 <a:schemeClr val="tx1"/>
               </a:solidFill>
@@ -9895,7 +9839,7 @@
           <a:p>
             <a:pPr algn="ctr"/>
             <a:r>
-              <a:rPr lang="ko-KR" altLang="en-US" sz="1600" dirty="0" smtClean="0">
+              <a:rPr lang="ko-KR" altLang="en-US" sz="1600" dirty="0">
                 <a:solidFill>
                   <a:schemeClr val="tx1"/>
                 </a:solidFill>
@@ -9903,7 +9847,7 @@
               <a:t>함수 </a:t>
             </a:r>
             <a:r>
-              <a:rPr lang="ko-KR" altLang="en-US" sz="1600" dirty="0" err="1" smtClean="0">
+              <a:rPr lang="ko-KR" altLang="en-US" sz="1600" dirty="0" err="1">
                 <a:solidFill>
                   <a:schemeClr val="tx1"/>
                 </a:solidFill>
@@ -9911,14 +9855,14 @@
               <a:t>선언부의</a:t>
             </a:r>
             <a:r>
-              <a:rPr lang="ko-KR" altLang="en-US" sz="1600" dirty="0" smtClean="0">
+              <a:rPr lang="ko-KR" altLang="en-US" sz="1600" dirty="0">
                 <a:solidFill>
                   <a:schemeClr val="tx1"/>
                 </a:solidFill>
               </a:rPr>
               <a:t> 메모리</a:t>
             </a:r>
-            <a:endParaRPr lang="en-US" altLang="ko-KR" sz="1600" dirty="0" smtClean="0">
+            <a:endParaRPr lang="en-US" altLang="ko-KR" sz="1600" dirty="0">
               <a:solidFill>
                 <a:schemeClr val="tx1"/>
               </a:solidFill>
@@ -9973,7 +9917,7 @@
           <a:p>
             <a:pPr algn="ctr"/>
             <a:r>
-              <a:rPr lang="en-US" altLang="ko-KR" dirty="0" smtClean="0">
+              <a:rPr lang="en-US" altLang="ko-KR" dirty="0">
                 <a:solidFill>
                   <a:schemeClr val="tx1"/>
                 </a:solidFill>
@@ -10035,7 +9979,7 @@
           <a:p>
             <a:pPr algn="ctr"/>
             <a:r>
-              <a:rPr lang="en-US" altLang="ko-KR" dirty="0" smtClean="0">
+              <a:rPr lang="en-US" altLang="ko-KR" dirty="0">
                 <a:solidFill>
                   <a:schemeClr val="tx1"/>
                 </a:solidFill>
@@ -10097,7 +10041,7 @@
           <a:p>
             <a:pPr algn="ctr"/>
             <a:r>
-              <a:rPr lang="en-US" altLang="ko-KR" dirty="0" smtClean="0">
+              <a:rPr lang="en-US" altLang="ko-KR" dirty="0">
                 <a:solidFill>
                   <a:schemeClr val="tx1"/>
                 </a:solidFill>
@@ -10159,7 +10103,7 @@
           <a:p>
             <a:pPr algn="ctr"/>
             <a:r>
-              <a:rPr lang="en-US" altLang="ko-KR" dirty="0" smtClean="0">
+              <a:rPr lang="en-US" altLang="ko-KR" dirty="0">
                 <a:solidFill>
                   <a:schemeClr val="tx1"/>
                 </a:solidFill>
@@ -10221,7 +10165,7 @@
           <a:p>
             <a:pPr algn="ctr"/>
             <a:r>
-              <a:rPr lang="en-US" altLang="ko-KR" dirty="0" smtClean="0">
+              <a:rPr lang="en-US" altLang="ko-KR" dirty="0">
                 <a:solidFill>
                   <a:schemeClr val="tx1"/>
                 </a:solidFill>
@@ -10283,7 +10227,7 @@
           <a:p>
             <a:pPr algn="ctr"/>
             <a:r>
-              <a:rPr lang="en-US" altLang="ko-KR" dirty="0" smtClean="0">
+              <a:rPr lang="en-US" altLang="ko-KR" dirty="0">
                 <a:solidFill>
                   <a:schemeClr val="tx1"/>
                 </a:solidFill>
@@ -10407,7 +10351,7 @@
           <a:p>
             <a:pPr algn="ctr"/>
             <a:r>
-              <a:rPr lang="en-US" altLang="ko-KR" dirty="0" smtClean="0">
+              <a:rPr lang="en-US" altLang="ko-KR" dirty="0">
                 <a:solidFill>
                   <a:schemeClr val="tx1"/>
                 </a:solidFill>
@@ -10469,7 +10413,7 @@
           <a:p>
             <a:pPr algn="ctr"/>
             <a:r>
-              <a:rPr lang="en-US" altLang="ko-KR" dirty="0" smtClean="0">
+              <a:rPr lang="en-US" altLang="ko-KR" dirty="0">
                 <a:solidFill>
                   <a:schemeClr val="tx1"/>
                 </a:solidFill>
@@ -10529,14 +10473,14 @@
           <a:p>
             <a:pPr algn="ctr"/>
             <a:r>
-              <a:rPr lang="ko-KR" altLang="en-US" sz="1600" dirty="0" smtClean="0">
+              <a:rPr lang="ko-KR" altLang="en-US" sz="1600" dirty="0">
                 <a:solidFill>
                   <a:schemeClr val="tx1"/>
                 </a:solidFill>
               </a:rPr>
               <a:t>전역 프레임</a:t>
             </a:r>
-            <a:endParaRPr lang="en-US" altLang="ko-KR" sz="1600" dirty="0" smtClean="0">
+            <a:endParaRPr lang="en-US" altLang="ko-KR" sz="1600" dirty="0">
               <a:solidFill>
                 <a:schemeClr val="tx1"/>
               </a:solidFill>
@@ -10683,7 +10627,7 @@
           <a:p>
             <a:pPr algn="ctr"/>
             <a:r>
-              <a:rPr lang="en-US" altLang="ko-KR" sz="1600" dirty="0" smtClean="0">
+              <a:rPr lang="en-US" altLang="ko-KR" sz="1600" dirty="0">
                 <a:solidFill>
                   <a:schemeClr val="tx1"/>
                 </a:solidFill>
@@ -10691,14 +10635,14 @@
               <a:t>‘add </a:t>
             </a:r>
             <a:r>
-              <a:rPr lang="ko-KR" altLang="en-US" sz="1600" dirty="0" smtClean="0">
+              <a:rPr lang="ko-KR" altLang="en-US" sz="1600" dirty="0">
                 <a:solidFill>
                   <a:schemeClr val="tx1"/>
                 </a:solidFill>
               </a:rPr>
               <a:t>함수 호출</a:t>
             </a:r>
-            <a:endParaRPr lang="en-US" altLang="ko-KR" sz="1600" dirty="0" smtClean="0">
+            <a:endParaRPr lang="en-US" altLang="ko-KR" sz="1600" dirty="0">
               <a:solidFill>
                 <a:schemeClr val="tx1"/>
               </a:solidFill>
@@ -10751,14 +10695,14 @@
           <a:p>
             <a:pPr algn="ctr"/>
             <a:r>
-              <a:rPr lang="ko-KR" altLang="en-US" sz="1600" smtClean="0">
+              <a:rPr lang="ko-KR" altLang="en-US" sz="1600">
                 <a:solidFill>
                   <a:schemeClr val="tx1"/>
                 </a:solidFill>
               </a:rPr>
               <a:t>스택 프레임</a:t>
             </a:r>
-            <a:endParaRPr lang="en-US" altLang="ko-KR" sz="1600" dirty="0" smtClean="0">
+            <a:endParaRPr lang="en-US" altLang="ko-KR" sz="1600" dirty="0">
               <a:solidFill>
                 <a:schemeClr val="tx1"/>
               </a:solidFill>
@@ -10811,14 +10755,14 @@
           <a:p>
             <a:pPr algn="ctr"/>
             <a:r>
-              <a:rPr lang="ko-KR" altLang="en-US" sz="1600" dirty="0" smtClean="0">
+              <a:rPr lang="ko-KR" altLang="en-US" sz="1600" dirty="0">
                 <a:solidFill>
                   <a:schemeClr val="tx1"/>
                 </a:solidFill>
               </a:rPr>
               <a:t>전역 프레임</a:t>
             </a:r>
-            <a:endParaRPr lang="en-US" altLang="ko-KR" sz="1600" dirty="0" smtClean="0">
+            <a:endParaRPr lang="en-US" altLang="ko-KR" sz="1600" dirty="0">
               <a:solidFill>
                 <a:schemeClr val="tx1"/>
               </a:solidFill>
@@ -10873,7 +10817,7 @@
           <a:p>
             <a:pPr algn="ctr"/>
             <a:r>
-              <a:rPr lang="en-US" altLang="ko-KR" dirty="0" smtClean="0">
+              <a:rPr lang="en-US" altLang="ko-KR" dirty="0">
                 <a:solidFill>
                   <a:schemeClr val="tx1"/>
                 </a:solidFill>
@@ -10935,7 +10879,7 @@
           <a:p>
             <a:pPr algn="ctr"/>
             <a:r>
-              <a:rPr lang="en-US" altLang="ko-KR" dirty="0" smtClean="0">
+              <a:rPr lang="en-US" altLang="ko-KR" dirty="0">
                 <a:solidFill>
                   <a:schemeClr val="tx1"/>
                 </a:solidFill>
@@ -10997,7 +10941,7 @@
           <a:p>
             <a:pPr algn="ctr"/>
             <a:r>
-              <a:rPr lang="en-US" altLang="ko-KR" dirty="0" smtClean="0">
+              <a:rPr lang="en-US" altLang="ko-KR" dirty="0">
                 <a:solidFill>
                   <a:schemeClr val="tx1"/>
                 </a:solidFill>
@@ -11059,7 +11003,7 @@
           <a:p>
             <a:pPr algn="ctr"/>
             <a:r>
-              <a:rPr lang="en-US" altLang="ko-KR" dirty="0" smtClean="0">
+              <a:rPr lang="en-US" altLang="ko-KR" dirty="0">
                 <a:solidFill>
                   <a:schemeClr val="tx1"/>
                 </a:solidFill>
@@ -11121,7 +11065,7 @@
           <a:p>
             <a:pPr algn="ctr"/>
             <a:r>
-              <a:rPr lang="en-US" altLang="ko-KR" dirty="0" smtClean="0">
+              <a:rPr lang="en-US" altLang="ko-KR" dirty="0">
                 <a:solidFill>
                   <a:schemeClr val="tx1"/>
                 </a:solidFill>
@@ -11183,7 +11127,7 @@
           <a:p>
             <a:pPr algn="ctr"/>
             <a:r>
-              <a:rPr lang="en-US" altLang="ko-KR" dirty="0" smtClean="0">
+              <a:rPr lang="en-US" altLang="ko-KR" dirty="0">
                 <a:solidFill>
                   <a:schemeClr val="tx1"/>
                 </a:solidFill>
@@ -11307,7 +11251,7 @@
           <a:p>
             <a:pPr algn="ctr"/>
             <a:r>
-              <a:rPr lang="en-US" altLang="ko-KR" dirty="0" smtClean="0">
+              <a:rPr lang="en-US" altLang="ko-KR" dirty="0">
                 <a:solidFill>
                   <a:schemeClr val="tx1"/>
                 </a:solidFill>
@@ -11369,7 +11313,7 @@
           <a:p>
             <a:pPr algn="ctr"/>
             <a:r>
-              <a:rPr lang="en-US" altLang="ko-KR" dirty="0" smtClean="0">
+              <a:rPr lang="en-US" altLang="ko-KR" dirty="0">
                 <a:solidFill>
                   <a:schemeClr val="tx1"/>
                 </a:solidFill>
@@ -11431,7 +11375,7 @@
           <a:p>
             <a:pPr algn="ctr"/>
             <a:r>
-              <a:rPr lang="en-US" altLang="ko-KR" dirty="0" smtClean="0">
+              <a:rPr lang="en-US" altLang="ko-KR" dirty="0">
                 <a:solidFill>
                   <a:schemeClr val="tx1"/>
                 </a:solidFill>
@@ -11493,7 +11437,7 @@
           <a:p>
             <a:pPr algn="ctr"/>
             <a:r>
-              <a:rPr lang="en-US" altLang="ko-KR" dirty="0" smtClean="0">
+              <a:rPr lang="en-US" altLang="ko-KR" dirty="0">
                 <a:solidFill>
                   <a:schemeClr val="tx1"/>
                 </a:solidFill>
@@ -11555,7 +11499,7 @@
           <a:p>
             <a:pPr algn="ctr"/>
             <a:r>
-              <a:rPr lang="en-US" altLang="ko-KR" dirty="0" smtClean="0">
+              <a:rPr lang="en-US" altLang="ko-KR" dirty="0">
                 <a:solidFill>
                   <a:schemeClr val="tx1"/>
                 </a:solidFill>
@@ -11617,7 +11561,7 @@
           <a:p>
             <a:pPr algn="ctr"/>
             <a:r>
-              <a:rPr lang="en-US" altLang="ko-KR" dirty="0" smtClean="0">
+              <a:rPr lang="en-US" altLang="ko-KR" dirty="0">
                 <a:solidFill>
                   <a:schemeClr val="tx1"/>
                 </a:solidFill>
@@ -11679,7 +11623,7 @@
           <a:p>
             <a:pPr algn="ctr"/>
             <a:r>
-              <a:rPr lang="en-US" altLang="ko-KR" dirty="0" smtClean="0">
+              <a:rPr lang="en-US" altLang="ko-KR" dirty="0">
                 <a:solidFill>
                   <a:schemeClr val="tx1"/>
                 </a:solidFill>
@@ -11746,15 +11690,7 @@
                   <a:schemeClr val="tx1"/>
                 </a:solidFill>
               </a:rPr>
-              <a:t>3</a:t>
-            </a:r>
-            <a:r>
-              <a:rPr lang="en-US" altLang="ko-KR" dirty="0" smtClean="0">
-                <a:solidFill>
-                  <a:schemeClr val="tx1"/>
-                </a:solidFill>
-              </a:rPr>
-              <a:t>0</a:t>
+              <a:t>30</a:t>
             </a:r>
             <a:endParaRPr lang="ko-KR" altLang="en-US" dirty="0">
               <a:solidFill>
@@ -11811,7 +11747,7 @@
           <a:p>
             <a:pPr algn="ctr"/>
             <a:r>
-              <a:rPr lang="en-US" altLang="ko-KR" dirty="0" smtClean="0">
+              <a:rPr lang="en-US" altLang="ko-KR" dirty="0">
                 <a:solidFill>
                   <a:schemeClr val="tx1"/>
                 </a:solidFill>
@@ -11927,7 +11863,7 @@
           <a:p>
             <a:pPr algn="ctr"/>
             <a:r>
-              <a:rPr lang="en-US" altLang="ko-KR" dirty="0" smtClean="0">
+              <a:rPr lang="en-US" altLang="ko-KR" dirty="0">
                 <a:solidFill>
                   <a:schemeClr val="tx1"/>
                 </a:solidFill>
@@ -11989,7 +11925,7 @@
           <a:p>
             <a:pPr algn="ctr"/>
             <a:r>
-              <a:rPr lang="en-US" altLang="ko-KR" dirty="0" smtClean="0">
+              <a:rPr lang="en-US" altLang="ko-KR" dirty="0">
                 <a:solidFill>
                   <a:schemeClr val="tx1"/>
                 </a:solidFill>
@@ -12051,7 +11987,7 @@
           <a:p>
             <a:pPr algn="ctr"/>
             <a:r>
-              <a:rPr lang="en-US" altLang="ko-KR" dirty="0" smtClean="0">
+              <a:rPr lang="en-US" altLang="ko-KR" dirty="0">
                 <a:solidFill>
                   <a:schemeClr val="tx1"/>
                 </a:solidFill>
@@ -12113,7 +12049,7 @@
           <a:p>
             <a:pPr algn="ctr"/>
             <a:r>
-              <a:rPr lang="en-US" altLang="ko-KR" dirty="0" smtClean="0">
+              <a:rPr lang="en-US" altLang="ko-KR" dirty="0">
                 <a:solidFill>
                   <a:schemeClr val="tx1"/>
                 </a:solidFill>
@@ -12175,7 +12111,7 @@
           <a:p>
             <a:pPr algn="ctr"/>
             <a:r>
-              <a:rPr lang="en-US" altLang="ko-KR" dirty="0" smtClean="0">
+              <a:rPr lang="en-US" altLang="ko-KR" dirty="0">
                 <a:solidFill>
                   <a:schemeClr val="tx1"/>
                 </a:solidFill>
@@ -12237,7 +12173,7 @@
           <a:p>
             <a:pPr algn="ctr"/>
             <a:r>
-              <a:rPr lang="en-US" altLang="ko-KR" dirty="0" smtClean="0">
+              <a:rPr lang="en-US" altLang="ko-KR" dirty="0">
                 <a:solidFill>
                   <a:schemeClr val="tx1"/>
                 </a:solidFill>
@@ -12361,7 +12297,7 @@
           <a:p>
             <a:pPr algn="ctr"/>
             <a:r>
-              <a:rPr lang="en-US" altLang="ko-KR" dirty="0" smtClean="0">
+              <a:rPr lang="en-US" altLang="ko-KR" dirty="0">
                 <a:solidFill>
                   <a:schemeClr val="tx1"/>
                 </a:solidFill>
@@ -12463,7 +12399,7 @@
           <a:p>
             <a:pPr algn="ctr"/>
             <a:r>
-              <a:rPr lang="en-US" altLang="ko-KR" dirty="0" smtClean="0">
+              <a:rPr lang="en-US" altLang="ko-KR" dirty="0">
                 <a:solidFill>
                   <a:schemeClr val="tx1"/>
                 </a:solidFill>
@@ -12523,7 +12459,7 @@
           <a:p>
             <a:pPr algn="ctr"/>
             <a:r>
-              <a:rPr lang="en-US" altLang="ko-KR" sz="1600" dirty="0" smtClean="0">
+              <a:rPr lang="en-US" altLang="ko-KR" sz="1600" dirty="0">
                 <a:solidFill>
                   <a:schemeClr val="tx1"/>
                 </a:solidFill>
@@ -12531,7 +12467,7 @@
               <a:t>‘mul</a:t>
             </a:r>
             <a:r>
-              <a:rPr lang="ko-KR" altLang="en-US" sz="1600" dirty="0" smtClean="0">
+              <a:rPr lang="ko-KR" altLang="en-US" sz="1600" dirty="0">
                 <a:solidFill>
                   <a:schemeClr val="tx1"/>
                 </a:solidFill>
@@ -12539,7 +12475,7 @@
               <a:t>의 </a:t>
             </a:r>
             <a:r>
-              <a:rPr lang="en-US" altLang="ko-KR" sz="1600" dirty="0" smtClean="0">
+              <a:rPr lang="en-US" altLang="ko-KR" sz="1600" dirty="0">
                 <a:solidFill>
                   <a:schemeClr val="tx1"/>
                 </a:solidFill>
@@ -12547,7 +12483,7 @@
               <a:t>c </a:t>
             </a:r>
             <a:r>
-              <a:rPr lang="ko-KR" altLang="en-US" sz="1600" dirty="0" smtClean="0">
+              <a:rPr lang="ko-KR" altLang="en-US" sz="1600" dirty="0">
                 <a:solidFill>
                   <a:schemeClr val="tx1"/>
                 </a:solidFill>
@@ -12555,7 +12491,7 @@
               <a:t>호출 </a:t>
             </a:r>
             <a:r>
-              <a:rPr lang="en-US" altLang="ko-KR" sz="1600" dirty="0" smtClean="0">
+              <a:rPr lang="en-US" altLang="ko-KR" sz="1600" dirty="0">
                 <a:solidFill>
                   <a:schemeClr val="tx1"/>
                 </a:solidFill>
@@ -12563,14 +12499,14 @@
               <a:t>// </a:t>
             </a:r>
             <a:r>
-              <a:rPr lang="ko-KR" altLang="en-US" sz="1600" dirty="0" smtClean="0">
+              <a:rPr lang="ko-KR" altLang="en-US" sz="1600" dirty="0">
                 <a:solidFill>
                   <a:schemeClr val="tx1"/>
                 </a:solidFill>
               </a:rPr>
               <a:t>계산 단계</a:t>
             </a:r>
-            <a:endParaRPr lang="en-US" altLang="ko-KR" sz="1600" dirty="0" smtClean="0">
+            <a:endParaRPr lang="en-US" altLang="ko-KR" sz="1600" dirty="0">
               <a:solidFill>
                 <a:schemeClr val="tx1"/>
               </a:solidFill>
@@ -12625,7 +12561,7 @@
           <a:p>
             <a:pPr algn="ctr"/>
             <a:r>
-              <a:rPr lang="en-US" altLang="ko-KR" dirty="0" smtClean="0">
+              <a:rPr lang="en-US" altLang="ko-KR" dirty="0">
                 <a:solidFill>
                   <a:schemeClr val="tx1"/>
                 </a:solidFill>
@@ -12687,7 +12623,7 @@
           <a:p>
             <a:pPr algn="ctr"/>
             <a:r>
-              <a:rPr lang="en-US" altLang="ko-KR" dirty="0" smtClean="0">
+              <a:rPr lang="en-US" altLang="ko-KR" dirty="0">
                 <a:solidFill>
                   <a:schemeClr val="tx1"/>
                 </a:solidFill>
@@ -12749,7 +12685,7 @@
           <a:p>
             <a:pPr algn="ctr"/>
             <a:r>
-              <a:rPr lang="en-US" altLang="ko-KR" dirty="0" smtClean="0">
+              <a:rPr lang="en-US" altLang="ko-KR" dirty="0">
                 <a:solidFill>
                   <a:schemeClr val="tx1"/>
                 </a:solidFill>
@@ -12811,7 +12747,7 @@
           <a:p>
             <a:pPr algn="ctr"/>
             <a:r>
-              <a:rPr lang="en-US" altLang="ko-KR" dirty="0" smtClean="0">
+              <a:rPr lang="en-US" altLang="ko-KR" dirty="0">
                 <a:solidFill>
                   <a:schemeClr val="tx1"/>
                 </a:solidFill>
@@ -12873,7 +12809,7 @@
           <a:p>
             <a:pPr algn="ctr"/>
             <a:r>
-              <a:rPr lang="en-US" altLang="ko-KR" dirty="0" smtClean="0">
+              <a:rPr lang="en-US" altLang="ko-KR" dirty="0">
                 <a:solidFill>
                   <a:schemeClr val="tx1"/>
                 </a:solidFill>
@@ -12940,15 +12876,7 @@
                   <a:schemeClr val="tx1"/>
                 </a:solidFill>
               </a:rPr>
-              <a:t>3</a:t>
-            </a:r>
-            <a:r>
-              <a:rPr lang="en-US" altLang="ko-KR" dirty="0" smtClean="0">
-                <a:solidFill>
-                  <a:schemeClr val="tx1"/>
-                </a:solidFill>
-              </a:rPr>
-              <a:t>0</a:t>
+              <a:t>30</a:t>
             </a:r>
             <a:endParaRPr lang="ko-KR" altLang="en-US" dirty="0">
               <a:solidFill>
@@ -13005,7 +12933,7 @@
           <a:p>
             <a:pPr algn="ctr"/>
             <a:r>
-              <a:rPr lang="en-US" altLang="ko-KR" dirty="0" smtClean="0">
+              <a:rPr lang="en-US" altLang="ko-KR" dirty="0">
                 <a:solidFill>
                   <a:schemeClr val="tx1"/>
                 </a:solidFill>
@@ -13067,7 +12995,7 @@
           <a:p>
             <a:pPr algn="ctr"/>
             <a:r>
-              <a:rPr lang="en-US" altLang="ko-KR" dirty="0" smtClean="0">
+              <a:rPr lang="en-US" altLang="ko-KR" dirty="0">
                 <a:solidFill>
                   <a:schemeClr val="tx1"/>
                 </a:solidFill>
@@ -13129,7 +13057,7 @@
           <a:p>
             <a:pPr algn="ctr"/>
             <a:r>
-              <a:rPr lang="en-US" altLang="ko-KR" dirty="0" smtClean="0">
+              <a:rPr lang="en-US" altLang="ko-KR" dirty="0">
                 <a:solidFill>
                   <a:schemeClr val="tx1"/>
                 </a:solidFill>
@@ -13191,7 +13119,7 @@
           <a:p>
             <a:pPr algn="ctr"/>
             <a:r>
-              <a:rPr lang="en-US" altLang="ko-KR" dirty="0" smtClean="0">
+              <a:rPr lang="en-US" altLang="ko-KR" dirty="0">
                 <a:solidFill>
                   <a:schemeClr val="tx1"/>
                 </a:solidFill>
@@ -13253,7 +13181,7 @@
           <a:p>
             <a:pPr algn="ctr"/>
             <a:r>
-              <a:rPr lang="en-US" altLang="ko-KR" dirty="0" smtClean="0">
+              <a:rPr lang="en-US" altLang="ko-KR" dirty="0">
                 <a:solidFill>
                   <a:schemeClr val="tx1"/>
                 </a:solidFill>
@@ -13315,7 +13243,7 @@
           <a:p>
             <a:pPr algn="ctr"/>
             <a:r>
-              <a:rPr lang="en-US" altLang="ko-KR" dirty="0" smtClean="0">
+              <a:rPr lang="en-US" altLang="ko-KR" dirty="0">
                 <a:solidFill>
                   <a:schemeClr val="tx1"/>
                 </a:solidFill>
@@ -13377,7 +13305,7 @@
           <a:p>
             <a:pPr algn="ctr"/>
             <a:r>
-              <a:rPr lang="en-US" altLang="ko-KR" dirty="0" smtClean="0">
+              <a:rPr lang="en-US" altLang="ko-KR" dirty="0">
                 <a:solidFill>
                   <a:schemeClr val="tx1"/>
                 </a:solidFill>
@@ -13439,7 +13367,7 @@
           <a:p>
             <a:pPr algn="ctr"/>
             <a:r>
-              <a:rPr lang="en-US" altLang="ko-KR" dirty="0" smtClean="0">
+              <a:rPr lang="en-US" altLang="ko-KR" dirty="0">
                 <a:solidFill>
                   <a:schemeClr val="tx1"/>
                 </a:solidFill>
@@ -13499,14 +13427,14 @@
           <a:p>
             <a:pPr algn="ctr"/>
             <a:r>
-              <a:rPr lang="ko-KR" altLang="en-US" sz="1600" smtClean="0">
+              <a:rPr lang="ko-KR" altLang="en-US" sz="1600">
                 <a:solidFill>
                   <a:schemeClr val="tx1"/>
                 </a:solidFill>
               </a:rPr>
               <a:t>스택 프레임</a:t>
             </a:r>
-            <a:endParaRPr lang="en-US" altLang="ko-KR" sz="1600" dirty="0" smtClean="0">
+            <a:endParaRPr lang="en-US" altLang="ko-KR" sz="1600" dirty="0">
               <a:solidFill>
                 <a:schemeClr val="tx1"/>
               </a:solidFill>
@@ -13559,14 +13487,14 @@
           <a:p>
             <a:pPr algn="ctr"/>
             <a:r>
-              <a:rPr lang="ko-KR" altLang="en-US" sz="1600" dirty="0" smtClean="0">
+              <a:rPr lang="ko-KR" altLang="en-US" sz="1600" dirty="0">
                 <a:solidFill>
                   <a:schemeClr val="tx1"/>
                 </a:solidFill>
               </a:rPr>
               <a:t>전역 프레임</a:t>
             </a:r>
-            <a:endParaRPr lang="en-US" altLang="ko-KR" sz="1600" dirty="0" smtClean="0">
+            <a:endParaRPr lang="en-US" altLang="ko-KR" sz="1600" dirty="0">
               <a:solidFill>
                 <a:schemeClr val="tx1"/>
               </a:solidFill>
@@ -13715,7 +13643,7 @@
           <a:p>
             <a:pPr algn="ctr"/>
             <a:r>
-              <a:rPr lang="en-US" altLang="ko-KR" dirty="0" smtClean="0">
+              <a:rPr lang="en-US" altLang="ko-KR" dirty="0">
                 <a:solidFill>
                   <a:schemeClr val="tx1"/>
                 </a:solidFill>
@@ -13777,7 +13705,7 @@
           <a:p>
             <a:pPr algn="ctr"/>
             <a:r>
-              <a:rPr lang="en-US" altLang="ko-KR" dirty="0" smtClean="0">
+              <a:rPr lang="en-US" altLang="ko-KR" dirty="0">
                 <a:solidFill>
                   <a:schemeClr val="tx1"/>
                 </a:solidFill>
@@ -13839,7 +13767,7 @@
           <a:p>
             <a:pPr algn="ctr"/>
             <a:r>
-              <a:rPr lang="en-US" altLang="ko-KR" dirty="0" smtClean="0">
+              <a:rPr lang="en-US" altLang="ko-KR" dirty="0">
                 <a:solidFill>
                   <a:schemeClr val="tx1"/>
                 </a:solidFill>
@@ -13901,7 +13829,7 @@
           <a:p>
             <a:pPr algn="ctr"/>
             <a:r>
-              <a:rPr lang="en-US" altLang="ko-KR" dirty="0" smtClean="0">
+              <a:rPr lang="en-US" altLang="ko-KR" dirty="0">
                 <a:solidFill>
                   <a:schemeClr val="tx1"/>
                 </a:solidFill>
@@ -13963,7 +13891,7 @@
           <a:p>
             <a:pPr algn="ctr"/>
             <a:r>
-              <a:rPr lang="en-US" altLang="ko-KR" dirty="0" smtClean="0">
+              <a:rPr lang="en-US" altLang="ko-KR" dirty="0">
                 <a:solidFill>
                   <a:schemeClr val="tx1"/>
                 </a:solidFill>
@@ -14025,7 +13953,7 @@
           <a:p>
             <a:pPr algn="ctr"/>
             <a:r>
-              <a:rPr lang="en-US" altLang="ko-KR" dirty="0" smtClean="0">
+              <a:rPr lang="en-US" altLang="ko-KR" dirty="0">
                 <a:solidFill>
                   <a:schemeClr val="tx1"/>
                 </a:solidFill>
@@ -14149,7 +14077,7 @@
           <a:p>
             <a:pPr algn="ctr"/>
             <a:r>
-              <a:rPr lang="en-US" altLang="ko-KR" dirty="0" smtClean="0">
+              <a:rPr lang="en-US" altLang="ko-KR" dirty="0">
                 <a:solidFill>
                   <a:schemeClr val="tx1"/>
                 </a:solidFill>
@@ -14211,7 +14139,7 @@
           <a:p>
             <a:pPr algn="ctr"/>
             <a:r>
-              <a:rPr lang="en-US" altLang="ko-KR" dirty="0" smtClean="0">
+              <a:rPr lang="en-US" altLang="ko-KR" dirty="0">
                 <a:solidFill>
                   <a:schemeClr val="tx1"/>
                 </a:solidFill>
@@ -14271,14 +14199,14 @@
           <a:p>
             <a:pPr algn="ctr"/>
             <a:r>
-              <a:rPr lang="ko-KR" altLang="en-US" sz="1600" dirty="0" smtClean="0">
+              <a:rPr lang="ko-KR" altLang="en-US" sz="1600" dirty="0">
                 <a:solidFill>
                   <a:schemeClr val="tx1"/>
                 </a:solidFill>
               </a:rPr>
               <a:t>함수들은 각각 사용 끝났으니 소멸</a:t>
             </a:r>
-            <a:endParaRPr lang="en-US" altLang="ko-KR" sz="1600" dirty="0" smtClean="0">
+            <a:endParaRPr lang="en-US" altLang="ko-KR" sz="1600" dirty="0">
               <a:solidFill>
                 <a:schemeClr val="tx1"/>
               </a:solidFill>
@@ -14331,14 +14259,14 @@
           <a:p>
             <a:pPr algn="ctr"/>
             <a:r>
-              <a:rPr lang="ko-KR" altLang="en-US" sz="1600" dirty="0" smtClean="0">
+              <a:rPr lang="ko-KR" altLang="en-US" sz="1600" dirty="0">
                 <a:solidFill>
                   <a:schemeClr val="tx1"/>
                 </a:solidFill>
               </a:rPr>
               <a:t>전역 프레임</a:t>
             </a:r>
-            <a:endParaRPr lang="en-US" altLang="ko-KR" sz="1600" dirty="0" smtClean="0">
+            <a:endParaRPr lang="en-US" altLang="ko-KR" sz="1600" dirty="0">
               <a:solidFill>
                 <a:schemeClr val="tx1"/>
               </a:solidFill>
@@ -14577,7 +14505,7 @@
           <a:p>
             <a:pPr algn="ctr"/>
             <a:r>
-              <a:rPr lang="ko-KR" altLang="en-US" dirty="0" smtClean="0">
+              <a:rPr lang="ko-KR" altLang="en-US" dirty="0">
                 <a:solidFill>
                   <a:schemeClr val="tx1"/>
                 </a:solidFill>
@@ -14585,7 +14513,7 @@
               <a:t>이렇게 넣을 수 있을까</a:t>
             </a:r>
             <a:r>
-              <a:rPr lang="en-US" altLang="ko-KR" dirty="0" smtClean="0">
+              <a:rPr lang="en-US" altLang="ko-KR" dirty="0">
                 <a:solidFill>
                   <a:schemeClr val="tx1"/>
                 </a:solidFill>
@@ -14675,7 +14603,7 @@
           <a:p>
             <a:pPr algn="ctr"/>
             <a:r>
-              <a:rPr lang="ko-KR" altLang="en-US" dirty="0" err="1" smtClean="0">
+              <a:rPr lang="ko-KR" altLang="en-US" dirty="0" err="1">
                 <a:solidFill>
                   <a:schemeClr val="tx1"/>
                 </a:solidFill>
@@ -14720,16 +14648,52 @@
           <a:chExt cx="0" cy="0"/>
         </a:xfrm>
       </p:grpSpPr>
-      <p:sp>
-        <p:nvSpPr>
-          <p:cNvPr id="4" name="직사각형 3"/>
+      <p:pic>
+        <p:nvPicPr>
+          <p:cNvPr id="5" name="그림 4">
+            <a:extLst>
+              <a:ext uri="{FF2B5EF4-FFF2-40B4-BE49-F238E27FC236}">
+                <a16:creationId xmlns:a16="http://schemas.microsoft.com/office/drawing/2014/main" id="{140F7F9C-186F-2A86-9F0F-5592A08B1A29}"/>
+              </a:ext>
+            </a:extLst>
+          </p:cNvPr>
+          <p:cNvPicPr>
+            <a:picLocks noChangeAspect="1"/>
+          </p:cNvPicPr>
+          <p:nvPr/>
+        </p:nvPicPr>
+        <p:blipFill>
+          <a:blip r:embed="rId2"/>
+          <a:stretch>
+            <a:fillRect/>
+          </a:stretch>
+        </p:blipFill>
+        <p:spPr>
+          <a:xfrm>
+            <a:off x="4995709" y="2071498"/>
+            <a:ext cx="2200582" cy="2715004"/>
+          </a:xfrm>
+          <a:prstGeom prst="rect">
+            <a:avLst/>
+          </a:prstGeom>
+        </p:spPr>
+      </p:pic>
+      <p:sp>
+        <p:nvSpPr>
+          <p:cNvPr id="6" name="직사각형 5">
+            <a:extLst>
+              <a:ext uri="{FF2B5EF4-FFF2-40B4-BE49-F238E27FC236}">
+                <a16:creationId xmlns:a16="http://schemas.microsoft.com/office/drawing/2014/main" id="{D0AE6267-36A4-EE3D-7749-6F9317515EA0}"/>
+              </a:ext>
+            </a:extLst>
+          </p:cNvPr>
           <p:cNvSpPr/>
           <p:nvPr/>
         </p:nvSpPr>
         <p:spPr>
           <a:xfrm>
-            <a:off x="4663046" y="3097394"/>
-            <a:ext cx="2865905" cy="736238"/>
+            <a:off x="3861357" y="5379319"/>
+            <a:ext cx="4469286" cy="714676"/>
           </a:xfrm>
           <a:prstGeom prst="rect">
             <a:avLst/>
@@ -14765,25 +14729,28 @@
           <a:p>
             <a:pPr algn="ctr"/>
             <a:r>
-              <a:rPr lang="ko-KR" altLang="en-US" dirty="0" smtClean="0">
-                <a:solidFill>
-                  <a:schemeClr val="tx1"/>
-                </a:solidFill>
-              </a:rPr>
-              <a:t>람다</a:t>
-            </a:r>
-            <a:endParaRPr lang="ko-KR" altLang="en-US" dirty="0">
-              <a:solidFill>
-                <a:schemeClr val="tx1"/>
-              </a:solidFill>
-            </a:endParaRPr>
+              <a:rPr lang="ko-KR" altLang="en-US" sz="1600" dirty="0">
+                <a:solidFill>
+                  <a:schemeClr val="tx1"/>
+                </a:solidFill>
+              </a:rPr>
+              <a:t>함수를 안에서 한번 다시 호출하는 것</a:t>
+            </a:r>
+            <a:r>
+              <a:rPr lang="en-US" altLang="ko-KR" sz="1600" dirty="0">
+                <a:solidFill>
+                  <a:schemeClr val="tx1"/>
+                </a:solidFill>
+              </a:rPr>
+              <a:t>.</a:t>
+            </a:r>
           </a:p>
         </p:txBody>
       </p:sp>
     </p:spTree>
     <p:extLst>
       <p:ext uri="{BB962C8B-B14F-4D97-AF65-F5344CB8AC3E}">
-        <p14:creationId xmlns:p14="http://schemas.microsoft.com/office/powerpoint/2010/main" val="758234880"/>
+        <p14:creationId xmlns:p14="http://schemas.microsoft.com/office/powerpoint/2010/main" val="839471664"/>
       </p:ext>
     </p:extLst>
   </p:cSld>
@@ -14812,14 +14779,20 @@
       </p:grpSpPr>
       <p:sp>
         <p:nvSpPr>
-          <p:cNvPr id="5" name="직사각형 4"/>
+          <p:cNvPr id="4" name="직사각형 3">
+            <a:extLst>
+              <a:ext uri="{FF2B5EF4-FFF2-40B4-BE49-F238E27FC236}">
+                <a16:creationId xmlns:a16="http://schemas.microsoft.com/office/drawing/2014/main" id="{4C9EB869-7267-D19A-3070-5D3F6411D908}"/>
+              </a:ext>
+            </a:extLst>
+          </p:cNvPr>
           <p:cNvSpPr/>
           <p:nvPr/>
         </p:nvSpPr>
         <p:spPr>
           <a:xfrm>
-            <a:off x="3512124" y="4833449"/>
-            <a:ext cx="5167752" cy="817433"/>
+            <a:off x="3861357" y="3989672"/>
+            <a:ext cx="4469286" cy="714676"/>
           </a:xfrm>
           <a:prstGeom prst="rect">
             <a:avLst/>
@@ -14855,41 +14828,62 @@
           <a:p>
             <a:pPr algn="ctr"/>
             <a:r>
-              <a:rPr lang="ko-KR" altLang="en-US" dirty="0" smtClean="0">
-                <a:solidFill>
-                  <a:schemeClr val="tx1"/>
-                </a:solidFill>
-              </a:rPr>
-              <a:t>단 예측 가능한 범위 내에서만 저렇게 쓰기</a:t>
-            </a:r>
-            <a:r>
-              <a:rPr lang="en-US" altLang="ko-KR" dirty="0" smtClean="0">
-                <a:solidFill>
-                  <a:schemeClr val="tx1"/>
-                </a:solidFill>
-              </a:rPr>
-              <a:t>.</a:t>
-            </a:r>
-          </a:p>
-          <a:p>
-            <a:pPr algn="ctr"/>
-            <a:r>
-              <a:rPr lang="ko-KR" altLang="en-US" dirty="0" err="1" smtClean="0">
-                <a:solidFill>
-                  <a:schemeClr val="tx1"/>
-                </a:solidFill>
-              </a:rPr>
-              <a:t>안그러면</a:t>
-            </a:r>
-            <a:r>
-              <a:rPr lang="ko-KR" altLang="en-US" dirty="0" smtClean="0">
-                <a:solidFill>
-                  <a:schemeClr val="tx1"/>
-                </a:solidFill>
-              </a:rPr>
-              <a:t> 나중에 혼자 울면서 뚝딱뚝딱 해야 함</a:t>
-            </a:r>
-            <a:endParaRPr lang="ko-KR" altLang="en-US" dirty="0">
+              <a:rPr lang="ko-KR" altLang="en-US" sz="1600" dirty="0">
+                <a:solidFill>
+                  <a:schemeClr val="tx1"/>
+                </a:solidFill>
+              </a:rPr>
+              <a:t>하지만</a:t>
+            </a:r>
+            <a:r>
+              <a:rPr lang="en-US" altLang="ko-KR" sz="1600" dirty="0">
+                <a:solidFill>
+                  <a:schemeClr val="tx1"/>
+                </a:solidFill>
+              </a:rPr>
+              <a:t>, </a:t>
+            </a:r>
+            <a:r>
+              <a:rPr lang="ko-KR" altLang="en-US" sz="1600" dirty="0">
+                <a:solidFill>
+                  <a:schemeClr val="tx1"/>
+                </a:solidFill>
+              </a:rPr>
+              <a:t>특정 조건에 따라 </a:t>
+            </a:r>
+            <a:r>
+              <a:rPr lang="ko-KR" altLang="en-US" sz="1600" dirty="0" err="1">
+                <a:solidFill>
+                  <a:schemeClr val="tx1"/>
+                </a:solidFill>
+              </a:rPr>
+              <a:t>반복문</a:t>
+            </a:r>
+            <a:r>
+              <a:rPr lang="ko-KR" altLang="en-US" sz="1600" dirty="0">
+                <a:solidFill>
+                  <a:schemeClr val="tx1"/>
+                </a:solidFill>
+              </a:rPr>
+              <a:t> 돌리는 방식이 달라져야 </a:t>
+            </a:r>
+            <a:r>
+              <a:rPr lang="ko-KR" altLang="en-US" sz="1600" dirty="0" err="1">
+                <a:solidFill>
+                  <a:schemeClr val="tx1"/>
+                </a:solidFill>
+              </a:rPr>
+              <a:t>한다던지</a:t>
+            </a:r>
+            <a:r>
+              <a:rPr lang="ko-KR" altLang="en-US" sz="1600" dirty="0">
+                <a:solidFill>
+                  <a:schemeClr val="tx1"/>
+                </a:solidFill>
+              </a:rPr>
+              <a:t> 할 때 사용</a:t>
+            </a:r>
+            <a:endParaRPr lang="en-US" altLang="ko-KR" sz="1600" dirty="0">
               <a:solidFill>
                 <a:schemeClr val="tx1"/>
               </a:solidFill>
@@ -14897,51 +14891,169 @@
           </a:p>
         </p:txBody>
       </p:sp>
-      <p:pic>
-        <p:nvPicPr>
-          <p:cNvPr id="6" name="Picture 8" descr="쭐어 200붕이들과 비숍 짤 | 메이플 인벤"/>
-          <p:cNvPicPr>
-            <a:picLocks noChangeAspect="1" noChangeArrowheads="1"/>
-          </p:cNvPicPr>
-          <p:nvPr/>
-        </p:nvPicPr>
-        <p:blipFill>
-          <a:blip r:embed="rId2">
+      <p:sp>
+        <p:nvSpPr>
+          <p:cNvPr id="5" name="직사각형 4">
             <a:extLst>
-              <a:ext uri="{28A0092B-C50C-407E-A947-70E740481C1C}">
-                <a14:useLocalDpi xmlns:a14="http://schemas.microsoft.com/office/drawing/2010/main" val="0"/>
+              <a:ext uri="{FF2B5EF4-FFF2-40B4-BE49-F238E27FC236}">
+                <a16:creationId xmlns:a16="http://schemas.microsoft.com/office/drawing/2014/main" id="{EFF6C684-62F9-A2D7-F0C5-A15273ED2E60}"/>
               </a:ext>
             </a:extLst>
-          </a:blip>
-          <a:srcRect/>
-          <a:stretch>
-            <a:fillRect/>
-          </a:stretch>
-        </p:blipFill>
-        <p:spPr bwMode="auto">
-          <a:xfrm>
-            <a:off x="4869564" y="1731779"/>
-            <a:ext cx="2452871" cy="2452871"/>
-          </a:xfrm>
-          <a:prstGeom prst="rect">
-            <a:avLst/>
-          </a:prstGeom>
-          <a:noFill/>
-          <a:extLst>
-            <a:ext uri="{909E8E84-426E-40DD-AFC4-6F175D3DCCD1}">
-              <a14:hiddenFill xmlns:a14="http://schemas.microsoft.com/office/drawing/2010/main">
-                <a:solidFill>
-                  <a:srgbClr val="FFFFFF"/>
-                </a:solidFill>
-              </a14:hiddenFill>
-            </a:ext>
-          </a:extLst>
-        </p:spPr>
-      </p:pic>
+          </p:cNvPr>
+          <p:cNvSpPr/>
+          <p:nvPr/>
+        </p:nvSpPr>
+        <p:spPr>
+          <a:xfrm>
+            <a:off x="3861357" y="2208998"/>
+            <a:ext cx="4469286" cy="714676"/>
+          </a:xfrm>
+          <a:prstGeom prst="rect">
+            <a:avLst/>
+          </a:prstGeom>
+          <a:solidFill>
+            <a:srgbClr val="00B0F0">
+              <a:alpha val="34000"/>
+            </a:srgbClr>
+          </a:solidFill>
+          <a:ln w="38100">
+            <a:noFill/>
+          </a:ln>
+        </p:spPr>
+        <p:style>
+          <a:lnRef idx="2">
+            <a:schemeClr val="accent1">
+              <a:shade val="50000"/>
+            </a:schemeClr>
+          </a:lnRef>
+          <a:fillRef idx="1">
+            <a:schemeClr val="accent1"/>
+          </a:fillRef>
+          <a:effectRef idx="0">
+            <a:schemeClr val="accent1"/>
+          </a:effectRef>
+          <a:fontRef idx="minor">
+            <a:schemeClr val="lt1"/>
+          </a:fontRef>
+        </p:style>
+        <p:txBody>
+          <a:bodyPr rtlCol="0" anchor="ctr"/>
+          <a:lstStyle/>
+          <a:p>
+            <a:pPr algn="ctr"/>
+            <a:r>
+              <a:rPr lang="ko-KR" altLang="en-US" sz="1600" dirty="0">
+                <a:solidFill>
+                  <a:schemeClr val="tx1"/>
+                </a:solidFill>
+              </a:rPr>
+              <a:t>재귀는 부르는 만큼 메모리에 쌓이기 때문에 메모리를 많이 먹음 </a:t>
+            </a:r>
+            <a:r>
+              <a:rPr lang="en-US" altLang="ko-KR" sz="1600" dirty="0">
+                <a:solidFill>
+                  <a:schemeClr val="tx1"/>
+                </a:solidFill>
+              </a:rPr>
+              <a:t>+ </a:t>
+            </a:r>
+            <a:r>
+              <a:rPr lang="ko-KR" altLang="en-US" sz="1600" dirty="0">
+                <a:solidFill>
+                  <a:schemeClr val="tx1"/>
+                </a:solidFill>
+              </a:rPr>
+              <a:t>비효율적</a:t>
+            </a:r>
+            <a:endParaRPr lang="en-US" altLang="ko-KR" sz="1600" dirty="0">
+              <a:solidFill>
+                <a:schemeClr val="tx1"/>
+              </a:solidFill>
+            </a:endParaRPr>
+          </a:p>
+        </p:txBody>
+      </p:sp>
+      <p:sp>
+        <p:nvSpPr>
+          <p:cNvPr id="6" name="직사각형 5">
+            <a:extLst>
+              <a:ext uri="{FF2B5EF4-FFF2-40B4-BE49-F238E27FC236}">
+                <a16:creationId xmlns:a16="http://schemas.microsoft.com/office/drawing/2014/main" id="{E580861A-B94F-F735-9F84-F4ABC6E82BA2}"/>
+              </a:ext>
+            </a:extLst>
+          </p:cNvPr>
+          <p:cNvSpPr/>
+          <p:nvPr/>
+        </p:nvSpPr>
+        <p:spPr>
+          <a:xfrm>
+            <a:off x="3861357" y="3099335"/>
+            <a:ext cx="4469286" cy="714676"/>
+          </a:xfrm>
+          <a:prstGeom prst="rect">
+            <a:avLst/>
+          </a:prstGeom>
+          <a:solidFill>
+            <a:srgbClr val="00B0F0">
+              <a:alpha val="34000"/>
+            </a:srgbClr>
+          </a:solidFill>
+          <a:ln w="38100">
+            <a:noFill/>
+          </a:ln>
+        </p:spPr>
+        <p:style>
+          <a:lnRef idx="2">
+            <a:schemeClr val="accent1">
+              <a:shade val="50000"/>
+            </a:schemeClr>
+          </a:lnRef>
+          <a:fillRef idx="1">
+            <a:schemeClr val="accent1"/>
+          </a:fillRef>
+          <a:effectRef idx="0">
+            <a:schemeClr val="accent1"/>
+          </a:effectRef>
+          <a:fontRef idx="minor">
+            <a:schemeClr val="lt1"/>
+          </a:fontRef>
+        </p:style>
+        <p:txBody>
+          <a:bodyPr rtlCol="0" anchor="ctr"/>
+          <a:lstStyle/>
+          <a:p>
+            <a:pPr algn="ctr"/>
+            <a:r>
+              <a:rPr lang="ko-KR" altLang="en-US" sz="1600">
+                <a:solidFill>
+                  <a:schemeClr val="tx1"/>
+                </a:solidFill>
+              </a:rPr>
+              <a:t>가독성도 </a:t>
+            </a:r>
+            <a:r>
+              <a:rPr lang="ko-KR" altLang="en-US" sz="1600" dirty="0">
+                <a:solidFill>
+                  <a:schemeClr val="tx1"/>
+                </a:solidFill>
+              </a:rPr>
+              <a:t>떨어짐</a:t>
+            </a:r>
+            <a:r>
+              <a:rPr lang="en-US" altLang="ko-KR" sz="1600" dirty="0">
+                <a:solidFill>
+                  <a:schemeClr val="tx1"/>
+                </a:solidFill>
+              </a:rPr>
+              <a:t>.</a:t>
+            </a:r>
+          </a:p>
+        </p:txBody>
+      </p:sp>
     </p:spTree>
     <p:extLst>
       <p:ext uri="{BB962C8B-B14F-4D97-AF65-F5344CB8AC3E}">
-        <p14:creationId xmlns:p14="http://schemas.microsoft.com/office/powerpoint/2010/main" val="590567108"/>
+        <p14:creationId xmlns:p14="http://schemas.microsoft.com/office/powerpoint/2010/main" val="531632613"/>
       </p:ext>
     </p:extLst>
   </p:cSld>
@@ -15013,25 +15125,20 @@
           <a:p>
             <a:pPr algn="ctr"/>
             <a:r>
-              <a:rPr lang="en-US" altLang="ko-KR" dirty="0" smtClean="0">
-                <a:solidFill>
-                  <a:schemeClr val="tx1"/>
-                </a:solidFill>
-              </a:rPr>
-              <a:t>filter</a:t>
-            </a:r>
-            <a:endParaRPr lang="ko-KR" altLang="en-US" dirty="0">
-              <a:solidFill>
-                <a:schemeClr val="tx1"/>
-              </a:solidFill>
-            </a:endParaRPr>
+              <a:rPr lang="ko-KR" altLang="en-US" dirty="0">
+                <a:solidFill>
+                  <a:schemeClr val="tx1"/>
+                </a:solidFill>
+              </a:rPr>
+              <a:t>람다</a:t>
+            </a:r>
           </a:p>
         </p:txBody>
       </p:sp>
     </p:spTree>
     <p:extLst>
       <p:ext uri="{BB962C8B-B14F-4D97-AF65-F5344CB8AC3E}">
-        <p14:creationId xmlns:p14="http://schemas.microsoft.com/office/powerpoint/2010/main" val="65952401"/>
+        <p14:creationId xmlns:p14="http://schemas.microsoft.com/office/powerpoint/2010/main" val="758234880"/>
       </p:ext>
     </p:extLst>
   </p:cSld>
@@ -15058,39 +15165,21 @@
           <a:chExt cx="0" cy="0"/>
         </a:xfrm>
       </p:grpSpPr>
-      <p:pic>
-        <p:nvPicPr>
-          <p:cNvPr id="4" name="그림 3"/>
-          <p:cNvPicPr>
-            <a:picLocks noChangeAspect="1"/>
-          </p:cNvPicPr>
-          <p:nvPr/>
-        </p:nvPicPr>
-        <p:blipFill>
-          <a:blip r:embed="rId2"/>
-          <a:stretch>
-            <a:fillRect/>
-          </a:stretch>
-        </p:blipFill>
-        <p:spPr>
-          <a:xfrm>
-            <a:off x="4405076" y="2552577"/>
-            <a:ext cx="3381847" cy="1752845"/>
-          </a:xfrm>
-          <a:prstGeom prst="rect">
-            <a:avLst/>
-          </a:prstGeom>
-        </p:spPr>
-      </p:pic>
-      <p:sp>
-        <p:nvSpPr>
-          <p:cNvPr id="5" name="직사각형 4"/>
+      <p:sp>
+        <p:nvSpPr>
+          <p:cNvPr id="4" name="직사각형 3">
+            <a:extLst>
+              <a:ext uri="{FF2B5EF4-FFF2-40B4-BE49-F238E27FC236}">
+                <a16:creationId xmlns:a16="http://schemas.microsoft.com/office/drawing/2014/main" id="{6E618CA9-098E-65A3-730A-EED66940802C}"/>
+              </a:ext>
+            </a:extLst>
+          </p:cNvPr>
           <p:cNvSpPr/>
           <p:nvPr/>
         </p:nvSpPr>
         <p:spPr>
           <a:xfrm>
-            <a:off x="4663046" y="5158950"/>
+            <a:off x="4663046" y="3097394"/>
             <a:ext cx="2865905" cy="736238"/>
           </a:xfrm>
           <a:prstGeom prst="rect">
@@ -15127,65 +15216,44 @@
           <a:p>
             <a:pPr algn="ctr"/>
             <a:r>
-              <a:rPr lang="en-US" altLang="ko-KR" dirty="0" smtClean="0">
-                <a:solidFill>
-                  <a:schemeClr val="tx1"/>
-                </a:solidFill>
-              </a:rPr>
-              <a:t>X1</a:t>
-            </a:r>
-            <a:r>
-              <a:rPr lang="ko-KR" altLang="en-US" dirty="0" smtClean="0">
-                <a:solidFill>
-                  <a:schemeClr val="tx1"/>
-                </a:solidFill>
-              </a:rPr>
-              <a:t>의 항목에서 </a:t>
-            </a:r>
-            <a:r>
-              <a:rPr lang="en-US" altLang="ko-KR" dirty="0" smtClean="0">
-                <a:solidFill>
-                  <a:schemeClr val="tx1"/>
-                </a:solidFill>
-              </a:rPr>
-              <a:t>5</a:t>
-            </a:r>
-            <a:r>
-              <a:rPr lang="ko-KR" altLang="en-US" dirty="0" smtClean="0">
-                <a:solidFill>
-                  <a:schemeClr val="tx1"/>
-                </a:solidFill>
-              </a:rPr>
-              <a:t>보다 크고 </a:t>
-            </a:r>
-            <a:r>
-              <a:rPr lang="en-US" altLang="ko-KR" dirty="0" smtClean="0">
-                <a:solidFill>
-                  <a:schemeClr val="tx1"/>
-                </a:solidFill>
-              </a:rPr>
-              <a:t>15</a:t>
-            </a:r>
-            <a:r>
-              <a:rPr lang="ko-KR" altLang="en-US" dirty="0" smtClean="0">
-                <a:solidFill>
-                  <a:schemeClr val="tx1"/>
-                </a:solidFill>
-              </a:rPr>
-              <a:t>보다 작은 걸 뽑아줘</a:t>
-            </a:r>
-            <a:endParaRPr lang="ko-KR" altLang="en-US" dirty="0">
-              <a:solidFill>
-                <a:schemeClr val="tx1"/>
-              </a:solidFill>
-            </a:endParaRPr>
+              <a:rPr lang="en-US" altLang="ko-KR" dirty="0" err="1">
+                <a:solidFill>
+                  <a:schemeClr val="tx1"/>
+                </a:solidFill>
+              </a:rPr>
+              <a:t>Javascript</a:t>
+            </a:r>
+            <a:r>
+              <a:rPr lang="ko-KR" altLang="en-US" dirty="0">
+                <a:solidFill>
+                  <a:schemeClr val="tx1"/>
+                </a:solidFill>
+              </a:rPr>
+              <a:t>가 </a:t>
+            </a:r>
+            <a:r>
+              <a:rPr lang="ko-KR" altLang="en-US" dirty="0" err="1">
+                <a:solidFill>
+                  <a:schemeClr val="tx1"/>
+                </a:solidFill>
+              </a:rPr>
+              <a:t>쏘아올린</a:t>
+            </a:r>
+            <a:r>
+              <a:rPr lang="ko-KR" altLang="en-US" dirty="0">
+                <a:solidFill>
+                  <a:schemeClr val="tx1"/>
+                </a:solidFill>
+              </a:rPr>
+              <a:t> 큰 공</a:t>
+            </a:r>
           </a:p>
         </p:txBody>
       </p:sp>
     </p:spTree>
     <p:extLst>
       <p:ext uri="{BB962C8B-B14F-4D97-AF65-F5344CB8AC3E}">
-        <p14:creationId xmlns:p14="http://schemas.microsoft.com/office/powerpoint/2010/main" val="3429660123"/>
+        <p14:creationId xmlns:p14="http://schemas.microsoft.com/office/powerpoint/2010/main" val="1262776951"/>
       </p:ext>
     </p:extLst>
   </p:cSld>
@@ -15214,7 +15282,13 @@
       </p:grpSpPr>
       <p:sp>
         <p:nvSpPr>
-          <p:cNvPr id="4" name="직사각형 3"/>
+          <p:cNvPr id="4" name="직사각형 3">
+            <a:extLst>
+              <a:ext uri="{FF2B5EF4-FFF2-40B4-BE49-F238E27FC236}">
+                <a16:creationId xmlns:a16="http://schemas.microsoft.com/office/drawing/2014/main" id="{41C844B6-5E46-D9F9-8AE1-CF31FAA7CDAB}"/>
+              </a:ext>
+            </a:extLst>
+          </p:cNvPr>
           <p:cNvSpPr/>
           <p:nvPr/>
         </p:nvSpPr>
@@ -15257,25 +15331,20 @@
           <a:p>
             <a:pPr algn="ctr"/>
             <a:r>
-              <a:rPr lang="en-US" altLang="ko-KR" dirty="0" smtClean="0">
-                <a:solidFill>
-                  <a:schemeClr val="tx1"/>
-                </a:solidFill>
-              </a:rPr>
-              <a:t>reduce</a:t>
-            </a:r>
-            <a:endParaRPr lang="ko-KR" altLang="en-US" dirty="0">
-              <a:solidFill>
-                <a:schemeClr val="tx1"/>
-              </a:solidFill>
-            </a:endParaRPr>
+              <a:rPr lang="ko-KR" altLang="en-US" dirty="0">
+                <a:solidFill>
+                  <a:schemeClr val="tx1"/>
+                </a:solidFill>
+              </a:rPr>
+              <a:t>간단하게 함수를 쓰고 싶을 때 쓰는 인스턴트 함수</a:t>
+            </a:r>
           </a:p>
         </p:txBody>
       </p:sp>
     </p:spTree>
     <p:extLst>
       <p:ext uri="{BB962C8B-B14F-4D97-AF65-F5344CB8AC3E}">
-        <p14:creationId xmlns:p14="http://schemas.microsoft.com/office/powerpoint/2010/main" val="734364161"/>
+        <p14:creationId xmlns:p14="http://schemas.microsoft.com/office/powerpoint/2010/main" val="1964557649"/>
       </p:ext>
     </p:extLst>
   </p:cSld>
@@ -15304,7 +15373,13 @@
       </p:grpSpPr>
       <p:pic>
         <p:nvPicPr>
-          <p:cNvPr id="4" name="그림 3"/>
+          <p:cNvPr id="7" name="그림 6">
+            <a:extLst>
+              <a:ext uri="{FF2B5EF4-FFF2-40B4-BE49-F238E27FC236}">
+                <a16:creationId xmlns:a16="http://schemas.microsoft.com/office/drawing/2014/main" id="{57E77535-3A08-7102-B99A-90223DC11B66}"/>
+              </a:ext>
+            </a:extLst>
+          </p:cNvPr>
           <p:cNvPicPr>
             <a:picLocks noChangeAspect="1"/>
           </p:cNvPicPr>
@@ -15318,8 +15393,172 @@
         </p:blipFill>
         <p:spPr>
           <a:xfrm>
-            <a:off x="4290760" y="1709497"/>
-            <a:ext cx="3610479" cy="3439005"/>
+            <a:off x="3544437" y="2724051"/>
+            <a:ext cx="1895740" cy="1409897"/>
+          </a:xfrm>
+          <a:prstGeom prst="rect">
+            <a:avLst/>
+          </a:prstGeom>
+        </p:spPr>
+      </p:pic>
+      <p:pic>
+        <p:nvPicPr>
+          <p:cNvPr id="9" name="그림 8">
+            <a:extLst>
+              <a:ext uri="{FF2B5EF4-FFF2-40B4-BE49-F238E27FC236}">
+                <a16:creationId xmlns:a16="http://schemas.microsoft.com/office/drawing/2014/main" id="{6D2867E1-9C4D-D8CF-67EC-B3C074809813}"/>
+              </a:ext>
+            </a:extLst>
+          </p:cNvPr>
+          <p:cNvPicPr>
+            <a:picLocks noChangeAspect="1"/>
+          </p:cNvPicPr>
+          <p:nvPr/>
+        </p:nvPicPr>
+        <p:blipFill>
+          <a:blip r:embed="rId3"/>
+          <a:stretch>
+            <a:fillRect/>
+          </a:stretch>
+        </p:blipFill>
+        <p:spPr>
+          <a:xfrm>
+            <a:off x="6751824" y="3028894"/>
+            <a:ext cx="2105319" cy="800212"/>
+          </a:xfrm>
+          <a:prstGeom prst="rect">
+            <a:avLst/>
+          </a:prstGeom>
+        </p:spPr>
+      </p:pic>
+      <p:sp>
+        <p:nvSpPr>
+          <p:cNvPr id="10" name="직사각형 9">
+            <a:extLst>
+              <a:ext uri="{FF2B5EF4-FFF2-40B4-BE49-F238E27FC236}">
+                <a16:creationId xmlns:a16="http://schemas.microsoft.com/office/drawing/2014/main" id="{B66E6131-D32C-7949-FF9F-126889EBC8B5}"/>
+              </a:ext>
+            </a:extLst>
+          </p:cNvPr>
+          <p:cNvSpPr/>
+          <p:nvPr/>
+        </p:nvSpPr>
+        <p:spPr>
+          <a:xfrm>
+            <a:off x="4663046" y="4992367"/>
+            <a:ext cx="2865905" cy="736238"/>
+          </a:xfrm>
+          <a:prstGeom prst="rect">
+            <a:avLst/>
+          </a:prstGeom>
+          <a:solidFill>
+            <a:srgbClr val="00B0F0">
+              <a:alpha val="34000"/>
+            </a:srgbClr>
+          </a:solidFill>
+          <a:ln w="38100">
+            <a:noFill/>
+          </a:ln>
+        </p:spPr>
+        <p:style>
+          <a:lnRef idx="2">
+            <a:schemeClr val="accent1">
+              <a:shade val="50000"/>
+            </a:schemeClr>
+          </a:lnRef>
+          <a:fillRef idx="1">
+            <a:schemeClr val="accent1"/>
+          </a:fillRef>
+          <a:effectRef idx="0">
+            <a:schemeClr val="accent1"/>
+          </a:effectRef>
+          <a:fontRef idx="minor">
+            <a:schemeClr val="lt1"/>
+          </a:fontRef>
+        </p:style>
+        <p:txBody>
+          <a:bodyPr rtlCol="0" anchor="ctr"/>
+          <a:lstStyle/>
+          <a:p>
+            <a:pPr algn="ctr"/>
+            <a:r>
+              <a:rPr lang="en-US" altLang="ko-KR" dirty="0">
+                <a:solidFill>
+                  <a:schemeClr val="tx1"/>
+                </a:solidFill>
+              </a:rPr>
+              <a:t>Function</a:t>
+            </a:r>
+            <a:r>
+              <a:rPr lang="ko-KR" altLang="en-US" dirty="0">
+                <a:solidFill>
+                  <a:schemeClr val="tx1"/>
+                </a:solidFill>
+              </a:rPr>
+              <a:t>과 </a:t>
+            </a:r>
+            <a:r>
+              <a:rPr lang="en-US" altLang="ko-KR" dirty="0">
+                <a:solidFill>
+                  <a:schemeClr val="tx1"/>
+                </a:solidFill>
+              </a:rPr>
+              <a:t>return</a:t>
+            </a:r>
+            <a:r>
+              <a:rPr lang="ko-KR" altLang="en-US" dirty="0">
+                <a:solidFill>
+                  <a:schemeClr val="tx1"/>
+                </a:solidFill>
+              </a:rPr>
+              <a:t>을 </a:t>
+            </a:r>
+            <a:r>
+              <a:rPr lang="ko-KR" altLang="en-US" dirty="0" err="1">
+                <a:solidFill>
+                  <a:schemeClr val="tx1"/>
+                </a:solidFill>
+              </a:rPr>
+              <a:t>줄여버림</a:t>
+            </a:r>
+            <a:endParaRPr lang="ko-KR" altLang="en-US" dirty="0">
+              <a:solidFill>
+                <a:schemeClr val="tx1"/>
+              </a:solidFill>
+            </a:endParaRPr>
+          </a:p>
+        </p:txBody>
+      </p:sp>
+      <p:pic>
+        <p:nvPicPr>
+          <p:cNvPr id="12" name="그림 11" descr="텍스트이(가) 표시된 사진&#10;&#10;자동 생성된 설명">
+            <a:extLst>
+              <a:ext uri="{FF2B5EF4-FFF2-40B4-BE49-F238E27FC236}">
+                <a16:creationId xmlns:a16="http://schemas.microsoft.com/office/drawing/2014/main" id="{67A344BE-C06C-3899-CD51-09B57C587A67}"/>
+              </a:ext>
+            </a:extLst>
+          </p:cNvPr>
+          <p:cNvPicPr>
+            <a:picLocks noChangeAspect="1"/>
+          </p:cNvPicPr>
+          <p:nvPr/>
+        </p:nvPicPr>
+        <p:blipFill>
+          <a:blip r:embed="rId4">
+            <a:extLst>
+              <a:ext uri="{28A0092B-C50C-407E-A947-70E740481C1C}">
+                <a14:useLocalDpi xmlns:a14="http://schemas.microsoft.com/office/drawing/2010/main" val="0"/>
+              </a:ext>
+            </a:extLst>
+          </a:blip>
+          <a:stretch>
+            <a:fillRect/>
+          </a:stretch>
+        </p:blipFill>
+        <p:spPr>
+          <a:xfrm>
+            <a:off x="9276848" y="4233612"/>
+            <a:ext cx="2000250" cy="2000250"/>
           </a:xfrm>
           <a:prstGeom prst="rect">
             <a:avLst/>
@@ -15329,7 +15568,7 @@
     </p:spTree>
     <p:extLst>
       <p:ext uri="{BB962C8B-B14F-4D97-AF65-F5344CB8AC3E}">
-        <p14:creationId xmlns:p14="http://schemas.microsoft.com/office/powerpoint/2010/main" val="3951264837"/>
+        <p14:creationId xmlns:p14="http://schemas.microsoft.com/office/powerpoint/2010/main" val="306956783"/>
       </p:ext>
     </p:extLst>
   </p:cSld>
@@ -15356,16 +15595,52 @@
           <a:chExt cx="0" cy="0"/>
         </a:xfrm>
       </p:grpSpPr>
-      <p:sp>
-        <p:nvSpPr>
-          <p:cNvPr id="4" name="직사각형 3"/>
+      <p:pic>
+        <p:nvPicPr>
+          <p:cNvPr id="5" name="그림 4">
+            <a:extLst>
+              <a:ext uri="{FF2B5EF4-FFF2-40B4-BE49-F238E27FC236}">
+                <a16:creationId xmlns:a16="http://schemas.microsoft.com/office/drawing/2014/main" id="{962F280F-026A-2941-002B-C81A23B6C244}"/>
+              </a:ext>
+            </a:extLst>
+          </p:cNvPr>
+          <p:cNvPicPr>
+            <a:picLocks noChangeAspect="1"/>
+          </p:cNvPicPr>
+          <p:nvPr/>
+        </p:nvPicPr>
+        <p:blipFill>
+          <a:blip r:embed="rId2"/>
+          <a:stretch>
+            <a:fillRect/>
+          </a:stretch>
+        </p:blipFill>
+        <p:spPr>
+          <a:xfrm>
+            <a:off x="2680811" y="2119129"/>
+            <a:ext cx="6830378" cy="2619741"/>
+          </a:xfrm>
+          <a:prstGeom prst="rect">
+            <a:avLst/>
+          </a:prstGeom>
+        </p:spPr>
+      </p:pic>
+      <p:sp>
+        <p:nvSpPr>
+          <p:cNvPr id="6" name="직사각형 5">
+            <a:extLst>
+              <a:ext uri="{FF2B5EF4-FFF2-40B4-BE49-F238E27FC236}">
+                <a16:creationId xmlns:a16="http://schemas.microsoft.com/office/drawing/2014/main" id="{972A3E8F-E339-9DF3-4DD2-2F3C3D461FBC}"/>
+              </a:ext>
+            </a:extLst>
+          </p:cNvPr>
           <p:cNvSpPr/>
           <p:nvPr/>
         </p:nvSpPr>
         <p:spPr>
           <a:xfrm>
-            <a:off x="4663046" y="3097394"/>
-            <a:ext cx="2865905" cy="736238"/>
+            <a:off x="3130620" y="5389408"/>
+            <a:ext cx="5930759" cy="1059517"/>
           </a:xfrm>
           <a:prstGeom prst="rect">
             <a:avLst/>
@@ -15401,12 +15676,132 @@
           <a:p>
             <a:pPr algn="ctr"/>
             <a:r>
-              <a:rPr lang="en-US" altLang="ko-KR" dirty="0" smtClean="0">
-                <a:solidFill>
-                  <a:schemeClr val="tx1"/>
-                </a:solidFill>
-              </a:rPr>
-              <a:t>closure</a:t>
+              <a:rPr lang="ko-KR" altLang="en-US" dirty="0">
+                <a:solidFill>
+                  <a:schemeClr val="tx1"/>
+                </a:solidFill>
+              </a:rPr>
+              <a:t>리스트나 배열</a:t>
+            </a:r>
+            <a:r>
+              <a:rPr lang="en-US" altLang="ko-KR" dirty="0">
+                <a:solidFill>
+                  <a:schemeClr val="tx1"/>
+                </a:solidFill>
+              </a:rPr>
+              <a:t>,</a:t>
+            </a:r>
+            <a:r>
+              <a:rPr lang="ko-KR" altLang="en-US" dirty="0">
+                <a:solidFill>
+                  <a:schemeClr val="tx1"/>
+                </a:solidFill>
+              </a:rPr>
+              <a:t> </a:t>
+            </a:r>
+            <a:r>
+              <a:rPr lang="ko-KR" altLang="en-US" dirty="0" err="1">
+                <a:solidFill>
+                  <a:schemeClr val="tx1"/>
+                </a:solidFill>
+              </a:rPr>
+              <a:t>딕셔너리같은</a:t>
+            </a:r>
+            <a:r>
+              <a:rPr lang="ko-KR" altLang="en-US" dirty="0">
+                <a:solidFill>
+                  <a:schemeClr val="tx1"/>
+                </a:solidFill>
+              </a:rPr>
+              <a:t> 여러 값을 들고 있는 자료형은 </a:t>
+            </a:r>
+            <a:r>
+              <a:rPr lang="en-US" altLang="ko-KR" dirty="0">
+                <a:solidFill>
+                  <a:schemeClr val="tx1"/>
+                </a:solidFill>
+              </a:rPr>
+              <a:t>for</a:t>
+            </a:r>
+            <a:r>
+              <a:rPr lang="ko-KR" altLang="en-US" dirty="0">
+                <a:solidFill>
+                  <a:schemeClr val="tx1"/>
+                </a:solidFill>
+              </a:rPr>
+              <a:t>를 돌려야 함</a:t>
+            </a:r>
+            <a:endParaRPr lang="en-US" altLang="ko-KR" dirty="0">
+              <a:solidFill>
+                <a:schemeClr val="tx1"/>
+              </a:solidFill>
+            </a:endParaRPr>
+          </a:p>
+          <a:p>
+            <a:pPr algn="ctr"/>
+            <a:r>
+              <a:rPr lang="en-US" altLang="ko-KR" dirty="0">
+                <a:solidFill>
+                  <a:schemeClr val="tx1"/>
+                </a:solidFill>
+              </a:rPr>
+              <a:t>-&gt; </a:t>
+            </a:r>
+            <a:r>
+              <a:rPr lang="ko-KR" altLang="en-US" dirty="0">
+                <a:solidFill>
+                  <a:schemeClr val="tx1"/>
+                </a:solidFill>
+              </a:rPr>
+              <a:t>배보다 배꼽이 더 커짐</a:t>
+            </a:r>
+            <a:endParaRPr lang="en-US" altLang="ko-KR" dirty="0">
+              <a:solidFill>
+                <a:schemeClr val="tx1"/>
+              </a:solidFill>
+            </a:endParaRPr>
+          </a:p>
+          <a:p>
+            <a:pPr algn="ctr"/>
+            <a:r>
+              <a:rPr lang="en-US" altLang="ko-KR" dirty="0">
+                <a:solidFill>
+                  <a:schemeClr val="tx1"/>
+                </a:solidFill>
+              </a:rPr>
+              <a:t>=&gt; </a:t>
+            </a:r>
+            <a:r>
+              <a:rPr lang="ko-KR" altLang="en-US" dirty="0">
+                <a:solidFill>
+                  <a:schemeClr val="tx1"/>
+                </a:solidFill>
+              </a:rPr>
+              <a:t>그럼 </a:t>
+            </a:r>
+            <a:r>
+              <a:rPr lang="en-US" altLang="ko-KR" dirty="0">
+                <a:solidFill>
+                  <a:schemeClr val="tx1"/>
+                </a:solidFill>
+              </a:rPr>
+              <a:t>map</a:t>
+            </a:r>
+            <a:r>
+              <a:rPr lang="ko-KR" altLang="en-US" dirty="0">
+                <a:solidFill>
+                  <a:schemeClr val="tx1"/>
+                </a:solidFill>
+              </a:rPr>
+              <a:t>을 쓰면 되겠네</a:t>
+            </a:r>
+            <a:r>
+              <a:rPr lang="en-US" altLang="ko-KR" dirty="0">
+                <a:solidFill>
+                  <a:schemeClr val="tx1"/>
+                </a:solidFill>
+              </a:rPr>
+              <a:t>!</a:t>
             </a:r>
             <a:endParaRPr lang="ko-KR" altLang="en-US" dirty="0">
               <a:solidFill>
@@ -15416,10 +15811,100 @@
           </a:p>
         </p:txBody>
       </p:sp>
+      <p:sp>
+        <p:nvSpPr>
+          <p:cNvPr id="7" name="직사각형 6">
+            <a:extLst>
+              <a:ext uri="{FF2B5EF4-FFF2-40B4-BE49-F238E27FC236}">
+                <a16:creationId xmlns:a16="http://schemas.microsoft.com/office/drawing/2014/main" id="{7B2D02D3-A3B4-616A-1F74-40F7D95EDF9F}"/>
+              </a:ext>
+            </a:extLst>
+          </p:cNvPr>
+          <p:cNvSpPr/>
+          <p:nvPr/>
+        </p:nvSpPr>
+        <p:spPr>
+          <a:xfrm>
+            <a:off x="10329111" y="5389408"/>
+            <a:ext cx="1764226" cy="1059517"/>
+          </a:xfrm>
+          <a:prstGeom prst="rect">
+            <a:avLst/>
+          </a:prstGeom>
+          <a:solidFill>
+            <a:srgbClr val="00B0F0">
+              <a:alpha val="34000"/>
+            </a:srgbClr>
+          </a:solidFill>
+          <a:ln w="38100">
+            <a:noFill/>
+          </a:ln>
+        </p:spPr>
+        <p:style>
+          <a:lnRef idx="2">
+            <a:schemeClr val="accent1">
+              <a:shade val="50000"/>
+            </a:schemeClr>
+          </a:lnRef>
+          <a:fillRef idx="1">
+            <a:schemeClr val="accent1"/>
+          </a:fillRef>
+          <a:effectRef idx="0">
+            <a:schemeClr val="accent1"/>
+          </a:effectRef>
+          <a:fontRef idx="minor">
+            <a:schemeClr val="lt1"/>
+          </a:fontRef>
+        </p:style>
+        <p:txBody>
+          <a:bodyPr rtlCol="0" anchor="ctr"/>
+          <a:lstStyle/>
+          <a:p>
+            <a:pPr algn="ctr"/>
+            <a:r>
+              <a:rPr lang="ko-KR" altLang="en-US" i="1" dirty="0">
+                <a:solidFill>
+                  <a:schemeClr val="tx1"/>
+                </a:solidFill>
+              </a:rPr>
+              <a:t>얘 </a:t>
+            </a:r>
+            <a:r>
+              <a:rPr lang="en-US" altLang="ko-KR" i="1" dirty="0">
+                <a:solidFill>
+                  <a:schemeClr val="tx1"/>
+                </a:solidFill>
+              </a:rPr>
+              <a:t>React </a:t>
+            </a:r>
+            <a:r>
+              <a:rPr lang="ko-KR" altLang="en-US" i="1" dirty="0">
+                <a:solidFill>
+                  <a:schemeClr val="tx1"/>
+                </a:solidFill>
+              </a:rPr>
+              <a:t>할 때 또 나온다</a:t>
+            </a:r>
+            <a:r>
+              <a:rPr lang="en-US" altLang="ko-KR" i="1" dirty="0">
+                <a:solidFill>
+                  <a:schemeClr val="tx1"/>
+                </a:solidFill>
+              </a:rPr>
+              <a:t>?</a:t>
+            </a:r>
+            <a:endParaRPr lang="ko-KR" altLang="en-US" i="1" dirty="0">
+              <a:solidFill>
+                <a:schemeClr val="tx1"/>
+              </a:solidFill>
+            </a:endParaRPr>
+          </a:p>
+        </p:txBody>
+      </p:sp>
     </p:spTree>
     <p:extLst>
       <p:ext uri="{BB962C8B-B14F-4D97-AF65-F5344CB8AC3E}">
-        <p14:creationId xmlns:p14="http://schemas.microsoft.com/office/powerpoint/2010/main" val="2726684610"/>
+        <p14:creationId xmlns:p14="http://schemas.microsoft.com/office/powerpoint/2010/main" val="3252375044"/>
       </p:ext>
     </p:extLst>
   </p:cSld>
@@ -15448,7 +15933,13 @@
       </p:grpSpPr>
       <p:pic>
         <p:nvPicPr>
-          <p:cNvPr id="4" name="그림 3"/>
+          <p:cNvPr id="5" name="그림 4">
+            <a:extLst>
+              <a:ext uri="{FF2B5EF4-FFF2-40B4-BE49-F238E27FC236}">
+                <a16:creationId xmlns:a16="http://schemas.microsoft.com/office/drawing/2014/main" id="{0C258EF9-BBC4-F788-A6DF-4CC6E12D9F6E}"/>
+              </a:ext>
+            </a:extLst>
+          </p:cNvPr>
           <p:cNvPicPr>
             <a:picLocks noChangeAspect="1"/>
           </p:cNvPicPr>
@@ -15462,8 +15953,8 @@
         </p:blipFill>
         <p:spPr>
           <a:xfrm>
-            <a:off x="4108630" y="1623141"/>
-            <a:ext cx="3974740" cy="3538694"/>
+            <a:off x="3647733" y="2485893"/>
+            <a:ext cx="4896533" cy="1886213"/>
           </a:xfrm>
           <a:prstGeom prst="rect">
             <a:avLst/>
@@ -15472,14 +15963,20 @@
       </p:pic>
       <p:sp>
         <p:nvSpPr>
-          <p:cNvPr id="5" name="직사각형 4"/>
+          <p:cNvPr id="6" name="직사각형 5">
+            <a:extLst>
+              <a:ext uri="{FF2B5EF4-FFF2-40B4-BE49-F238E27FC236}">
+                <a16:creationId xmlns:a16="http://schemas.microsoft.com/office/drawing/2014/main" id="{32AEB15E-2895-1FA3-B6A9-F94F27AAA59D}"/>
+              </a:ext>
+            </a:extLst>
+          </p:cNvPr>
           <p:cNvSpPr/>
           <p:nvPr/>
         </p:nvSpPr>
         <p:spPr>
           <a:xfrm>
-            <a:off x="4108630" y="1623141"/>
-            <a:ext cx="3974740" cy="3538693"/>
+            <a:off x="3130620" y="5389408"/>
+            <a:ext cx="5930759" cy="1059517"/>
           </a:xfrm>
           <a:prstGeom prst="rect">
             <a:avLst/>
@@ -15514,6 +16011,81 @@
           <a:lstStyle/>
           <a:p>
             <a:pPr algn="ctr"/>
+            <a:r>
+              <a:rPr lang="ko-KR" altLang="en-US" dirty="0">
+                <a:solidFill>
+                  <a:schemeClr val="tx1"/>
+                </a:solidFill>
+              </a:rPr>
+              <a:t>여기서도 </a:t>
+            </a:r>
+            <a:r>
+              <a:rPr lang="en-US" altLang="ko-KR" dirty="0">
+                <a:solidFill>
+                  <a:schemeClr val="tx1"/>
+                </a:solidFill>
+              </a:rPr>
+              <a:t>map</a:t>
+            </a:r>
+            <a:r>
+              <a:rPr lang="ko-KR" altLang="en-US" dirty="0">
+                <a:solidFill>
+                  <a:schemeClr val="tx1"/>
+                </a:solidFill>
+              </a:rPr>
+              <a:t>을 쓴다</a:t>
+            </a:r>
+            <a:r>
+              <a:rPr lang="en-US" altLang="ko-KR" dirty="0">
+                <a:solidFill>
+                  <a:schemeClr val="tx1"/>
+                </a:solidFill>
+              </a:rPr>
+              <a:t>.</a:t>
+            </a:r>
+          </a:p>
+          <a:p>
+            <a:pPr algn="ctr"/>
+            <a:r>
+              <a:rPr lang="en-US" altLang="ko-KR" dirty="0">
+                <a:solidFill>
+                  <a:schemeClr val="tx1"/>
+                </a:solidFill>
+              </a:rPr>
+              <a:t>Flask</a:t>
+            </a:r>
+            <a:r>
+              <a:rPr lang="ko-KR" altLang="en-US" dirty="0">
+                <a:solidFill>
+                  <a:schemeClr val="tx1"/>
+                </a:solidFill>
+              </a:rPr>
+              <a:t>나 </a:t>
+            </a:r>
+            <a:r>
+              <a:rPr lang="en-US" altLang="ko-KR" dirty="0" err="1">
+                <a:solidFill>
+                  <a:schemeClr val="tx1"/>
+                </a:solidFill>
+              </a:rPr>
+              <a:t>django</a:t>
+            </a:r>
+            <a:r>
+              <a:rPr lang="ko-KR" altLang="en-US" dirty="0">
+                <a:solidFill>
+                  <a:schemeClr val="tx1"/>
+                </a:solidFill>
+              </a:rPr>
+              <a:t>같은 경우 이렇게 코팅해주는 경우가 종종 있다고</a:t>
+            </a:r>
+            <a:r>
+              <a:rPr lang="en-US" altLang="ko-KR" dirty="0">
+                <a:solidFill>
+                  <a:schemeClr val="tx1"/>
+                </a:solidFill>
+              </a:rPr>
+              <a:t>.</a:t>
+            </a:r>
             <a:endParaRPr lang="ko-KR" altLang="en-US" dirty="0">
               <a:solidFill>
                 <a:schemeClr val="tx1"/>
@@ -15522,130 +16094,10 @@
           </a:p>
         </p:txBody>
       </p:sp>
-      <p:sp>
-        <p:nvSpPr>
-          <p:cNvPr id="6" name="직사각형 5"/>
-          <p:cNvSpPr/>
-          <p:nvPr/>
-        </p:nvSpPr>
-        <p:spPr>
-          <a:xfrm>
-            <a:off x="4703792" y="2670691"/>
-            <a:ext cx="2688410" cy="986910"/>
-          </a:xfrm>
-          <a:prstGeom prst="rect">
-            <a:avLst/>
-          </a:prstGeom>
-          <a:solidFill>
-            <a:srgbClr val="00B0F0">
-              <a:alpha val="34000"/>
-            </a:srgbClr>
-          </a:solidFill>
-          <a:ln w="38100">
-            <a:noFill/>
-          </a:ln>
-        </p:spPr>
-        <p:style>
-          <a:lnRef idx="2">
-            <a:schemeClr val="accent1">
-              <a:shade val="50000"/>
-            </a:schemeClr>
-          </a:lnRef>
-          <a:fillRef idx="1">
-            <a:schemeClr val="accent1"/>
-          </a:fillRef>
-          <a:effectRef idx="0">
-            <a:schemeClr val="accent1"/>
-          </a:effectRef>
-          <a:fontRef idx="minor">
-            <a:schemeClr val="lt1"/>
-          </a:fontRef>
-        </p:style>
-        <p:txBody>
-          <a:bodyPr rtlCol="0" anchor="ctr"/>
-          <a:lstStyle/>
-          <a:p>
-            <a:pPr algn="ctr"/>
-            <a:endParaRPr lang="ko-KR" altLang="en-US" dirty="0">
-              <a:solidFill>
-                <a:schemeClr val="tx1"/>
-              </a:solidFill>
-            </a:endParaRPr>
-          </a:p>
-        </p:txBody>
-      </p:sp>
-      <p:sp>
-        <p:nvSpPr>
-          <p:cNvPr id="7" name="직사각형 6"/>
-          <p:cNvSpPr/>
-          <p:nvPr/>
-        </p:nvSpPr>
-        <p:spPr>
-          <a:xfrm>
-            <a:off x="3512124" y="5584220"/>
-            <a:ext cx="5167752" cy="817433"/>
-          </a:xfrm>
-          <a:prstGeom prst="rect">
-            <a:avLst/>
-          </a:prstGeom>
-          <a:solidFill>
-            <a:srgbClr val="00B0F0">
-              <a:alpha val="34000"/>
-            </a:srgbClr>
-          </a:solidFill>
-          <a:ln w="38100">
-            <a:noFill/>
-          </a:ln>
-        </p:spPr>
-        <p:style>
-          <a:lnRef idx="2">
-            <a:schemeClr val="accent1">
-              <a:shade val="50000"/>
-            </a:schemeClr>
-          </a:lnRef>
-          <a:fillRef idx="1">
-            <a:schemeClr val="accent1"/>
-          </a:fillRef>
-          <a:effectRef idx="0">
-            <a:schemeClr val="accent1"/>
-          </a:effectRef>
-          <a:fontRef idx="minor">
-            <a:schemeClr val="lt1"/>
-          </a:fontRef>
-        </p:style>
-        <p:txBody>
-          <a:bodyPr rtlCol="0" anchor="ctr"/>
-          <a:lstStyle/>
-          <a:p>
-            <a:pPr algn="ctr"/>
-            <a:r>
-              <a:rPr lang="ko-KR" altLang="en-US" dirty="0" smtClean="0">
-                <a:solidFill>
-                  <a:schemeClr val="tx1"/>
-                </a:solidFill>
-              </a:rPr>
-              <a:t>함수 안에 함수 선언하기</a:t>
-            </a:r>
-            <a:r>
-              <a:rPr lang="en-US" altLang="ko-KR" dirty="0" smtClean="0">
-                <a:solidFill>
-                  <a:schemeClr val="tx1"/>
-                </a:solidFill>
-              </a:rPr>
-              <a:t>.</a:t>
-            </a:r>
-            <a:endParaRPr lang="ko-KR" altLang="en-US" dirty="0">
-              <a:solidFill>
-                <a:schemeClr val="tx1"/>
-              </a:solidFill>
-            </a:endParaRPr>
-          </a:p>
-        </p:txBody>
-      </p:sp>
     </p:spTree>
     <p:extLst>
       <p:ext uri="{BB962C8B-B14F-4D97-AF65-F5344CB8AC3E}">
-        <p14:creationId xmlns:p14="http://schemas.microsoft.com/office/powerpoint/2010/main" val="2134694316"/>
+        <p14:creationId xmlns:p14="http://schemas.microsoft.com/office/powerpoint/2010/main" val="1451017638"/>
       </p:ext>
     </p:extLst>
   </p:cSld>
@@ -15674,7 +16126,13 @@
       </p:grpSpPr>
       <p:pic>
         <p:nvPicPr>
-          <p:cNvPr id="5" name="그림 4"/>
+          <p:cNvPr id="5" name="그림 4">
+            <a:extLst>
+              <a:ext uri="{FF2B5EF4-FFF2-40B4-BE49-F238E27FC236}">
+                <a16:creationId xmlns:a16="http://schemas.microsoft.com/office/drawing/2014/main" id="{26C516BB-95D7-A5B8-1F7A-A2280E9D1662}"/>
+              </a:ext>
+            </a:extLst>
+          </p:cNvPr>
           <p:cNvPicPr>
             <a:picLocks noChangeAspect="1"/>
           </p:cNvPicPr>
@@ -15688,8 +16146,8 @@
         </p:blipFill>
         <p:spPr>
           <a:xfrm>
-            <a:off x="4108630" y="1589452"/>
-            <a:ext cx="3880338" cy="3566142"/>
+            <a:off x="4386024" y="2919341"/>
+            <a:ext cx="3419952" cy="1019317"/>
           </a:xfrm>
           <a:prstGeom prst="rect">
             <a:avLst/>
@@ -15698,14 +16156,20 @@
       </p:pic>
       <p:sp>
         <p:nvSpPr>
-          <p:cNvPr id="6" name="직사각형 5"/>
+          <p:cNvPr id="6" name="직사각형 5">
+            <a:extLst>
+              <a:ext uri="{FF2B5EF4-FFF2-40B4-BE49-F238E27FC236}">
+                <a16:creationId xmlns:a16="http://schemas.microsoft.com/office/drawing/2014/main" id="{DF6CF19F-76C8-49D0-3C92-3B2528C358B5}"/>
+              </a:ext>
+            </a:extLst>
+          </p:cNvPr>
           <p:cNvSpPr/>
           <p:nvPr/>
         </p:nvSpPr>
         <p:spPr>
           <a:xfrm>
-            <a:off x="4108630" y="1589452"/>
-            <a:ext cx="3880338" cy="3566142"/>
+            <a:off x="4176163" y="5058540"/>
+            <a:ext cx="3839674" cy="650445"/>
           </a:xfrm>
           <a:prstGeom prst="rect">
             <a:avLst/>
@@ -15740,6 +16204,22 @@
           <a:lstStyle/>
           <a:p>
             <a:pPr algn="ctr"/>
+            <a:r>
+              <a:rPr lang="ko-KR" altLang="en-US" dirty="0">
+                <a:solidFill>
+                  <a:schemeClr val="tx1"/>
+                </a:solidFill>
+              </a:rPr>
+              <a:t>이런 식으로 짧게 끊어버릴 수 있다</a:t>
+            </a:r>
+            <a:r>
+              <a:rPr lang="en-US" altLang="ko-KR" dirty="0">
+                <a:solidFill>
+                  <a:schemeClr val="tx1"/>
+                </a:solidFill>
+              </a:rPr>
+              <a:t>.</a:t>
+            </a:r>
             <a:endParaRPr lang="ko-KR" altLang="en-US" dirty="0">
               <a:solidFill>
                 <a:schemeClr val="tx1"/>
@@ -15748,62 +16228,10 @@
           </a:p>
         </p:txBody>
       </p:sp>
-      <p:sp>
-        <p:nvSpPr>
-          <p:cNvPr id="7" name="직사각형 6"/>
-          <p:cNvSpPr/>
-          <p:nvPr/>
-        </p:nvSpPr>
-        <p:spPr>
-          <a:xfrm>
-            <a:off x="4617164" y="2569624"/>
-            <a:ext cx="3371804" cy="1145728"/>
-          </a:xfrm>
-          <a:prstGeom prst="rect">
-            <a:avLst/>
-          </a:prstGeom>
-          <a:solidFill>
-            <a:srgbClr val="00B0F0">
-              <a:alpha val="34000"/>
-            </a:srgbClr>
-          </a:solidFill>
-          <a:ln w="38100">
-            <a:noFill/>
-          </a:ln>
-        </p:spPr>
-        <p:style>
-          <a:lnRef idx="2">
-            <a:schemeClr val="accent1">
-              <a:shade val="50000"/>
-            </a:schemeClr>
-          </a:lnRef>
-          <a:fillRef idx="1">
-            <a:schemeClr val="accent1"/>
-          </a:fillRef>
-          <a:effectRef idx="0">
-            <a:schemeClr val="accent1"/>
-          </a:effectRef>
-          <a:fontRef idx="minor">
-            <a:schemeClr val="lt1"/>
-          </a:fontRef>
-        </p:style>
-        <p:txBody>
-          <a:bodyPr rtlCol="0" anchor="ctr"/>
-          <a:lstStyle/>
-          <a:p>
-            <a:pPr algn="ctr"/>
-            <a:endParaRPr lang="ko-KR" altLang="en-US" dirty="0">
-              <a:solidFill>
-                <a:schemeClr val="tx1"/>
-              </a:solidFill>
-            </a:endParaRPr>
-          </a:p>
-        </p:txBody>
-      </p:sp>
     </p:spTree>
     <p:extLst>
       <p:ext uri="{BB962C8B-B14F-4D97-AF65-F5344CB8AC3E}">
-        <p14:creationId xmlns:p14="http://schemas.microsoft.com/office/powerpoint/2010/main" val="337514113"/>
+        <p14:creationId xmlns:p14="http://schemas.microsoft.com/office/powerpoint/2010/main" val="679142853"/>
       </p:ext>
     </p:extLst>
   </p:cSld>
@@ -15923,23 +16351,15 @@
           <a:p>
             <a:pPr algn="ctr"/>
             <a:r>
-              <a:rPr lang="ko-KR" altLang="en-US" dirty="0" err="1" smtClean="0">
-                <a:solidFill>
-                  <a:schemeClr val="tx1"/>
-                </a:solidFill>
-              </a:rPr>
-              <a:t>애스터</a:t>
-            </a:r>
-            <a:r>
-              <a:rPr lang="ko-KR" altLang="en-US" dirty="0" err="1" smtClean="0">
-                <a:solidFill>
-                  <a:schemeClr val="tx1"/>
-                </a:solidFill>
-              </a:rPr>
-              <a:t>리스크</a:t>
-            </a:r>
-            <a:r>
-              <a:rPr lang="en-US" altLang="ko-KR" dirty="0" smtClean="0">
+              <a:rPr lang="ko-KR" altLang="en-US" dirty="0" err="1">
+                <a:solidFill>
+                  <a:schemeClr val="tx1"/>
+                </a:solidFill>
+              </a:rPr>
+              <a:t>애스터리스크</a:t>
+            </a:r>
+            <a:r>
+              <a:rPr lang="en-US" altLang="ko-KR" dirty="0">
                 <a:solidFill>
                   <a:schemeClr val="tx1"/>
                 </a:solidFill>
@@ -15947,7 +16367,7 @@
               <a:t>(*)</a:t>
             </a:r>
             <a:r>
-              <a:rPr lang="ko-KR" altLang="en-US" dirty="0" err="1" smtClean="0">
+              <a:rPr lang="ko-KR" altLang="en-US" dirty="0" err="1">
                 <a:solidFill>
                   <a:schemeClr val="tx1"/>
                 </a:solidFill>
@@ -15955,7 +16375,7 @@
               <a:t>를</a:t>
             </a:r>
             <a:r>
-              <a:rPr lang="ko-KR" altLang="en-US" dirty="0" smtClean="0">
+              <a:rPr lang="ko-KR" altLang="en-US" dirty="0">
                 <a:solidFill>
                   <a:schemeClr val="tx1"/>
                 </a:solidFill>
@@ -15963,7 +16383,7 @@
               <a:t> 인자 앞에 넣으면 알아서 할당 가능</a:t>
             </a:r>
             <a:r>
-              <a:rPr lang="en-US" altLang="ko-KR" dirty="0" smtClean="0">
+              <a:rPr lang="en-US" altLang="ko-KR" dirty="0">
                 <a:solidFill>
                   <a:schemeClr val="tx1"/>
                 </a:solidFill>
@@ -16010,7 +16430,13 @@
       </p:grpSpPr>
       <p:pic>
         <p:nvPicPr>
-          <p:cNvPr id="4" name="그림 3"/>
+          <p:cNvPr id="5" name="그림 4">
+            <a:extLst>
+              <a:ext uri="{FF2B5EF4-FFF2-40B4-BE49-F238E27FC236}">
+                <a16:creationId xmlns:a16="http://schemas.microsoft.com/office/drawing/2014/main" id="{B042CD83-80FD-670B-78B5-28D051C7E4FE}"/>
+              </a:ext>
+            </a:extLst>
+          </p:cNvPr>
           <p:cNvPicPr>
             <a:picLocks noChangeAspect="1"/>
           </p:cNvPicPr>
@@ -16024,145 +16450,115 @@
         </p:blipFill>
         <p:spPr>
           <a:xfrm>
-            <a:off x="4652969" y="602740"/>
-            <a:ext cx="2886061" cy="3581910"/>
+            <a:off x="2366442" y="3128920"/>
+            <a:ext cx="7459116" cy="600159"/>
           </a:xfrm>
           <a:prstGeom prst="rect">
             <a:avLst/>
           </a:prstGeom>
         </p:spPr>
       </p:pic>
+      <p:sp>
+        <p:nvSpPr>
+          <p:cNvPr id="6" name="직사각형 5">
+            <a:extLst>
+              <a:ext uri="{FF2B5EF4-FFF2-40B4-BE49-F238E27FC236}">
+                <a16:creationId xmlns:a16="http://schemas.microsoft.com/office/drawing/2014/main" id="{9E41A2BD-5568-3950-CB02-299D9FFA3536}"/>
+              </a:ext>
+            </a:extLst>
+          </p:cNvPr>
+          <p:cNvSpPr/>
+          <p:nvPr/>
+        </p:nvSpPr>
+        <p:spPr>
+          <a:xfrm>
+            <a:off x="3512124" y="4833449"/>
+            <a:ext cx="5167752" cy="817433"/>
+          </a:xfrm>
+          <a:prstGeom prst="rect">
+            <a:avLst/>
+          </a:prstGeom>
+          <a:solidFill>
+            <a:srgbClr val="00B0F0">
+              <a:alpha val="34000"/>
+            </a:srgbClr>
+          </a:solidFill>
+          <a:ln w="38100">
+            <a:noFill/>
+          </a:ln>
+        </p:spPr>
+        <p:style>
+          <a:lnRef idx="2">
+            <a:schemeClr val="accent1">
+              <a:shade val="50000"/>
+            </a:schemeClr>
+          </a:lnRef>
+          <a:fillRef idx="1">
+            <a:schemeClr val="accent1"/>
+          </a:fillRef>
+          <a:effectRef idx="0">
+            <a:schemeClr val="accent1"/>
+          </a:effectRef>
+          <a:fontRef idx="minor">
+            <a:schemeClr val="lt1"/>
+          </a:fontRef>
+        </p:style>
+        <p:txBody>
+          <a:bodyPr rtlCol="0" anchor="ctr"/>
+          <a:lstStyle/>
+          <a:p>
+            <a:pPr algn="ctr"/>
+            <a:r>
+              <a:rPr lang="ko-KR" altLang="en-US" dirty="0">
+                <a:solidFill>
+                  <a:schemeClr val="tx1"/>
+                </a:solidFill>
+              </a:rPr>
+              <a:t>이건 너무 복잡해서 가독성이 떨어짐</a:t>
+            </a:r>
+          </a:p>
+        </p:txBody>
+      </p:sp>
       <p:pic>
         <p:nvPicPr>
-          <p:cNvPr id="5" name="그림 4"/>
+          <p:cNvPr id="8" name="그림 7">
+            <a:extLst>
+              <a:ext uri="{FF2B5EF4-FFF2-40B4-BE49-F238E27FC236}">
+                <a16:creationId xmlns:a16="http://schemas.microsoft.com/office/drawing/2014/main" id="{C958F3A9-AFFD-C8F2-6B62-B23A94FEACAB}"/>
+              </a:ext>
+            </a:extLst>
+          </p:cNvPr>
           <p:cNvPicPr>
             <a:picLocks noChangeAspect="1"/>
           </p:cNvPicPr>
           <p:nvPr/>
         </p:nvPicPr>
         <p:blipFill>
-          <a:blip r:embed="rId3"/>
+          <a:blip r:embed="rId3">
+            <a:extLst>
+              <a:ext uri="{28A0092B-C50C-407E-A947-70E740481C1C}">
+                <a14:useLocalDpi xmlns:a14="http://schemas.microsoft.com/office/drawing/2010/main" val="0"/>
+              </a:ext>
+            </a:extLst>
+          </a:blip>
           <a:stretch>
             <a:fillRect/>
           </a:stretch>
         </p:blipFill>
         <p:spPr>
           <a:xfrm>
-            <a:off x="4652969" y="4184650"/>
-            <a:ext cx="2886061" cy="2193406"/>
+            <a:off x="9254539" y="4184650"/>
+            <a:ext cx="2562225" cy="1790700"/>
           </a:xfrm>
           <a:prstGeom prst="rect">
             <a:avLst/>
           </a:prstGeom>
         </p:spPr>
       </p:pic>
-      <p:sp>
-        <p:nvSpPr>
-          <p:cNvPr id="6" name="직사각형 5"/>
-          <p:cNvSpPr/>
-          <p:nvPr/>
-        </p:nvSpPr>
-        <p:spPr>
-          <a:xfrm>
-            <a:off x="7795366" y="2983771"/>
-            <a:ext cx="4053333" cy="817433"/>
-          </a:xfrm>
-          <a:prstGeom prst="rect">
-            <a:avLst/>
-          </a:prstGeom>
-          <a:solidFill>
-            <a:srgbClr val="00B0F0">
-              <a:alpha val="34000"/>
-            </a:srgbClr>
-          </a:solidFill>
-          <a:ln w="38100">
-            <a:noFill/>
-          </a:ln>
-        </p:spPr>
-        <p:style>
-          <a:lnRef idx="2">
-            <a:schemeClr val="accent1">
-              <a:shade val="50000"/>
-            </a:schemeClr>
-          </a:lnRef>
-          <a:fillRef idx="1">
-            <a:schemeClr val="accent1"/>
-          </a:fillRef>
-          <a:effectRef idx="0">
-            <a:schemeClr val="accent1"/>
-          </a:effectRef>
-          <a:fontRef idx="minor">
-            <a:schemeClr val="lt1"/>
-          </a:fontRef>
-        </p:style>
-        <p:txBody>
-          <a:bodyPr rtlCol="0" anchor="ctr"/>
-          <a:lstStyle/>
-          <a:p>
-            <a:pPr algn="ctr"/>
-            <a:r>
-              <a:rPr lang="en-US" altLang="ko-KR" dirty="0" smtClean="0">
-                <a:solidFill>
-                  <a:schemeClr val="tx1"/>
-                </a:solidFill>
-              </a:rPr>
-              <a:t>Mutable</a:t>
-            </a:r>
-            <a:r>
-              <a:rPr lang="ko-KR" altLang="en-US" dirty="0" smtClean="0">
-                <a:solidFill>
-                  <a:schemeClr val="tx1"/>
-                </a:solidFill>
-              </a:rPr>
-              <a:t>은 덮어씌워지고</a:t>
-            </a:r>
-            <a:r>
-              <a:rPr lang="en-US" altLang="ko-KR" dirty="0" smtClean="0">
-                <a:solidFill>
-                  <a:schemeClr val="tx1"/>
-                </a:solidFill>
-              </a:rPr>
-              <a:t>,</a:t>
-            </a:r>
-          </a:p>
-          <a:p>
-            <a:pPr algn="ctr"/>
-            <a:r>
-              <a:rPr lang="en-US" altLang="ko-KR" dirty="0" smtClean="0">
-                <a:solidFill>
-                  <a:schemeClr val="tx1"/>
-                </a:solidFill>
-              </a:rPr>
-              <a:t>Inmutable</a:t>
-            </a:r>
-            <a:r>
-              <a:rPr lang="ko-KR" altLang="en-US" dirty="0" smtClean="0">
-                <a:solidFill>
-                  <a:schemeClr val="tx1"/>
-                </a:solidFill>
-              </a:rPr>
-              <a:t>은 기존에 저장된 값을 가져온다</a:t>
-            </a:r>
-            <a:r>
-              <a:rPr lang="en-US" altLang="ko-KR" dirty="0" smtClean="0">
-                <a:solidFill>
-                  <a:schemeClr val="tx1"/>
-                </a:solidFill>
-              </a:rPr>
-              <a:t>.</a:t>
-            </a:r>
-            <a:endParaRPr lang="ko-KR" altLang="en-US" dirty="0">
-              <a:solidFill>
-                <a:schemeClr val="tx1"/>
-              </a:solidFill>
-            </a:endParaRPr>
-          </a:p>
-        </p:txBody>
-      </p:sp>
     </p:spTree>
     <p:extLst>
       <p:ext uri="{BB962C8B-B14F-4D97-AF65-F5344CB8AC3E}">
-        <p14:creationId xmlns:p14="http://schemas.microsoft.com/office/powerpoint/2010/main" val="834590677"/>
+        <p14:creationId xmlns:p14="http://schemas.microsoft.com/office/powerpoint/2010/main" val="1418502326"/>
       </p:ext>
     </p:extLst>
   </p:cSld>
@@ -16189,153 +16585,133 @@
           <a:chExt cx="0" cy="0"/>
         </a:xfrm>
       </p:grpSpPr>
+      <p:sp>
+        <p:nvSpPr>
+          <p:cNvPr id="5" name="직사각형 4"/>
+          <p:cNvSpPr/>
+          <p:nvPr/>
+        </p:nvSpPr>
+        <p:spPr>
+          <a:xfrm>
+            <a:off x="3512124" y="4833449"/>
+            <a:ext cx="5167752" cy="817433"/>
+          </a:xfrm>
+          <a:prstGeom prst="rect">
+            <a:avLst/>
+          </a:prstGeom>
+          <a:solidFill>
+            <a:srgbClr val="00B0F0">
+              <a:alpha val="34000"/>
+            </a:srgbClr>
+          </a:solidFill>
+          <a:ln w="38100">
+            <a:noFill/>
+          </a:ln>
+        </p:spPr>
+        <p:style>
+          <a:lnRef idx="2">
+            <a:schemeClr val="accent1">
+              <a:shade val="50000"/>
+            </a:schemeClr>
+          </a:lnRef>
+          <a:fillRef idx="1">
+            <a:schemeClr val="accent1"/>
+          </a:fillRef>
+          <a:effectRef idx="0">
+            <a:schemeClr val="accent1"/>
+          </a:effectRef>
+          <a:fontRef idx="minor">
+            <a:schemeClr val="lt1"/>
+          </a:fontRef>
+        </p:style>
+        <p:txBody>
+          <a:bodyPr rtlCol="0" anchor="ctr"/>
+          <a:lstStyle/>
+          <a:p>
+            <a:pPr algn="ctr"/>
+            <a:r>
+              <a:rPr lang="ko-KR" altLang="en-US" dirty="0">
+                <a:solidFill>
+                  <a:schemeClr val="tx1"/>
+                </a:solidFill>
+              </a:rPr>
+              <a:t>단 예측 가능한 범위 내에서만 저렇게 쓰기</a:t>
+            </a:r>
+            <a:r>
+              <a:rPr lang="en-US" altLang="ko-KR" dirty="0">
+                <a:solidFill>
+                  <a:schemeClr val="tx1"/>
+                </a:solidFill>
+              </a:rPr>
+              <a:t>.</a:t>
+            </a:r>
+          </a:p>
+          <a:p>
+            <a:pPr algn="ctr"/>
+            <a:r>
+              <a:rPr lang="ko-KR" altLang="en-US" dirty="0" err="1">
+                <a:solidFill>
+                  <a:schemeClr val="tx1"/>
+                </a:solidFill>
+              </a:rPr>
+              <a:t>안그러면</a:t>
+            </a:r>
+            <a:r>
+              <a:rPr lang="ko-KR" altLang="en-US" dirty="0">
+                <a:solidFill>
+                  <a:schemeClr val="tx1"/>
+                </a:solidFill>
+              </a:rPr>
+              <a:t> 나중에 혼자 울면서 뚝딱뚝딱 해야 함</a:t>
+            </a:r>
+          </a:p>
+        </p:txBody>
+      </p:sp>
       <p:pic>
         <p:nvPicPr>
-          <p:cNvPr id="6" name="그림 5"/>
+          <p:cNvPr id="6" name="Picture 8" descr="쭐어 200붕이들과 비숍 짤 | 메이플 인벤"/>
           <p:cNvPicPr>
-            <a:picLocks noChangeAspect="1"/>
+            <a:picLocks noChangeAspect="1" noChangeArrowheads="1"/>
           </p:cNvPicPr>
           <p:nvPr/>
         </p:nvPicPr>
         <p:blipFill>
-          <a:blip r:embed="rId2"/>
+          <a:blip r:embed="rId2">
+            <a:extLst>
+              <a:ext uri="{28A0092B-C50C-407E-A947-70E740481C1C}">
+                <a14:useLocalDpi xmlns:a14="http://schemas.microsoft.com/office/drawing/2010/main" val="0"/>
+              </a:ext>
+            </a:extLst>
+          </a:blip>
+          <a:srcRect/>
           <a:stretch>
             <a:fillRect/>
           </a:stretch>
         </p:blipFill>
-        <p:spPr>
-          <a:xfrm>
-            <a:off x="4752787" y="486693"/>
-            <a:ext cx="2686425" cy="3362794"/>
-          </a:xfrm>
-          <a:prstGeom prst="rect">
-            <a:avLst/>
-          </a:prstGeom>
+        <p:spPr bwMode="auto">
+          <a:xfrm>
+            <a:off x="4869564" y="1731779"/>
+            <a:ext cx="2452871" cy="2452871"/>
+          </a:xfrm>
+          <a:prstGeom prst="rect">
+            <a:avLst/>
+          </a:prstGeom>
+          <a:noFill/>
+          <a:extLst>
+            <a:ext uri="{909E8E84-426E-40DD-AFC4-6F175D3DCCD1}">
+              <a14:hiddenFill xmlns:a14="http://schemas.microsoft.com/office/drawing/2010/main">
+                <a:solidFill>
+                  <a:srgbClr val="FFFFFF"/>
+                </a:solidFill>
+              </a14:hiddenFill>
+            </a:ext>
+          </a:extLst>
         </p:spPr>
       </p:pic>
-      <p:pic>
-        <p:nvPicPr>
-          <p:cNvPr id="7" name="그림 6"/>
-          <p:cNvPicPr>
-            <a:picLocks noChangeAspect="1"/>
-          </p:cNvPicPr>
-          <p:nvPr/>
-        </p:nvPicPr>
-        <p:blipFill>
-          <a:blip r:embed="rId3"/>
-          <a:stretch>
-            <a:fillRect/>
-          </a:stretch>
-        </p:blipFill>
-        <p:spPr>
-          <a:xfrm>
-            <a:off x="4752786" y="3849486"/>
-            <a:ext cx="2686425" cy="2035807"/>
-          </a:xfrm>
-          <a:prstGeom prst="rect">
-            <a:avLst/>
-          </a:prstGeom>
-        </p:spPr>
-      </p:pic>
-      <p:sp>
-        <p:nvSpPr>
-          <p:cNvPr id="9" name="직사각형 8"/>
-          <p:cNvSpPr/>
-          <p:nvPr/>
-        </p:nvSpPr>
-        <p:spPr>
-          <a:xfrm>
-            <a:off x="7795366" y="2983771"/>
-            <a:ext cx="4053333" cy="817433"/>
-          </a:xfrm>
-          <a:prstGeom prst="rect">
-            <a:avLst/>
-          </a:prstGeom>
-          <a:solidFill>
-            <a:srgbClr val="00B0F0">
-              <a:alpha val="34000"/>
-            </a:srgbClr>
-          </a:solidFill>
-          <a:ln w="38100">
-            <a:noFill/>
-          </a:ln>
-        </p:spPr>
-        <p:style>
-          <a:lnRef idx="2">
-            <a:schemeClr val="accent1">
-              <a:shade val="50000"/>
-            </a:schemeClr>
-          </a:lnRef>
-          <a:fillRef idx="1">
-            <a:schemeClr val="accent1"/>
-          </a:fillRef>
-          <a:effectRef idx="0">
-            <a:schemeClr val="accent1"/>
-          </a:effectRef>
-          <a:fontRef idx="minor">
-            <a:schemeClr val="lt1"/>
-          </a:fontRef>
-        </p:style>
-        <p:txBody>
-          <a:bodyPr rtlCol="0" anchor="ctr"/>
-          <a:lstStyle/>
-          <a:p>
-            <a:pPr algn="ctr"/>
-            <a:r>
-              <a:rPr lang="en-US" altLang="ko-KR" dirty="0" smtClean="0">
-                <a:solidFill>
-                  <a:schemeClr val="tx1"/>
-                </a:solidFill>
-              </a:rPr>
-              <a:t>Nonlocal</a:t>
-            </a:r>
-            <a:r>
-              <a:rPr lang="ko-KR" altLang="en-US" dirty="0" smtClean="0">
-                <a:solidFill>
-                  <a:schemeClr val="tx1"/>
-                </a:solidFill>
-              </a:rPr>
-              <a:t>로 함수 밖으로 빼줄 수 있음</a:t>
-            </a:r>
-            <a:r>
-              <a:rPr lang="en-US" altLang="ko-KR" dirty="0" smtClean="0">
-                <a:solidFill>
-                  <a:schemeClr val="tx1"/>
-                </a:solidFill>
-              </a:rPr>
-              <a:t>.</a:t>
-            </a:r>
-          </a:p>
-          <a:p>
-            <a:pPr algn="ctr"/>
-            <a:r>
-              <a:rPr lang="en-US" altLang="ko-KR" dirty="0" smtClean="0">
-                <a:solidFill>
-                  <a:schemeClr val="tx1"/>
-                </a:solidFill>
-              </a:rPr>
-              <a:t>Closure</a:t>
-            </a:r>
-            <a:r>
-              <a:rPr lang="ko-KR" altLang="en-US" dirty="0" smtClean="0">
-                <a:solidFill>
-                  <a:schemeClr val="tx1"/>
-                </a:solidFill>
-              </a:rPr>
-              <a:t>와 같은 역할</a:t>
-            </a:r>
-            <a:endParaRPr lang="ko-KR" altLang="en-US" dirty="0">
-              <a:solidFill>
-                <a:schemeClr val="tx1"/>
-              </a:solidFill>
-            </a:endParaRPr>
-          </a:p>
-        </p:txBody>
-      </p:sp>
     </p:spTree>
     <p:extLst>
       <p:ext uri="{BB962C8B-B14F-4D97-AF65-F5344CB8AC3E}">
-        <p14:creationId xmlns:p14="http://schemas.microsoft.com/office/powerpoint/2010/main" val="1980212818"/>
+        <p14:creationId xmlns:p14="http://schemas.microsoft.com/office/powerpoint/2010/main" val="590567108"/>
       </p:ext>
     </p:extLst>
   </p:cSld>
@@ -16362,58 +16738,70 @@
           <a:chExt cx="0" cy="0"/>
         </a:xfrm>
       </p:grpSpPr>
-      <p:pic>
-        <p:nvPicPr>
-          <p:cNvPr id="5" name="그림 4"/>
-          <p:cNvPicPr>
-            <a:picLocks noChangeAspect="1"/>
-          </p:cNvPicPr>
-          <p:nvPr/>
-        </p:nvPicPr>
-        <p:blipFill>
-          <a:blip r:embed="rId2"/>
-          <a:stretch>
-            <a:fillRect/>
-          </a:stretch>
-        </p:blipFill>
-        <p:spPr>
-          <a:xfrm>
-            <a:off x="5999886" y="2566867"/>
-            <a:ext cx="6192114" cy="1724266"/>
-          </a:xfrm>
-          <a:prstGeom prst="rect">
-            <a:avLst/>
-          </a:prstGeom>
-        </p:spPr>
-      </p:pic>
-      <p:pic>
-        <p:nvPicPr>
-          <p:cNvPr id="6" name="그림 5"/>
-          <p:cNvPicPr>
-            <a:picLocks noChangeAspect="1"/>
-          </p:cNvPicPr>
-          <p:nvPr/>
-        </p:nvPicPr>
-        <p:blipFill>
-          <a:blip r:embed="rId3"/>
-          <a:stretch>
-            <a:fillRect/>
-          </a:stretch>
-        </p:blipFill>
-        <p:spPr>
-          <a:xfrm>
-            <a:off x="497191" y="2133419"/>
-            <a:ext cx="5229955" cy="2591162"/>
-          </a:xfrm>
-          <a:prstGeom prst="rect">
-            <a:avLst/>
-          </a:prstGeom>
-        </p:spPr>
-      </p:pic>
+      <p:sp>
+        <p:nvSpPr>
+          <p:cNvPr id="4" name="직사각형 3"/>
+          <p:cNvSpPr/>
+          <p:nvPr/>
+        </p:nvSpPr>
+        <p:spPr>
+          <a:xfrm>
+            <a:off x="4663046" y="3097394"/>
+            <a:ext cx="2865905" cy="736238"/>
+          </a:xfrm>
+          <a:prstGeom prst="rect">
+            <a:avLst/>
+          </a:prstGeom>
+          <a:solidFill>
+            <a:srgbClr val="00B0F0">
+              <a:alpha val="34000"/>
+            </a:srgbClr>
+          </a:solidFill>
+          <a:ln w="38100">
+            <a:noFill/>
+          </a:ln>
+        </p:spPr>
+        <p:style>
+          <a:lnRef idx="2">
+            <a:schemeClr val="accent1">
+              <a:shade val="50000"/>
+            </a:schemeClr>
+          </a:lnRef>
+          <a:fillRef idx="1">
+            <a:schemeClr val="accent1"/>
+          </a:fillRef>
+          <a:effectRef idx="0">
+            <a:schemeClr val="accent1"/>
+          </a:effectRef>
+          <a:fontRef idx="minor">
+            <a:schemeClr val="lt1"/>
+          </a:fontRef>
+        </p:style>
+        <p:txBody>
+          <a:bodyPr rtlCol="0" anchor="ctr"/>
+          <a:lstStyle/>
+          <a:p>
+            <a:pPr algn="ctr"/>
+            <a:r>
+              <a:rPr lang="en-US" altLang="ko-KR" dirty="0">
+                <a:solidFill>
+                  <a:schemeClr val="tx1"/>
+                </a:solidFill>
+              </a:rPr>
+              <a:t>filter</a:t>
+            </a:r>
+            <a:endParaRPr lang="ko-KR" altLang="en-US" dirty="0">
+              <a:solidFill>
+                <a:schemeClr val="tx1"/>
+              </a:solidFill>
+            </a:endParaRPr>
+          </a:p>
+        </p:txBody>
+      </p:sp>
     </p:spTree>
     <p:extLst>
       <p:ext uri="{BB962C8B-B14F-4D97-AF65-F5344CB8AC3E}">
-        <p14:creationId xmlns:p14="http://schemas.microsoft.com/office/powerpoint/2010/main" val="418912674"/>
+        <p14:creationId xmlns:p14="http://schemas.microsoft.com/office/powerpoint/2010/main" val="65952401"/>
       </p:ext>
     </p:extLst>
   </p:cSld>
@@ -16456,48 +16844,24 @@
         </p:blipFill>
         <p:spPr>
           <a:xfrm>
-            <a:off x="4137449" y="1215664"/>
-            <a:ext cx="3917102" cy="4353648"/>
+            <a:off x="4405076" y="2552577"/>
+            <a:ext cx="3381847" cy="1752845"/>
           </a:xfrm>
           <a:prstGeom prst="rect">
             <a:avLst/>
           </a:prstGeom>
         </p:spPr>
       </p:pic>
-      <p:pic>
-        <p:nvPicPr>
-          <p:cNvPr id="5" name="그림 4"/>
-          <p:cNvPicPr>
-            <a:picLocks noChangeAspect="1"/>
-          </p:cNvPicPr>
-          <p:nvPr/>
-        </p:nvPicPr>
-        <p:blipFill>
-          <a:blip r:embed="rId3"/>
-          <a:stretch>
-            <a:fillRect/>
-          </a:stretch>
-        </p:blipFill>
-        <p:spPr>
-          <a:xfrm>
-            <a:off x="9112071" y="3182909"/>
-            <a:ext cx="647790" cy="419158"/>
-          </a:xfrm>
-          <a:prstGeom prst="rect">
-            <a:avLst/>
-          </a:prstGeom>
-        </p:spPr>
-      </p:pic>
-      <p:sp>
-        <p:nvSpPr>
-          <p:cNvPr id="6" name="직사각형 5"/>
+      <p:sp>
+        <p:nvSpPr>
+          <p:cNvPr id="5" name="직사각형 4"/>
           <p:cNvSpPr/>
           <p:nvPr/>
         </p:nvSpPr>
         <p:spPr>
           <a:xfrm>
-            <a:off x="4137449" y="5803974"/>
-            <a:ext cx="4053333" cy="817433"/>
+            <a:off x="4663046" y="5158950"/>
+            <a:ext cx="2865905" cy="736238"/>
           </a:xfrm>
           <a:prstGeom prst="rect">
             <a:avLst/>
@@ -16533,41 +16897,60 @@
           <a:p>
             <a:pPr algn="ctr"/>
             <a:r>
-              <a:rPr lang="en-US" altLang="ko-KR" dirty="0" smtClean="0">
-                <a:solidFill>
-                  <a:schemeClr val="tx1"/>
-                </a:solidFill>
-              </a:rPr>
-              <a:t>Self =&gt; js</a:t>
-            </a:r>
-            <a:r>
-              <a:rPr lang="ko-KR" altLang="en-US" dirty="0" smtClean="0">
-                <a:solidFill>
-                  <a:schemeClr val="tx1"/>
-                </a:solidFill>
-              </a:rPr>
-              <a:t>의 </a:t>
-            </a:r>
-            <a:r>
-              <a:rPr lang="en-US" altLang="ko-KR" dirty="0" smtClean="0">
-                <a:solidFill>
-                  <a:schemeClr val="tx1"/>
-                </a:solidFill>
-              </a:rPr>
-              <a:t>this.</a:t>
-            </a:r>
-            <a:endParaRPr lang="ko-KR" altLang="en-US" dirty="0">
-              <a:solidFill>
-                <a:schemeClr val="tx1"/>
-              </a:solidFill>
-            </a:endParaRPr>
+              <a:rPr lang="en-US" altLang="ko-KR" dirty="0">
+                <a:solidFill>
+                  <a:schemeClr val="tx1"/>
+                </a:solidFill>
+              </a:rPr>
+              <a:t>X1</a:t>
+            </a:r>
+            <a:r>
+              <a:rPr lang="ko-KR" altLang="en-US" dirty="0">
+                <a:solidFill>
+                  <a:schemeClr val="tx1"/>
+                </a:solidFill>
+              </a:rPr>
+              <a:t>의 항목에서 </a:t>
+            </a:r>
+            <a:r>
+              <a:rPr lang="en-US" altLang="ko-KR" dirty="0">
+                <a:solidFill>
+                  <a:schemeClr val="tx1"/>
+                </a:solidFill>
+              </a:rPr>
+              <a:t>5</a:t>
+            </a:r>
+            <a:r>
+              <a:rPr lang="ko-KR" altLang="en-US" dirty="0">
+                <a:solidFill>
+                  <a:schemeClr val="tx1"/>
+                </a:solidFill>
+              </a:rPr>
+              <a:t>보다 크고 </a:t>
+            </a:r>
+            <a:r>
+              <a:rPr lang="en-US" altLang="ko-KR" dirty="0">
+                <a:solidFill>
+                  <a:schemeClr val="tx1"/>
+                </a:solidFill>
+              </a:rPr>
+              <a:t>15</a:t>
+            </a:r>
+            <a:r>
+              <a:rPr lang="ko-KR" altLang="en-US" dirty="0">
+                <a:solidFill>
+                  <a:schemeClr val="tx1"/>
+                </a:solidFill>
+              </a:rPr>
+              <a:t>보다 작은 걸 뽑아줘</a:t>
+            </a:r>
           </a:p>
         </p:txBody>
       </p:sp>
     </p:spTree>
     <p:extLst>
       <p:ext uri="{BB962C8B-B14F-4D97-AF65-F5344CB8AC3E}">
-        <p14:creationId xmlns:p14="http://schemas.microsoft.com/office/powerpoint/2010/main" val="1770032209"/>
+        <p14:creationId xmlns:p14="http://schemas.microsoft.com/office/powerpoint/2010/main" val="3429660123"/>
       </p:ext>
     </p:extLst>
   </p:cSld>
@@ -16594,50 +16977,27 @@
           <a:chExt cx="0" cy="0"/>
         </a:xfrm>
       </p:grpSpPr>
-      <p:pic>
-        <p:nvPicPr>
-          <p:cNvPr id="5" name="그림 4"/>
-          <p:cNvPicPr>
-            <a:picLocks noChangeAspect="1"/>
-          </p:cNvPicPr>
-          <p:nvPr/>
-        </p:nvPicPr>
-        <p:blipFill>
-          <a:blip r:embed="rId2"/>
-          <a:stretch>
-            <a:fillRect/>
-          </a:stretch>
-        </p:blipFill>
-        <p:spPr>
-          <a:xfrm>
-            <a:off x="4137449" y="1215664"/>
-            <a:ext cx="3917102" cy="5079056"/>
-          </a:xfrm>
-          <a:prstGeom prst="rect">
-            <a:avLst/>
-          </a:prstGeom>
-        </p:spPr>
-      </p:pic>
-      <p:sp>
-        <p:nvSpPr>
-          <p:cNvPr id="6" name="직사각형 5"/>
+      <p:sp>
+        <p:nvSpPr>
+          <p:cNvPr id="4" name="직사각형 3"/>
           <p:cNvSpPr/>
           <p:nvPr/>
         </p:nvSpPr>
         <p:spPr>
           <a:xfrm>
-            <a:off x="4634903" y="3111499"/>
-            <a:ext cx="1733349" cy="363221"/>
-          </a:xfrm>
-          <a:prstGeom prst="rect">
-            <a:avLst/>
-          </a:prstGeom>
-          <a:noFill/>
-          <a:ln w="57150">
-            <a:solidFill>
-              <a:srgbClr val="FF0000"/>
-            </a:solidFill>
-            <a:prstDash val="sysDot"/>
+            <a:off x="4663046" y="3097394"/>
+            <a:ext cx="2865905" cy="736238"/>
+          </a:xfrm>
+          <a:prstGeom prst="rect">
+            <a:avLst/>
+          </a:prstGeom>
+          <a:solidFill>
+            <a:srgbClr val="00B0F0">
+              <a:alpha val="34000"/>
+            </a:srgbClr>
+          </a:solidFill>
+          <a:ln w="38100">
+            <a:noFill/>
           </a:ln>
         </p:spPr>
         <p:style>
@@ -16661,7 +17021,15 @@
           <a:lstStyle/>
           <a:p>
             <a:pPr algn="ctr"/>
-            <a:endParaRPr lang="en-US" altLang="ko-KR" dirty="0" smtClean="0">
+            <a:r>
+              <a:rPr lang="en-US" altLang="ko-KR" dirty="0">
+                <a:solidFill>
+                  <a:schemeClr val="tx1"/>
+                </a:solidFill>
+              </a:rPr>
+              <a:t>reduce</a:t>
+            </a:r>
+            <a:endParaRPr lang="ko-KR" altLang="en-US" dirty="0">
               <a:solidFill>
                 <a:schemeClr val="tx1"/>
               </a:solidFill>
@@ -16669,81 +17037,10 @@
           </a:p>
         </p:txBody>
       </p:sp>
-      <p:sp>
-        <p:nvSpPr>
-          <p:cNvPr id="7" name="직사각형 6"/>
-          <p:cNvSpPr/>
-          <p:nvPr/>
-        </p:nvSpPr>
-        <p:spPr>
-          <a:xfrm>
-            <a:off x="8138667" y="2983771"/>
-            <a:ext cx="4053333" cy="817433"/>
-          </a:xfrm>
-          <a:prstGeom prst="rect">
-            <a:avLst/>
-          </a:prstGeom>
-          <a:solidFill>
-            <a:srgbClr val="00B0F0">
-              <a:alpha val="34000"/>
-            </a:srgbClr>
-          </a:solidFill>
-          <a:ln w="38100">
-            <a:noFill/>
-          </a:ln>
-        </p:spPr>
-        <p:style>
-          <a:lnRef idx="2">
-            <a:schemeClr val="accent1">
-              <a:shade val="50000"/>
-            </a:schemeClr>
-          </a:lnRef>
-          <a:fillRef idx="1">
-            <a:schemeClr val="accent1"/>
-          </a:fillRef>
-          <a:effectRef idx="0">
-            <a:schemeClr val="accent1"/>
-          </a:effectRef>
-          <a:fontRef idx="minor">
-            <a:schemeClr val="lt1"/>
-          </a:fontRef>
-        </p:style>
-        <p:txBody>
-          <a:bodyPr rtlCol="0" anchor="ctr"/>
-          <a:lstStyle/>
-          <a:p>
-            <a:pPr algn="ctr"/>
-            <a:r>
-              <a:rPr lang="en-US" altLang="ko-KR" dirty="0" smtClean="0">
-                <a:solidFill>
-                  <a:schemeClr val="tx1"/>
-                </a:solidFill>
-              </a:rPr>
-              <a:t>__init__ =&gt; JS</a:t>
-            </a:r>
-            <a:r>
-              <a:rPr lang="ko-KR" altLang="en-US" dirty="0" smtClean="0">
-                <a:solidFill>
-                  <a:schemeClr val="tx1"/>
-                </a:solidFill>
-              </a:rPr>
-              <a:t>의 </a:t>
-            </a:r>
-            <a:r>
-              <a:rPr lang="en-US" altLang="ko-KR" dirty="0" smtClean="0">
-                <a:solidFill>
-                  <a:schemeClr val="tx1"/>
-                </a:solidFill>
-              </a:rPr>
-              <a:t>constructor</a:t>
-            </a:r>
-          </a:p>
-        </p:txBody>
-      </p:sp>
     </p:spTree>
     <p:extLst>
       <p:ext uri="{BB962C8B-B14F-4D97-AF65-F5344CB8AC3E}">
-        <p14:creationId xmlns:p14="http://schemas.microsoft.com/office/powerpoint/2010/main" val="1567453012"/>
+        <p14:creationId xmlns:p14="http://schemas.microsoft.com/office/powerpoint/2010/main" val="734364161"/>
       </p:ext>
     </p:extLst>
   </p:cSld>
@@ -16772,7 +17069,7 @@
       </p:grpSpPr>
       <p:pic>
         <p:nvPicPr>
-          <p:cNvPr id="5" name="그림 4"/>
+          <p:cNvPr id="4" name="그림 3"/>
           <p:cNvPicPr>
             <a:picLocks noChangeAspect="1"/>
           </p:cNvPicPr>
@@ -16786,8 +17083,8 @@
         </p:blipFill>
         <p:spPr>
           <a:xfrm>
-            <a:off x="4137449" y="1159210"/>
-            <a:ext cx="3897484" cy="5135509"/>
+            <a:off x="4290760" y="1709497"/>
+            <a:ext cx="3610479" cy="3439005"/>
           </a:xfrm>
           <a:prstGeom prst="rect">
             <a:avLst/>
@@ -16796,24 +17093,31 @@
       </p:pic>
       <p:sp>
         <p:nvSpPr>
-          <p:cNvPr id="6" name="직사각형 5"/>
+          <p:cNvPr id="2" name="직사각형 1">
+            <a:extLst>
+              <a:ext uri="{FF2B5EF4-FFF2-40B4-BE49-F238E27FC236}">
+                <a16:creationId xmlns:a16="http://schemas.microsoft.com/office/drawing/2014/main" id="{D7172907-B66E-FB8F-4AE6-C899E72D7836}"/>
+              </a:ext>
+            </a:extLst>
+          </p:cNvPr>
           <p:cNvSpPr/>
           <p:nvPr/>
         </p:nvSpPr>
         <p:spPr>
           <a:xfrm>
-            <a:off x="4726343" y="3210877"/>
-            <a:ext cx="1733349" cy="363221"/>
-          </a:xfrm>
-          <a:prstGeom prst="rect">
-            <a:avLst/>
-          </a:prstGeom>
-          <a:noFill/>
-          <a:ln w="57150">
-            <a:solidFill>
-              <a:srgbClr val="FF0000"/>
-            </a:solidFill>
-            <a:prstDash val="sysDot"/>
+            <a:off x="4663046" y="5158950"/>
+            <a:ext cx="2865905" cy="736238"/>
+          </a:xfrm>
+          <a:prstGeom prst="rect">
+            <a:avLst/>
+          </a:prstGeom>
+          <a:solidFill>
+            <a:srgbClr val="00B0F0">
+              <a:alpha val="34000"/>
+            </a:srgbClr>
+          </a:solidFill>
+          <a:ln w="38100">
+            <a:noFill/>
           </a:ln>
         </p:spPr>
         <p:style>
@@ -16837,124 +17141,53 @@
           <a:lstStyle/>
           <a:p>
             <a:pPr algn="ctr"/>
-            <a:endParaRPr lang="en-US" altLang="ko-KR" dirty="0" smtClean="0">
+            <a:r>
+              <a:rPr lang="ko-KR" altLang="en-US" dirty="0">
+                <a:solidFill>
+                  <a:schemeClr val="tx1"/>
+                </a:solidFill>
+              </a:rPr>
+              <a:t>증감을 통한 누적연산</a:t>
+            </a:r>
+            <a:endParaRPr lang="en-US" altLang="ko-KR" dirty="0">
               <a:solidFill>
                 <a:schemeClr val="tx1"/>
               </a:solidFill>
             </a:endParaRPr>
           </a:p>
-        </p:txBody>
-      </p:sp>
-      <p:sp>
-        <p:nvSpPr>
-          <p:cNvPr id="7" name="직사각형 6"/>
-          <p:cNvSpPr/>
-          <p:nvPr/>
-        </p:nvSpPr>
-        <p:spPr>
-          <a:xfrm>
-            <a:off x="8138667" y="2983771"/>
-            <a:ext cx="4053333" cy="817433"/>
-          </a:xfrm>
-          <a:prstGeom prst="rect">
-            <a:avLst/>
-          </a:prstGeom>
-          <a:solidFill>
-            <a:srgbClr val="00B0F0">
-              <a:alpha val="34000"/>
-            </a:srgbClr>
-          </a:solidFill>
-          <a:ln w="38100">
-            <a:noFill/>
-          </a:ln>
-        </p:spPr>
-        <p:style>
-          <a:lnRef idx="2">
-            <a:schemeClr val="accent1">
-              <a:shade val="50000"/>
-            </a:schemeClr>
-          </a:lnRef>
-          <a:fillRef idx="1">
-            <a:schemeClr val="accent1"/>
-          </a:fillRef>
-          <a:effectRef idx="0">
-            <a:schemeClr val="accent1"/>
-          </a:effectRef>
-          <a:fontRef idx="minor">
-            <a:schemeClr val="lt1"/>
-          </a:fontRef>
-        </p:style>
-        <p:txBody>
-          <a:bodyPr rtlCol="0" anchor="ctr"/>
-          <a:lstStyle/>
-          <a:p>
-            <a:pPr algn="ctr"/>
-            <a:r>
-              <a:rPr lang="en-US" altLang="ko-KR" dirty="0" smtClean="0">
-                <a:solidFill>
-                  <a:schemeClr val="tx1"/>
-                </a:solidFill>
-              </a:rPr>
-              <a:t>__init__ =&gt; JS</a:t>
-            </a:r>
-            <a:r>
-              <a:rPr lang="ko-KR" altLang="en-US" dirty="0" smtClean="0">
-                <a:solidFill>
-                  <a:schemeClr val="tx1"/>
-                </a:solidFill>
-              </a:rPr>
-              <a:t>의 </a:t>
-            </a:r>
-            <a:r>
-              <a:rPr lang="en-US" altLang="ko-KR" dirty="0" smtClean="0">
-                <a:solidFill>
-                  <a:schemeClr val="tx1"/>
-                </a:solidFill>
-              </a:rPr>
-              <a:t>constructor</a:t>
-            </a:r>
-          </a:p>
-          <a:p>
-            <a:pPr algn="ctr"/>
-            <a:r>
-              <a:rPr lang="ko-KR" altLang="en-US" dirty="0" smtClean="0">
-                <a:solidFill>
-                  <a:schemeClr val="tx1"/>
-                </a:solidFill>
-              </a:rPr>
-              <a:t>밑에 </a:t>
-            </a:r>
-            <a:r>
-              <a:rPr lang="en-US" altLang="ko-KR" dirty="0" smtClean="0">
-                <a:solidFill>
-                  <a:schemeClr val="tx1"/>
-                </a:solidFill>
-              </a:rPr>
-              <a:t>super()</a:t>
-            </a:r>
-            <a:r>
-              <a:rPr lang="ko-KR" altLang="en-US" dirty="0" smtClean="0">
-                <a:solidFill>
-                  <a:schemeClr val="tx1"/>
-                </a:solidFill>
-              </a:rPr>
-              <a:t>가 생략된 것</a:t>
-            </a:r>
-            <a:r>
-              <a:rPr lang="en-US" altLang="ko-KR" dirty="0" smtClean="0">
+          <a:p>
+            <a:pPr algn="ctr"/>
+            <a:r>
+              <a:rPr lang="ko-KR" altLang="en-US" dirty="0">
+                <a:solidFill>
+                  <a:schemeClr val="tx1"/>
+                </a:solidFill>
+              </a:rPr>
+              <a:t>전체 합 </a:t>
+            </a:r>
+            <a:r>
+              <a:rPr lang="ko-KR" altLang="en-US" dirty="0" err="1">
+                <a:solidFill>
+                  <a:schemeClr val="tx1"/>
+                </a:solidFill>
+              </a:rPr>
+              <a:t>같은걸</a:t>
+            </a:r>
+            <a:r>
+              <a:rPr lang="ko-KR" altLang="en-US" dirty="0">
+                <a:solidFill>
+                  <a:schemeClr val="tx1"/>
+                </a:solidFill>
+              </a:rPr>
+              <a:t> 계산할 때 쓰인다</a:t>
+            </a:r>
+            <a:r>
+              <a:rPr lang="en-US" altLang="ko-KR" dirty="0">
                 <a:solidFill>
                   <a:schemeClr val="tx1"/>
                 </a:solidFill>
               </a:rPr>
               <a:t>.</a:t>
-            </a:r>
-            <a:r>
-              <a:rPr lang="ko-KR" altLang="en-US" dirty="0" smtClean="0">
-                <a:solidFill>
-                  <a:schemeClr val="tx1"/>
-                </a:solidFill>
-              </a:rPr>
-              <a:t> </a:t>
             </a:r>
             <a:endParaRPr lang="ko-KR" altLang="en-US" dirty="0">
               <a:solidFill>
@@ -16967,7 +17200,7 @@
     </p:spTree>
     <p:extLst>
       <p:ext uri="{BB962C8B-B14F-4D97-AF65-F5344CB8AC3E}">
-        <p14:creationId xmlns:p14="http://schemas.microsoft.com/office/powerpoint/2010/main" val="3965045616"/>
+        <p14:creationId xmlns:p14="http://schemas.microsoft.com/office/powerpoint/2010/main" val="3951264837"/>
       </p:ext>
     </p:extLst>
   </p:cSld>
@@ -16994,9 +17227,99 @@
           <a:chExt cx="0" cy="0"/>
         </a:xfrm>
       </p:grpSpPr>
+      <p:sp>
+        <p:nvSpPr>
+          <p:cNvPr id="4" name="직사각형 3"/>
+          <p:cNvSpPr/>
+          <p:nvPr/>
+        </p:nvSpPr>
+        <p:spPr>
+          <a:xfrm>
+            <a:off x="4663046" y="3097394"/>
+            <a:ext cx="2865905" cy="736238"/>
+          </a:xfrm>
+          <a:prstGeom prst="rect">
+            <a:avLst/>
+          </a:prstGeom>
+          <a:solidFill>
+            <a:srgbClr val="00B0F0">
+              <a:alpha val="34000"/>
+            </a:srgbClr>
+          </a:solidFill>
+          <a:ln w="38100">
+            <a:noFill/>
+          </a:ln>
+        </p:spPr>
+        <p:style>
+          <a:lnRef idx="2">
+            <a:schemeClr val="accent1">
+              <a:shade val="50000"/>
+            </a:schemeClr>
+          </a:lnRef>
+          <a:fillRef idx="1">
+            <a:schemeClr val="accent1"/>
+          </a:fillRef>
+          <a:effectRef idx="0">
+            <a:schemeClr val="accent1"/>
+          </a:effectRef>
+          <a:fontRef idx="minor">
+            <a:schemeClr val="lt1"/>
+          </a:fontRef>
+        </p:style>
+        <p:txBody>
+          <a:bodyPr rtlCol="0" anchor="ctr"/>
+          <a:lstStyle/>
+          <a:p>
+            <a:pPr algn="ctr"/>
+            <a:r>
+              <a:rPr lang="en-US" altLang="ko-KR" dirty="0">
+                <a:solidFill>
+                  <a:schemeClr val="tx1"/>
+                </a:solidFill>
+              </a:rPr>
+              <a:t>closure</a:t>
+            </a:r>
+            <a:endParaRPr lang="ko-KR" altLang="en-US" dirty="0">
+              <a:solidFill>
+                <a:schemeClr val="tx1"/>
+              </a:solidFill>
+            </a:endParaRPr>
+          </a:p>
+        </p:txBody>
+      </p:sp>
+    </p:spTree>
+    <p:extLst>
+      <p:ext uri="{BB962C8B-B14F-4D97-AF65-F5344CB8AC3E}">
+        <p14:creationId xmlns:p14="http://schemas.microsoft.com/office/powerpoint/2010/main" val="2726684610"/>
+      </p:ext>
+    </p:extLst>
+  </p:cSld>
+  <p:clrMapOvr>
+    <a:masterClrMapping/>
+  </p:clrMapOvr>
+</p:sld>
+</file>
+
+<file path=ppt/slides/slide47.xml><?xml version="1.0" encoding="utf-8"?>
+<p:sld xmlns:a="http://schemas.openxmlformats.org/drawingml/2006/main" xmlns:r="http://schemas.openxmlformats.org/officeDocument/2006/relationships" xmlns:p="http://schemas.openxmlformats.org/presentationml/2006/main">
+  <p:cSld>
+    <p:spTree>
+      <p:nvGrpSpPr>
+        <p:cNvPr id="1" name=""/>
+        <p:cNvGrpSpPr/>
+        <p:nvPr/>
+      </p:nvGrpSpPr>
+      <p:grpSpPr>
+        <a:xfrm>
+          <a:off x="0" y="0"/>
+          <a:ext cx="0" cy="0"/>
+          <a:chOff x="0" y="0"/>
+          <a:chExt cx="0" cy="0"/>
+        </a:xfrm>
+      </p:grpSpPr>
       <p:pic>
         <p:nvPicPr>
-          <p:cNvPr id="6" name="그림 5"/>
+          <p:cNvPr id="4" name="그림 3"/>
           <p:cNvPicPr>
             <a:picLocks noChangeAspect="1"/>
           </p:cNvPicPr>
@@ -17010,8 +17333,392 @@
         </p:blipFill>
         <p:spPr>
           <a:xfrm>
-            <a:off x="7080771" y="1808017"/>
-            <a:ext cx="4115374" cy="1143160"/>
+            <a:off x="4108630" y="1623141"/>
+            <a:ext cx="3974740" cy="3538694"/>
+          </a:xfrm>
+          <a:prstGeom prst="rect">
+            <a:avLst/>
+          </a:prstGeom>
+        </p:spPr>
+      </p:pic>
+      <p:sp>
+        <p:nvSpPr>
+          <p:cNvPr id="5" name="직사각형 4"/>
+          <p:cNvSpPr/>
+          <p:nvPr/>
+        </p:nvSpPr>
+        <p:spPr>
+          <a:xfrm>
+            <a:off x="4108630" y="1623141"/>
+            <a:ext cx="3974740" cy="3538693"/>
+          </a:xfrm>
+          <a:prstGeom prst="rect">
+            <a:avLst/>
+          </a:prstGeom>
+          <a:solidFill>
+            <a:srgbClr val="00B0F0">
+              <a:alpha val="34000"/>
+            </a:srgbClr>
+          </a:solidFill>
+          <a:ln w="38100">
+            <a:noFill/>
+          </a:ln>
+        </p:spPr>
+        <p:style>
+          <a:lnRef idx="2">
+            <a:schemeClr val="accent1">
+              <a:shade val="50000"/>
+            </a:schemeClr>
+          </a:lnRef>
+          <a:fillRef idx="1">
+            <a:schemeClr val="accent1"/>
+          </a:fillRef>
+          <a:effectRef idx="0">
+            <a:schemeClr val="accent1"/>
+          </a:effectRef>
+          <a:fontRef idx="minor">
+            <a:schemeClr val="lt1"/>
+          </a:fontRef>
+        </p:style>
+        <p:txBody>
+          <a:bodyPr rtlCol="0" anchor="ctr"/>
+          <a:lstStyle/>
+          <a:p>
+            <a:pPr algn="ctr"/>
+            <a:endParaRPr lang="ko-KR" altLang="en-US" dirty="0">
+              <a:solidFill>
+                <a:schemeClr val="tx1"/>
+              </a:solidFill>
+            </a:endParaRPr>
+          </a:p>
+        </p:txBody>
+      </p:sp>
+      <p:sp>
+        <p:nvSpPr>
+          <p:cNvPr id="6" name="직사각형 5"/>
+          <p:cNvSpPr/>
+          <p:nvPr/>
+        </p:nvSpPr>
+        <p:spPr>
+          <a:xfrm>
+            <a:off x="4703792" y="2670691"/>
+            <a:ext cx="2688410" cy="986910"/>
+          </a:xfrm>
+          <a:prstGeom prst="rect">
+            <a:avLst/>
+          </a:prstGeom>
+          <a:solidFill>
+            <a:srgbClr val="00B0F0">
+              <a:alpha val="34000"/>
+            </a:srgbClr>
+          </a:solidFill>
+          <a:ln w="38100">
+            <a:noFill/>
+          </a:ln>
+        </p:spPr>
+        <p:style>
+          <a:lnRef idx="2">
+            <a:schemeClr val="accent1">
+              <a:shade val="50000"/>
+            </a:schemeClr>
+          </a:lnRef>
+          <a:fillRef idx="1">
+            <a:schemeClr val="accent1"/>
+          </a:fillRef>
+          <a:effectRef idx="0">
+            <a:schemeClr val="accent1"/>
+          </a:effectRef>
+          <a:fontRef idx="minor">
+            <a:schemeClr val="lt1"/>
+          </a:fontRef>
+        </p:style>
+        <p:txBody>
+          <a:bodyPr rtlCol="0" anchor="ctr"/>
+          <a:lstStyle/>
+          <a:p>
+            <a:pPr algn="ctr"/>
+            <a:endParaRPr lang="ko-KR" altLang="en-US" dirty="0">
+              <a:solidFill>
+                <a:schemeClr val="tx1"/>
+              </a:solidFill>
+            </a:endParaRPr>
+          </a:p>
+        </p:txBody>
+      </p:sp>
+      <p:sp>
+        <p:nvSpPr>
+          <p:cNvPr id="7" name="직사각형 6"/>
+          <p:cNvSpPr/>
+          <p:nvPr/>
+        </p:nvSpPr>
+        <p:spPr>
+          <a:xfrm>
+            <a:off x="3512124" y="5584220"/>
+            <a:ext cx="5167752" cy="817433"/>
+          </a:xfrm>
+          <a:prstGeom prst="rect">
+            <a:avLst/>
+          </a:prstGeom>
+          <a:solidFill>
+            <a:srgbClr val="00B0F0">
+              <a:alpha val="34000"/>
+            </a:srgbClr>
+          </a:solidFill>
+          <a:ln w="38100">
+            <a:noFill/>
+          </a:ln>
+        </p:spPr>
+        <p:style>
+          <a:lnRef idx="2">
+            <a:schemeClr val="accent1">
+              <a:shade val="50000"/>
+            </a:schemeClr>
+          </a:lnRef>
+          <a:fillRef idx="1">
+            <a:schemeClr val="accent1"/>
+          </a:fillRef>
+          <a:effectRef idx="0">
+            <a:schemeClr val="accent1"/>
+          </a:effectRef>
+          <a:fontRef idx="minor">
+            <a:schemeClr val="lt1"/>
+          </a:fontRef>
+        </p:style>
+        <p:txBody>
+          <a:bodyPr rtlCol="0" anchor="ctr"/>
+          <a:lstStyle/>
+          <a:p>
+            <a:pPr algn="ctr"/>
+            <a:r>
+              <a:rPr lang="ko-KR" altLang="en-US" dirty="0">
+                <a:solidFill>
+                  <a:schemeClr val="tx1"/>
+                </a:solidFill>
+              </a:rPr>
+              <a:t>함수 안에 함수 선언하기</a:t>
+            </a:r>
+            <a:r>
+              <a:rPr lang="en-US" altLang="ko-KR" dirty="0">
+                <a:solidFill>
+                  <a:schemeClr val="tx1"/>
+                </a:solidFill>
+              </a:rPr>
+              <a:t>.</a:t>
+            </a:r>
+            <a:endParaRPr lang="ko-KR" altLang="en-US" dirty="0">
+              <a:solidFill>
+                <a:schemeClr val="tx1"/>
+              </a:solidFill>
+            </a:endParaRPr>
+          </a:p>
+        </p:txBody>
+      </p:sp>
+    </p:spTree>
+    <p:extLst>
+      <p:ext uri="{BB962C8B-B14F-4D97-AF65-F5344CB8AC3E}">
+        <p14:creationId xmlns:p14="http://schemas.microsoft.com/office/powerpoint/2010/main" val="2134694316"/>
+      </p:ext>
+    </p:extLst>
+  </p:cSld>
+  <p:clrMapOvr>
+    <a:masterClrMapping/>
+  </p:clrMapOvr>
+</p:sld>
+</file>
+
+<file path=ppt/slides/slide48.xml><?xml version="1.0" encoding="utf-8"?>
+<p:sld xmlns:a="http://schemas.openxmlformats.org/drawingml/2006/main" xmlns:r="http://schemas.openxmlformats.org/officeDocument/2006/relationships" xmlns:p="http://schemas.openxmlformats.org/presentationml/2006/main">
+  <p:cSld>
+    <p:spTree>
+      <p:nvGrpSpPr>
+        <p:cNvPr id="1" name=""/>
+        <p:cNvGrpSpPr/>
+        <p:nvPr/>
+      </p:nvGrpSpPr>
+      <p:grpSpPr>
+        <a:xfrm>
+          <a:off x="0" y="0"/>
+          <a:ext cx="0" cy="0"/>
+          <a:chOff x="0" y="0"/>
+          <a:chExt cx="0" cy="0"/>
+        </a:xfrm>
+      </p:grpSpPr>
+      <p:pic>
+        <p:nvPicPr>
+          <p:cNvPr id="5" name="그림 4"/>
+          <p:cNvPicPr>
+            <a:picLocks noChangeAspect="1"/>
+          </p:cNvPicPr>
+          <p:nvPr/>
+        </p:nvPicPr>
+        <p:blipFill>
+          <a:blip r:embed="rId2"/>
+          <a:stretch>
+            <a:fillRect/>
+          </a:stretch>
+        </p:blipFill>
+        <p:spPr>
+          <a:xfrm>
+            <a:off x="4108630" y="1589452"/>
+            <a:ext cx="3880338" cy="3566142"/>
+          </a:xfrm>
+          <a:prstGeom prst="rect">
+            <a:avLst/>
+          </a:prstGeom>
+        </p:spPr>
+      </p:pic>
+      <p:sp>
+        <p:nvSpPr>
+          <p:cNvPr id="6" name="직사각형 5"/>
+          <p:cNvSpPr/>
+          <p:nvPr/>
+        </p:nvSpPr>
+        <p:spPr>
+          <a:xfrm>
+            <a:off x="4108630" y="1589452"/>
+            <a:ext cx="3880338" cy="3566142"/>
+          </a:xfrm>
+          <a:prstGeom prst="rect">
+            <a:avLst/>
+          </a:prstGeom>
+          <a:solidFill>
+            <a:srgbClr val="00B0F0">
+              <a:alpha val="34000"/>
+            </a:srgbClr>
+          </a:solidFill>
+          <a:ln w="38100">
+            <a:noFill/>
+          </a:ln>
+        </p:spPr>
+        <p:style>
+          <a:lnRef idx="2">
+            <a:schemeClr val="accent1">
+              <a:shade val="50000"/>
+            </a:schemeClr>
+          </a:lnRef>
+          <a:fillRef idx="1">
+            <a:schemeClr val="accent1"/>
+          </a:fillRef>
+          <a:effectRef idx="0">
+            <a:schemeClr val="accent1"/>
+          </a:effectRef>
+          <a:fontRef idx="minor">
+            <a:schemeClr val="lt1"/>
+          </a:fontRef>
+        </p:style>
+        <p:txBody>
+          <a:bodyPr rtlCol="0" anchor="ctr"/>
+          <a:lstStyle/>
+          <a:p>
+            <a:pPr algn="ctr"/>
+            <a:endParaRPr lang="ko-KR" altLang="en-US" dirty="0">
+              <a:solidFill>
+                <a:schemeClr val="tx1"/>
+              </a:solidFill>
+            </a:endParaRPr>
+          </a:p>
+        </p:txBody>
+      </p:sp>
+      <p:sp>
+        <p:nvSpPr>
+          <p:cNvPr id="7" name="직사각형 6"/>
+          <p:cNvSpPr/>
+          <p:nvPr/>
+        </p:nvSpPr>
+        <p:spPr>
+          <a:xfrm>
+            <a:off x="4617164" y="2569624"/>
+            <a:ext cx="3371804" cy="1145728"/>
+          </a:xfrm>
+          <a:prstGeom prst="rect">
+            <a:avLst/>
+          </a:prstGeom>
+          <a:solidFill>
+            <a:srgbClr val="00B0F0">
+              <a:alpha val="34000"/>
+            </a:srgbClr>
+          </a:solidFill>
+          <a:ln w="38100">
+            <a:noFill/>
+          </a:ln>
+        </p:spPr>
+        <p:style>
+          <a:lnRef idx="2">
+            <a:schemeClr val="accent1">
+              <a:shade val="50000"/>
+            </a:schemeClr>
+          </a:lnRef>
+          <a:fillRef idx="1">
+            <a:schemeClr val="accent1"/>
+          </a:fillRef>
+          <a:effectRef idx="0">
+            <a:schemeClr val="accent1"/>
+          </a:effectRef>
+          <a:fontRef idx="minor">
+            <a:schemeClr val="lt1"/>
+          </a:fontRef>
+        </p:style>
+        <p:txBody>
+          <a:bodyPr rtlCol="0" anchor="ctr"/>
+          <a:lstStyle/>
+          <a:p>
+            <a:pPr algn="ctr"/>
+            <a:endParaRPr lang="ko-KR" altLang="en-US" dirty="0">
+              <a:solidFill>
+                <a:schemeClr val="tx1"/>
+              </a:solidFill>
+            </a:endParaRPr>
+          </a:p>
+        </p:txBody>
+      </p:sp>
+    </p:spTree>
+    <p:extLst>
+      <p:ext uri="{BB962C8B-B14F-4D97-AF65-F5344CB8AC3E}">
+        <p14:creationId xmlns:p14="http://schemas.microsoft.com/office/powerpoint/2010/main" val="337514113"/>
+      </p:ext>
+    </p:extLst>
+  </p:cSld>
+  <p:clrMapOvr>
+    <a:masterClrMapping/>
+  </p:clrMapOvr>
+</p:sld>
+</file>
+
+<file path=ppt/slides/slide49.xml><?xml version="1.0" encoding="utf-8"?>
+<p:sld xmlns:a="http://schemas.openxmlformats.org/drawingml/2006/main" xmlns:r="http://schemas.openxmlformats.org/officeDocument/2006/relationships" xmlns:p="http://schemas.openxmlformats.org/presentationml/2006/main">
+  <p:cSld>
+    <p:spTree>
+      <p:nvGrpSpPr>
+        <p:cNvPr id="1" name=""/>
+        <p:cNvGrpSpPr/>
+        <p:nvPr/>
+      </p:nvGrpSpPr>
+      <p:grpSpPr>
+        <a:xfrm>
+          <a:off x="0" y="0"/>
+          <a:ext cx="0" cy="0"/>
+          <a:chOff x="0" y="0"/>
+          <a:chExt cx="0" cy="0"/>
+        </a:xfrm>
+      </p:grpSpPr>
+      <p:pic>
+        <p:nvPicPr>
+          <p:cNvPr id="4" name="그림 3"/>
+          <p:cNvPicPr>
+            <a:picLocks noChangeAspect="1"/>
+          </p:cNvPicPr>
+          <p:nvPr/>
+        </p:nvPicPr>
+        <p:blipFill>
+          <a:blip r:embed="rId2"/>
+          <a:stretch>
+            <a:fillRect/>
+          </a:stretch>
+        </p:blipFill>
+        <p:spPr>
+          <a:xfrm>
+            <a:off x="4652969" y="602740"/>
+            <a:ext cx="2886061" cy="3581910"/>
           </a:xfrm>
           <a:prstGeom prst="rect">
             <a:avLst/>
@@ -17020,7 +17727,7 @@
       </p:pic>
       <p:pic>
         <p:nvPicPr>
-          <p:cNvPr id="7" name="그림 6"/>
+          <p:cNvPr id="5" name="그림 4"/>
           <p:cNvPicPr>
             <a:picLocks noChangeAspect="1"/>
           </p:cNvPicPr>
@@ -17034,8 +17741,8 @@
         </p:blipFill>
         <p:spPr>
           <a:xfrm>
-            <a:off x="7080771" y="4494932"/>
-            <a:ext cx="4410691" cy="638264"/>
+            <a:off x="4652969" y="4184650"/>
+            <a:ext cx="2886061" cy="2193406"/>
           </a:xfrm>
           <a:prstGeom prst="rect">
             <a:avLst/>
@@ -17044,13 +17751,13 @@
       </p:pic>
       <p:sp>
         <p:nvSpPr>
-          <p:cNvPr id="8" name="직사각형 7"/>
+          <p:cNvPr id="6" name="직사각형 5"/>
           <p:cNvSpPr/>
           <p:nvPr/>
         </p:nvSpPr>
         <p:spPr>
           <a:xfrm>
-            <a:off x="7080771" y="688674"/>
+            <a:off x="7795366" y="2983771"/>
             <a:ext cx="4053333" cy="817433"/>
           </a:xfrm>
           <a:prstGeom prst="rect">
@@ -17087,23 +17794,50 @@
           <a:p>
             <a:pPr algn="ctr"/>
             <a:r>
-              <a:rPr lang="en-US" altLang="ko-KR" dirty="0" smtClean="0">
-                <a:solidFill>
-                  <a:schemeClr val="tx1"/>
-                </a:solidFill>
-              </a:rPr>
-              <a:t>_third</a:t>
-            </a:r>
-            <a:r>
-              <a:rPr lang="ko-KR" altLang="en-US" dirty="0" smtClean="0">
-                <a:solidFill>
-                  <a:schemeClr val="tx1"/>
-                </a:solidFill>
-              </a:rPr>
-              <a:t>는 직접적인 접근은 가능하지만 권장하지 않기에 경고를 띄움</a:t>
-            </a:r>
-            <a:r>
-              <a:rPr lang="en-US" altLang="ko-KR" dirty="0" smtClean="0">
+              <a:rPr lang="en-US" altLang="ko-KR" dirty="0">
+                <a:solidFill>
+                  <a:schemeClr val="tx1"/>
+                </a:solidFill>
+              </a:rPr>
+              <a:t>Mutable</a:t>
+            </a:r>
+            <a:r>
+              <a:rPr lang="ko-KR" altLang="en-US" dirty="0">
+                <a:solidFill>
+                  <a:schemeClr val="tx1"/>
+                </a:solidFill>
+              </a:rPr>
+              <a:t>은 덮어씌워지고</a:t>
+            </a:r>
+            <a:r>
+              <a:rPr lang="en-US" altLang="ko-KR" dirty="0">
+                <a:solidFill>
+                  <a:schemeClr val="tx1"/>
+                </a:solidFill>
+              </a:rPr>
+              <a:t>,</a:t>
+            </a:r>
+          </a:p>
+          <a:p>
+            <a:pPr algn="ctr"/>
+            <a:r>
+              <a:rPr lang="en-US" altLang="ko-KR" dirty="0">
+                <a:solidFill>
+                  <a:schemeClr val="tx1"/>
+                </a:solidFill>
+              </a:rPr>
+              <a:t>Immutable</a:t>
+            </a:r>
+            <a:r>
+              <a:rPr lang="ko-KR" altLang="en-US" dirty="0">
+                <a:solidFill>
+                  <a:schemeClr val="tx1"/>
+                </a:solidFill>
+              </a:rPr>
+              <a:t>은 기존에 저장된 값을 가져온다</a:t>
+            </a:r>
+            <a:r>
+              <a:rPr lang="en-US" altLang="ko-KR" dirty="0">
                 <a:solidFill>
                   <a:schemeClr val="tx1"/>
                 </a:solidFill>
@@ -17118,226 +17852,10 @@
           </a:p>
         </p:txBody>
       </p:sp>
-      <p:sp>
-        <p:nvSpPr>
-          <p:cNvPr id="9" name="직사각형 8"/>
-          <p:cNvSpPr/>
-          <p:nvPr/>
-        </p:nvSpPr>
-        <p:spPr>
-          <a:xfrm>
-            <a:off x="7080771" y="3367217"/>
-            <a:ext cx="4053333" cy="817433"/>
-          </a:xfrm>
-          <a:prstGeom prst="rect">
-            <a:avLst/>
-          </a:prstGeom>
-          <a:solidFill>
-            <a:srgbClr val="00B0F0">
-              <a:alpha val="34000"/>
-            </a:srgbClr>
-          </a:solidFill>
-          <a:ln w="38100">
-            <a:noFill/>
-          </a:ln>
-        </p:spPr>
-        <p:style>
-          <a:lnRef idx="2">
-            <a:schemeClr val="accent1">
-              <a:shade val="50000"/>
-            </a:schemeClr>
-          </a:lnRef>
-          <a:fillRef idx="1">
-            <a:schemeClr val="accent1"/>
-          </a:fillRef>
-          <a:effectRef idx="0">
-            <a:schemeClr val="accent1"/>
-          </a:effectRef>
-          <a:fontRef idx="minor">
-            <a:schemeClr val="lt1"/>
-          </a:fontRef>
-        </p:style>
-        <p:txBody>
-          <a:bodyPr rtlCol="0" anchor="ctr"/>
-          <a:lstStyle/>
-          <a:p>
-            <a:pPr algn="ctr"/>
-            <a:r>
-              <a:rPr lang="en-US" altLang="ko-KR" dirty="0" smtClean="0">
-                <a:solidFill>
-                  <a:schemeClr val="tx1"/>
-                </a:solidFill>
-              </a:rPr>
-              <a:t>__forth</a:t>
-            </a:r>
-            <a:r>
-              <a:rPr lang="ko-KR" altLang="en-US" dirty="0" smtClean="0">
-                <a:solidFill>
-                  <a:schemeClr val="tx1"/>
-                </a:solidFill>
-              </a:rPr>
-              <a:t>는 </a:t>
-            </a:r>
-            <a:r>
-              <a:rPr lang="ko-KR" altLang="en-US" dirty="0" smtClean="0">
-                <a:solidFill>
-                  <a:schemeClr val="tx1"/>
-                </a:solidFill>
-              </a:rPr>
-              <a:t>아예 접근 자체를 막음</a:t>
-            </a:r>
-            <a:endParaRPr lang="ko-KR" altLang="en-US" dirty="0">
-              <a:solidFill>
-                <a:schemeClr val="tx1"/>
-              </a:solidFill>
-            </a:endParaRPr>
-          </a:p>
-        </p:txBody>
-      </p:sp>
-      <p:pic>
-        <p:nvPicPr>
-          <p:cNvPr id="10" name="그림 9"/>
-          <p:cNvPicPr>
-            <a:picLocks noChangeAspect="1"/>
-          </p:cNvPicPr>
-          <p:nvPr/>
-        </p:nvPicPr>
-        <p:blipFill>
-          <a:blip r:embed="rId4"/>
-          <a:stretch>
-            <a:fillRect/>
-          </a:stretch>
-        </p:blipFill>
-        <p:spPr>
-          <a:xfrm>
-            <a:off x="631519" y="538003"/>
-            <a:ext cx="4810796" cy="3200847"/>
-          </a:xfrm>
-          <a:prstGeom prst="rect">
-            <a:avLst/>
-          </a:prstGeom>
-        </p:spPr>
-      </p:pic>
-      <p:pic>
-        <p:nvPicPr>
-          <p:cNvPr id="11" name="그림 10"/>
-          <p:cNvPicPr>
-            <a:picLocks noChangeAspect="1"/>
-          </p:cNvPicPr>
-          <p:nvPr/>
-        </p:nvPicPr>
-        <p:blipFill>
-          <a:blip r:embed="rId5"/>
-          <a:stretch>
-            <a:fillRect/>
-          </a:stretch>
-        </p:blipFill>
-        <p:spPr>
-          <a:xfrm>
-            <a:off x="1245400" y="3738850"/>
-            <a:ext cx="3583034" cy="2846451"/>
-          </a:xfrm>
-          <a:prstGeom prst="rect">
-            <a:avLst/>
-          </a:prstGeom>
-        </p:spPr>
-      </p:pic>
-      <p:sp>
-        <p:nvSpPr>
-          <p:cNvPr id="12" name="직사각형 11"/>
-          <p:cNvSpPr/>
-          <p:nvPr/>
-        </p:nvSpPr>
-        <p:spPr>
-          <a:xfrm>
-            <a:off x="7080771" y="5443478"/>
-            <a:ext cx="4053333" cy="817433"/>
-          </a:xfrm>
-          <a:prstGeom prst="rect">
-            <a:avLst/>
-          </a:prstGeom>
-          <a:solidFill>
-            <a:srgbClr val="00B0F0">
-              <a:alpha val="34000"/>
-            </a:srgbClr>
-          </a:solidFill>
-          <a:ln w="38100">
-            <a:noFill/>
-          </a:ln>
-        </p:spPr>
-        <p:style>
-          <a:lnRef idx="2">
-            <a:schemeClr val="accent1">
-              <a:shade val="50000"/>
-            </a:schemeClr>
-          </a:lnRef>
-          <a:fillRef idx="1">
-            <a:schemeClr val="accent1"/>
-          </a:fillRef>
-          <a:effectRef idx="0">
-            <a:schemeClr val="accent1"/>
-          </a:effectRef>
-          <a:fontRef idx="minor">
-            <a:schemeClr val="lt1"/>
-          </a:fontRef>
-        </p:style>
-        <p:txBody>
-          <a:bodyPr rtlCol="0" anchor="ctr"/>
-          <a:lstStyle/>
-          <a:p>
-            <a:pPr algn="ctr"/>
-            <a:r>
-              <a:rPr lang="en-US" altLang="ko-KR" dirty="0" smtClean="0">
-                <a:solidFill>
-                  <a:schemeClr val="tx1"/>
-                </a:solidFill>
-              </a:rPr>
-              <a:t>__f</a:t>
-            </a:r>
-            <a:r>
-              <a:rPr lang="en-US" altLang="ko-KR" dirty="0" smtClean="0">
-                <a:solidFill>
-                  <a:schemeClr val="tx1"/>
-                </a:solidFill>
-              </a:rPr>
-              <a:t>ifth__</a:t>
-            </a:r>
-            <a:r>
-              <a:rPr lang="ko-KR" altLang="en-US" dirty="0" smtClean="0">
-                <a:solidFill>
-                  <a:schemeClr val="tx1"/>
-                </a:solidFill>
-              </a:rPr>
-              <a:t>는</a:t>
-            </a:r>
-            <a:r>
-              <a:rPr lang="ko-KR" altLang="en-US" dirty="0" smtClean="0">
-                <a:solidFill>
-                  <a:schemeClr val="tx1"/>
-                </a:solidFill>
-              </a:rPr>
-              <a:t> </a:t>
-            </a:r>
-            <a:r>
-              <a:rPr lang="ko-KR" altLang="en-US" dirty="0" smtClean="0">
-                <a:solidFill>
-                  <a:schemeClr val="tx1"/>
-                </a:solidFill>
-              </a:rPr>
-              <a:t>접근을 허용함</a:t>
-            </a:r>
-            <a:endParaRPr lang="ko-KR" altLang="en-US" dirty="0">
-              <a:solidFill>
-                <a:schemeClr val="tx1"/>
-              </a:solidFill>
-            </a:endParaRPr>
-          </a:p>
-        </p:txBody>
-      </p:sp>
     </p:spTree>
     <p:extLst>
       <p:ext uri="{BB962C8B-B14F-4D97-AF65-F5344CB8AC3E}">
-        <p14:creationId xmlns:p14="http://schemas.microsoft.com/office/powerpoint/2010/main" val="218531164"/>
+        <p14:creationId xmlns:p14="http://schemas.microsoft.com/office/powerpoint/2010/main" val="834590677"/>
       </p:ext>
     </p:extLst>
   </p:cSld>
@@ -17409,7 +17927,7 @@
           <a:p>
             <a:pPr algn="ctr"/>
             <a:r>
-              <a:rPr lang="ko-KR" altLang="en-US" dirty="0" smtClean="0">
+              <a:rPr lang="ko-KR" altLang="en-US" dirty="0">
                 <a:solidFill>
                   <a:schemeClr val="tx1"/>
                 </a:solidFill>
@@ -17417,7 +17935,7 @@
               <a:t>이렇듯 리스트나 </a:t>
             </a:r>
             <a:r>
-              <a:rPr lang="ko-KR" altLang="en-US" dirty="0" err="1" smtClean="0">
+              <a:rPr lang="ko-KR" altLang="en-US" dirty="0" err="1">
                 <a:solidFill>
                   <a:schemeClr val="tx1"/>
                 </a:solidFill>
@@ -17425,7 +17943,7 @@
               <a:t>튜플의</a:t>
             </a:r>
             <a:r>
-              <a:rPr lang="ko-KR" altLang="en-US" dirty="0" smtClean="0">
+              <a:rPr lang="ko-KR" altLang="en-US" dirty="0">
                 <a:solidFill>
                   <a:schemeClr val="tx1"/>
                 </a:solidFill>
@@ -17433,7 +17951,7 @@
               <a:t> 형식에 맞게 값을 뿌리는 걸 </a:t>
             </a:r>
             <a:r>
-              <a:rPr lang="ko-KR" altLang="en-US" dirty="0" err="1" smtClean="0">
+              <a:rPr lang="ko-KR" altLang="en-US" dirty="0" err="1">
                 <a:solidFill>
                   <a:schemeClr val="tx1"/>
                 </a:solidFill>
@@ -17441,14 +17959,14 @@
               <a:t>언패킹이라</a:t>
             </a:r>
             <a:r>
-              <a:rPr lang="ko-KR" altLang="en-US" dirty="0" smtClean="0">
+              <a:rPr lang="ko-KR" altLang="en-US" dirty="0">
                 <a:solidFill>
                   <a:schemeClr val="tx1"/>
                 </a:solidFill>
               </a:rPr>
               <a:t> 한다</a:t>
             </a:r>
-            <a:endParaRPr lang="en-US" altLang="ko-KR" dirty="0" smtClean="0">
+            <a:endParaRPr lang="en-US" altLang="ko-KR" dirty="0">
               <a:solidFill>
                 <a:schemeClr val="tx1"/>
               </a:solidFill>
@@ -17457,7 +17975,7 @@
           <a:p>
             <a:pPr algn="ctr"/>
             <a:r>
-              <a:rPr lang="en-US" altLang="ko-KR" dirty="0" smtClean="0">
+              <a:rPr lang="en-US" altLang="ko-KR" dirty="0">
                 <a:solidFill>
                   <a:schemeClr val="tx1"/>
                 </a:solidFill>
@@ -17465,7 +17983,7 @@
               <a:t>(</a:t>
             </a:r>
             <a:r>
-              <a:rPr lang="ko-KR" altLang="en-US" dirty="0" smtClean="0">
+              <a:rPr lang="ko-KR" altLang="en-US" dirty="0">
                 <a:solidFill>
                   <a:schemeClr val="tx1"/>
                 </a:solidFill>
@@ -17473,7 +17991,7 @@
               <a:t>편하다</a:t>
             </a:r>
             <a:r>
-              <a:rPr lang="en-US" altLang="ko-KR" dirty="0" smtClean="0">
+              <a:rPr lang="en-US" altLang="ko-KR" dirty="0">
                 <a:solidFill>
                   <a:schemeClr val="tx1"/>
                 </a:solidFill>
@@ -17492,6 +18010,1225 @@
     <p:extLst>
       <p:ext uri="{BB962C8B-B14F-4D97-AF65-F5344CB8AC3E}">
         <p14:creationId xmlns:p14="http://schemas.microsoft.com/office/powerpoint/2010/main" val="2148827351"/>
+      </p:ext>
+    </p:extLst>
+  </p:cSld>
+  <p:clrMapOvr>
+    <a:masterClrMapping/>
+  </p:clrMapOvr>
+</p:sld>
+</file>
+
+<file path=ppt/slides/slide50.xml><?xml version="1.0" encoding="utf-8"?>
+<p:sld xmlns:a="http://schemas.openxmlformats.org/drawingml/2006/main" xmlns:r="http://schemas.openxmlformats.org/officeDocument/2006/relationships" xmlns:p="http://schemas.openxmlformats.org/presentationml/2006/main">
+  <p:cSld>
+    <p:spTree>
+      <p:nvGrpSpPr>
+        <p:cNvPr id="1" name=""/>
+        <p:cNvGrpSpPr/>
+        <p:nvPr/>
+      </p:nvGrpSpPr>
+      <p:grpSpPr>
+        <a:xfrm>
+          <a:off x="0" y="0"/>
+          <a:ext cx="0" cy="0"/>
+          <a:chOff x="0" y="0"/>
+          <a:chExt cx="0" cy="0"/>
+        </a:xfrm>
+      </p:grpSpPr>
+      <p:pic>
+        <p:nvPicPr>
+          <p:cNvPr id="6" name="그림 5"/>
+          <p:cNvPicPr>
+            <a:picLocks noChangeAspect="1"/>
+          </p:cNvPicPr>
+          <p:nvPr/>
+        </p:nvPicPr>
+        <p:blipFill>
+          <a:blip r:embed="rId2"/>
+          <a:stretch>
+            <a:fillRect/>
+          </a:stretch>
+        </p:blipFill>
+        <p:spPr>
+          <a:xfrm>
+            <a:off x="4752787" y="486693"/>
+            <a:ext cx="2686425" cy="3362794"/>
+          </a:xfrm>
+          <a:prstGeom prst="rect">
+            <a:avLst/>
+          </a:prstGeom>
+        </p:spPr>
+      </p:pic>
+      <p:pic>
+        <p:nvPicPr>
+          <p:cNvPr id="7" name="그림 6"/>
+          <p:cNvPicPr>
+            <a:picLocks noChangeAspect="1"/>
+          </p:cNvPicPr>
+          <p:nvPr/>
+        </p:nvPicPr>
+        <p:blipFill>
+          <a:blip r:embed="rId3"/>
+          <a:stretch>
+            <a:fillRect/>
+          </a:stretch>
+        </p:blipFill>
+        <p:spPr>
+          <a:xfrm>
+            <a:off x="4752786" y="3849486"/>
+            <a:ext cx="2686425" cy="2035807"/>
+          </a:xfrm>
+          <a:prstGeom prst="rect">
+            <a:avLst/>
+          </a:prstGeom>
+        </p:spPr>
+      </p:pic>
+      <p:sp>
+        <p:nvSpPr>
+          <p:cNvPr id="9" name="직사각형 8"/>
+          <p:cNvSpPr/>
+          <p:nvPr/>
+        </p:nvSpPr>
+        <p:spPr>
+          <a:xfrm>
+            <a:off x="7795366" y="2983771"/>
+            <a:ext cx="4053333" cy="817433"/>
+          </a:xfrm>
+          <a:prstGeom prst="rect">
+            <a:avLst/>
+          </a:prstGeom>
+          <a:solidFill>
+            <a:srgbClr val="00B0F0">
+              <a:alpha val="34000"/>
+            </a:srgbClr>
+          </a:solidFill>
+          <a:ln w="38100">
+            <a:noFill/>
+          </a:ln>
+        </p:spPr>
+        <p:style>
+          <a:lnRef idx="2">
+            <a:schemeClr val="accent1">
+              <a:shade val="50000"/>
+            </a:schemeClr>
+          </a:lnRef>
+          <a:fillRef idx="1">
+            <a:schemeClr val="accent1"/>
+          </a:fillRef>
+          <a:effectRef idx="0">
+            <a:schemeClr val="accent1"/>
+          </a:effectRef>
+          <a:fontRef idx="minor">
+            <a:schemeClr val="lt1"/>
+          </a:fontRef>
+        </p:style>
+        <p:txBody>
+          <a:bodyPr rtlCol="0" anchor="ctr"/>
+          <a:lstStyle/>
+          <a:p>
+            <a:pPr algn="ctr"/>
+            <a:r>
+              <a:rPr lang="en-US" altLang="ko-KR" dirty="0">
+                <a:solidFill>
+                  <a:schemeClr val="tx1"/>
+                </a:solidFill>
+              </a:rPr>
+              <a:t>Nonlocal</a:t>
+            </a:r>
+            <a:r>
+              <a:rPr lang="ko-KR" altLang="en-US" dirty="0">
+                <a:solidFill>
+                  <a:schemeClr val="tx1"/>
+                </a:solidFill>
+              </a:rPr>
+              <a:t>로 함수 밖으로 빼줄 수 있음</a:t>
+            </a:r>
+            <a:r>
+              <a:rPr lang="en-US" altLang="ko-KR" dirty="0">
+                <a:solidFill>
+                  <a:schemeClr val="tx1"/>
+                </a:solidFill>
+              </a:rPr>
+              <a:t>.</a:t>
+            </a:r>
+          </a:p>
+          <a:p>
+            <a:pPr algn="ctr"/>
+            <a:r>
+              <a:rPr lang="en-US" altLang="ko-KR" dirty="0">
+                <a:solidFill>
+                  <a:schemeClr val="tx1"/>
+                </a:solidFill>
+              </a:rPr>
+              <a:t>Closure</a:t>
+            </a:r>
+            <a:r>
+              <a:rPr lang="ko-KR" altLang="en-US" dirty="0">
+                <a:solidFill>
+                  <a:schemeClr val="tx1"/>
+                </a:solidFill>
+              </a:rPr>
+              <a:t>와 같은 역할</a:t>
+            </a:r>
+          </a:p>
+        </p:txBody>
+      </p:sp>
+    </p:spTree>
+    <p:extLst>
+      <p:ext uri="{BB962C8B-B14F-4D97-AF65-F5344CB8AC3E}">
+        <p14:creationId xmlns:p14="http://schemas.microsoft.com/office/powerpoint/2010/main" val="1980212818"/>
+      </p:ext>
+    </p:extLst>
+  </p:cSld>
+  <p:clrMapOvr>
+    <a:masterClrMapping/>
+  </p:clrMapOvr>
+</p:sld>
+</file>
+
+<file path=ppt/slides/slide51.xml><?xml version="1.0" encoding="utf-8"?>
+<p:sld xmlns:a="http://schemas.openxmlformats.org/drawingml/2006/main" xmlns:r="http://schemas.openxmlformats.org/officeDocument/2006/relationships" xmlns:p="http://schemas.openxmlformats.org/presentationml/2006/main">
+  <p:cSld>
+    <p:spTree>
+      <p:nvGrpSpPr>
+        <p:cNvPr id="1" name=""/>
+        <p:cNvGrpSpPr/>
+        <p:nvPr/>
+      </p:nvGrpSpPr>
+      <p:grpSpPr>
+        <a:xfrm>
+          <a:off x="0" y="0"/>
+          <a:ext cx="0" cy="0"/>
+          <a:chOff x="0" y="0"/>
+          <a:chExt cx="0" cy="0"/>
+        </a:xfrm>
+      </p:grpSpPr>
+      <p:pic>
+        <p:nvPicPr>
+          <p:cNvPr id="5" name="그림 4"/>
+          <p:cNvPicPr>
+            <a:picLocks noChangeAspect="1"/>
+          </p:cNvPicPr>
+          <p:nvPr/>
+        </p:nvPicPr>
+        <p:blipFill>
+          <a:blip r:embed="rId2"/>
+          <a:stretch>
+            <a:fillRect/>
+          </a:stretch>
+        </p:blipFill>
+        <p:spPr>
+          <a:xfrm>
+            <a:off x="5999886" y="2566867"/>
+            <a:ext cx="6192114" cy="1724266"/>
+          </a:xfrm>
+          <a:prstGeom prst="rect">
+            <a:avLst/>
+          </a:prstGeom>
+        </p:spPr>
+      </p:pic>
+      <p:pic>
+        <p:nvPicPr>
+          <p:cNvPr id="6" name="그림 5"/>
+          <p:cNvPicPr>
+            <a:picLocks noChangeAspect="1"/>
+          </p:cNvPicPr>
+          <p:nvPr/>
+        </p:nvPicPr>
+        <p:blipFill>
+          <a:blip r:embed="rId3"/>
+          <a:stretch>
+            <a:fillRect/>
+          </a:stretch>
+        </p:blipFill>
+        <p:spPr>
+          <a:xfrm>
+            <a:off x="497191" y="2133419"/>
+            <a:ext cx="5229955" cy="2591162"/>
+          </a:xfrm>
+          <a:prstGeom prst="rect">
+            <a:avLst/>
+          </a:prstGeom>
+        </p:spPr>
+      </p:pic>
+    </p:spTree>
+    <p:extLst>
+      <p:ext uri="{BB962C8B-B14F-4D97-AF65-F5344CB8AC3E}">
+        <p14:creationId xmlns:p14="http://schemas.microsoft.com/office/powerpoint/2010/main" val="418912674"/>
+      </p:ext>
+    </p:extLst>
+  </p:cSld>
+  <p:clrMapOvr>
+    <a:masterClrMapping/>
+  </p:clrMapOvr>
+</p:sld>
+</file>
+
+<file path=ppt/slides/slide52.xml><?xml version="1.0" encoding="utf-8"?>
+<p:sld xmlns:a="http://schemas.openxmlformats.org/drawingml/2006/main" xmlns:r="http://schemas.openxmlformats.org/officeDocument/2006/relationships" xmlns:p="http://schemas.openxmlformats.org/presentationml/2006/main">
+  <p:cSld>
+    <p:spTree>
+      <p:nvGrpSpPr>
+        <p:cNvPr id="1" name=""/>
+        <p:cNvGrpSpPr/>
+        <p:nvPr/>
+      </p:nvGrpSpPr>
+      <p:grpSpPr>
+        <a:xfrm>
+          <a:off x="0" y="0"/>
+          <a:ext cx="0" cy="0"/>
+          <a:chOff x="0" y="0"/>
+          <a:chExt cx="0" cy="0"/>
+        </a:xfrm>
+      </p:grpSpPr>
+      <p:sp>
+        <p:nvSpPr>
+          <p:cNvPr id="4" name="직사각형 3">
+            <a:extLst>
+              <a:ext uri="{FF2B5EF4-FFF2-40B4-BE49-F238E27FC236}">
+                <a16:creationId xmlns:a16="http://schemas.microsoft.com/office/drawing/2014/main" id="{93026D0E-034B-C8C9-656D-E1118823BEB5}"/>
+              </a:ext>
+            </a:extLst>
+          </p:cNvPr>
+          <p:cNvSpPr/>
+          <p:nvPr/>
+        </p:nvSpPr>
+        <p:spPr>
+          <a:xfrm>
+            <a:off x="4663046" y="3097394"/>
+            <a:ext cx="2865905" cy="736238"/>
+          </a:xfrm>
+          <a:prstGeom prst="rect">
+            <a:avLst/>
+          </a:prstGeom>
+          <a:solidFill>
+            <a:srgbClr val="00B0F0">
+              <a:alpha val="34000"/>
+            </a:srgbClr>
+          </a:solidFill>
+          <a:ln w="38100">
+            <a:noFill/>
+          </a:ln>
+        </p:spPr>
+        <p:style>
+          <a:lnRef idx="2">
+            <a:schemeClr val="accent1">
+              <a:shade val="50000"/>
+            </a:schemeClr>
+          </a:lnRef>
+          <a:fillRef idx="1">
+            <a:schemeClr val="accent1"/>
+          </a:fillRef>
+          <a:effectRef idx="0">
+            <a:schemeClr val="accent1"/>
+          </a:effectRef>
+          <a:fontRef idx="minor">
+            <a:schemeClr val="lt1"/>
+          </a:fontRef>
+        </p:style>
+        <p:txBody>
+          <a:bodyPr rtlCol="0" anchor="ctr"/>
+          <a:lstStyle/>
+          <a:p>
+            <a:pPr algn="ctr"/>
+            <a:r>
+              <a:rPr lang="en-US" altLang="ko-KR" dirty="0">
+                <a:solidFill>
+                  <a:schemeClr val="tx1"/>
+                </a:solidFill>
+              </a:rPr>
+              <a:t>Class</a:t>
+            </a:r>
+            <a:endParaRPr lang="ko-KR" altLang="en-US" dirty="0">
+              <a:solidFill>
+                <a:schemeClr val="tx1"/>
+              </a:solidFill>
+            </a:endParaRPr>
+          </a:p>
+        </p:txBody>
+      </p:sp>
+    </p:spTree>
+    <p:extLst>
+      <p:ext uri="{BB962C8B-B14F-4D97-AF65-F5344CB8AC3E}">
+        <p14:creationId xmlns:p14="http://schemas.microsoft.com/office/powerpoint/2010/main" val="3861587999"/>
+      </p:ext>
+    </p:extLst>
+  </p:cSld>
+  <p:clrMapOvr>
+    <a:masterClrMapping/>
+  </p:clrMapOvr>
+</p:sld>
+</file>
+
+<file path=ppt/slides/slide53.xml><?xml version="1.0" encoding="utf-8"?>
+<p:sld xmlns:a="http://schemas.openxmlformats.org/drawingml/2006/main" xmlns:r="http://schemas.openxmlformats.org/officeDocument/2006/relationships" xmlns:p="http://schemas.openxmlformats.org/presentationml/2006/main">
+  <p:cSld>
+    <p:spTree>
+      <p:nvGrpSpPr>
+        <p:cNvPr id="1" name=""/>
+        <p:cNvGrpSpPr/>
+        <p:nvPr/>
+      </p:nvGrpSpPr>
+      <p:grpSpPr>
+        <a:xfrm>
+          <a:off x="0" y="0"/>
+          <a:ext cx="0" cy="0"/>
+          <a:chOff x="0" y="0"/>
+          <a:chExt cx="0" cy="0"/>
+        </a:xfrm>
+      </p:grpSpPr>
+      <p:pic>
+        <p:nvPicPr>
+          <p:cNvPr id="4" name="그림 3"/>
+          <p:cNvPicPr>
+            <a:picLocks noChangeAspect="1"/>
+          </p:cNvPicPr>
+          <p:nvPr/>
+        </p:nvPicPr>
+        <p:blipFill>
+          <a:blip r:embed="rId2"/>
+          <a:stretch>
+            <a:fillRect/>
+          </a:stretch>
+        </p:blipFill>
+        <p:spPr>
+          <a:xfrm>
+            <a:off x="4137449" y="1215664"/>
+            <a:ext cx="3917102" cy="4353648"/>
+          </a:xfrm>
+          <a:prstGeom prst="rect">
+            <a:avLst/>
+          </a:prstGeom>
+        </p:spPr>
+      </p:pic>
+      <p:pic>
+        <p:nvPicPr>
+          <p:cNvPr id="5" name="그림 4"/>
+          <p:cNvPicPr>
+            <a:picLocks noChangeAspect="1"/>
+          </p:cNvPicPr>
+          <p:nvPr/>
+        </p:nvPicPr>
+        <p:blipFill>
+          <a:blip r:embed="rId3"/>
+          <a:stretch>
+            <a:fillRect/>
+          </a:stretch>
+        </p:blipFill>
+        <p:spPr>
+          <a:xfrm>
+            <a:off x="9112071" y="3182909"/>
+            <a:ext cx="647790" cy="419158"/>
+          </a:xfrm>
+          <a:prstGeom prst="rect">
+            <a:avLst/>
+          </a:prstGeom>
+        </p:spPr>
+      </p:pic>
+      <p:sp>
+        <p:nvSpPr>
+          <p:cNvPr id="6" name="직사각형 5"/>
+          <p:cNvSpPr/>
+          <p:nvPr/>
+        </p:nvSpPr>
+        <p:spPr>
+          <a:xfrm>
+            <a:off x="4137449" y="5803974"/>
+            <a:ext cx="4053333" cy="817433"/>
+          </a:xfrm>
+          <a:prstGeom prst="rect">
+            <a:avLst/>
+          </a:prstGeom>
+          <a:solidFill>
+            <a:srgbClr val="00B0F0">
+              <a:alpha val="34000"/>
+            </a:srgbClr>
+          </a:solidFill>
+          <a:ln w="38100">
+            <a:noFill/>
+          </a:ln>
+        </p:spPr>
+        <p:style>
+          <a:lnRef idx="2">
+            <a:schemeClr val="accent1">
+              <a:shade val="50000"/>
+            </a:schemeClr>
+          </a:lnRef>
+          <a:fillRef idx="1">
+            <a:schemeClr val="accent1"/>
+          </a:fillRef>
+          <a:effectRef idx="0">
+            <a:schemeClr val="accent1"/>
+          </a:effectRef>
+          <a:fontRef idx="minor">
+            <a:schemeClr val="lt1"/>
+          </a:fontRef>
+        </p:style>
+        <p:txBody>
+          <a:bodyPr rtlCol="0" anchor="ctr"/>
+          <a:lstStyle/>
+          <a:p>
+            <a:pPr algn="ctr"/>
+            <a:r>
+              <a:rPr lang="en-US" altLang="ko-KR" dirty="0">
+                <a:solidFill>
+                  <a:schemeClr val="tx1"/>
+                </a:solidFill>
+              </a:rPr>
+              <a:t>Self =&gt; js</a:t>
+            </a:r>
+            <a:r>
+              <a:rPr lang="ko-KR" altLang="en-US" dirty="0">
+                <a:solidFill>
+                  <a:schemeClr val="tx1"/>
+                </a:solidFill>
+              </a:rPr>
+              <a:t>의 </a:t>
+            </a:r>
+            <a:r>
+              <a:rPr lang="en-US" altLang="ko-KR" dirty="0">
+                <a:solidFill>
+                  <a:schemeClr val="tx1"/>
+                </a:solidFill>
+              </a:rPr>
+              <a:t>this.</a:t>
+            </a:r>
+            <a:endParaRPr lang="ko-KR" altLang="en-US" dirty="0">
+              <a:solidFill>
+                <a:schemeClr val="tx1"/>
+              </a:solidFill>
+            </a:endParaRPr>
+          </a:p>
+        </p:txBody>
+      </p:sp>
+    </p:spTree>
+    <p:extLst>
+      <p:ext uri="{BB962C8B-B14F-4D97-AF65-F5344CB8AC3E}">
+        <p14:creationId xmlns:p14="http://schemas.microsoft.com/office/powerpoint/2010/main" val="1770032209"/>
+      </p:ext>
+    </p:extLst>
+  </p:cSld>
+  <p:clrMapOvr>
+    <a:masterClrMapping/>
+  </p:clrMapOvr>
+</p:sld>
+</file>
+
+<file path=ppt/slides/slide54.xml><?xml version="1.0" encoding="utf-8"?>
+<p:sld xmlns:a="http://schemas.openxmlformats.org/drawingml/2006/main" xmlns:r="http://schemas.openxmlformats.org/officeDocument/2006/relationships" xmlns:p="http://schemas.openxmlformats.org/presentationml/2006/main">
+  <p:cSld>
+    <p:spTree>
+      <p:nvGrpSpPr>
+        <p:cNvPr id="1" name=""/>
+        <p:cNvGrpSpPr/>
+        <p:nvPr/>
+      </p:nvGrpSpPr>
+      <p:grpSpPr>
+        <a:xfrm>
+          <a:off x="0" y="0"/>
+          <a:ext cx="0" cy="0"/>
+          <a:chOff x="0" y="0"/>
+          <a:chExt cx="0" cy="0"/>
+        </a:xfrm>
+      </p:grpSpPr>
+      <p:pic>
+        <p:nvPicPr>
+          <p:cNvPr id="5" name="그림 4"/>
+          <p:cNvPicPr>
+            <a:picLocks noChangeAspect="1"/>
+          </p:cNvPicPr>
+          <p:nvPr/>
+        </p:nvPicPr>
+        <p:blipFill>
+          <a:blip r:embed="rId2"/>
+          <a:stretch>
+            <a:fillRect/>
+          </a:stretch>
+        </p:blipFill>
+        <p:spPr>
+          <a:xfrm>
+            <a:off x="4137449" y="1215664"/>
+            <a:ext cx="3917102" cy="5079056"/>
+          </a:xfrm>
+          <a:prstGeom prst="rect">
+            <a:avLst/>
+          </a:prstGeom>
+        </p:spPr>
+      </p:pic>
+      <p:sp>
+        <p:nvSpPr>
+          <p:cNvPr id="6" name="직사각형 5"/>
+          <p:cNvSpPr/>
+          <p:nvPr/>
+        </p:nvSpPr>
+        <p:spPr>
+          <a:xfrm>
+            <a:off x="4634903" y="3111499"/>
+            <a:ext cx="1733349" cy="363221"/>
+          </a:xfrm>
+          <a:prstGeom prst="rect">
+            <a:avLst/>
+          </a:prstGeom>
+          <a:noFill/>
+          <a:ln w="57150">
+            <a:solidFill>
+              <a:srgbClr val="FF0000"/>
+            </a:solidFill>
+            <a:prstDash val="sysDot"/>
+          </a:ln>
+        </p:spPr>
+        <p:style>
+          <a:lnRef idx="2">
+            <a:schemeClr val="accent1">
+              <a:shade val="50000"/>
+            </a:schemeClr>
+          </a:lnRef>
+          <a:fillRef idx="1">
+            <a:schemeClr val="accent1"/>
+          </a:fillRef>
+          <a:effectRef idx="0">
+            <a:schemeClr val="accent1"/>
+          </a:effectRef>
+          <a:fontRef idx="minor">
+            <a:schemeClr val="lt1"/>
+          </a:fontRef>
+        </p:style>
+        <p:txBody>
+          <a:bodyPr rtlCol="0" anchor="ctr"/>
+          <a:lstStyle/>
+          <a:p>
+            <a:pPr algn="ctr"/>
+            <a:endParaRPr lang="en-US" altLang="ko-KR" dirty="0">
+              <a:solidFill>
+                <a:schemeClr val="tx1"/>
+              </a:solidFill>
+            </a:endParaRPr>
+          </a:p>
+        </p:txBody>
+      </p:sp>
+      <p:sp>
+        <p:nvSpPr>
+          <p:cNvPr id="7" name="직사각형 6"/>
+          <p:cNvSpPr/>
+          <p:nvPr/>
+        </p:nvSpPr>
+        <p:spPr>
+          <a:xfrm>
+            <a:off x="8138667" y="2983771"/>
+            <a:ext cx="4053333" cy="817433"/>
+          </a:xfrm>
+          <a:prstGeom prst="rect">
+            <a:avLst/>
+          </a:prstGeom>
+          <a:solidFill>
+            <a:srgbClr val="00B0F0">
+              <a:alpha val="34000"/>
+            </a:srgbClr>
+          </a:solidFill>
+          <a:ln w="38100">
+            <a:noFill/>
+          </a:ln>
+        </p:spPr>
+        <p:style>
+          <a:lnRef idx="2">
+            <a:schemeClr val="accent1">
+              <a:shade val="50000"/>
+            </a:schemeClr>
+          </a:lnRef>
+          <a:fillRef idx="1">
+            <a:schemeClr val="accent1"/>
+          </a:fillRef>
+          <a:effectRef idx="0">
+            <a:schemeClr val="accent1"/>
+          </a:effectRef>
+          <a:fontRef idx="minor">
+            <a:schemeClr val="lt1"/>
+          </a:fontRef>
+        </p:style>
+        <p:txBody>
+          <a:bodyPr rtlCol="0" anchor="ctr"/>
+          <a:lstStyle/>
+          <a:p>
+            <a:pPr algn="ctr"/>
+            <a:r>
+              <a:rPr lang="en-US" altLang="ko-KR" dirty="0">
+                <a:solidFill>
+                  <a:schemeClr val="tx1"/>
+                </a:solidFill>
+              </a:rPr>
+              <a:t>__init__ =&gt; JS</a:t>
+            </a:r>
+            <a:r>
+              <a:rPr lang="ko-KR" altLang="en-US" dirty="0">
+                <a:solidFill>
+                  <a:schemeClr val="tx1"/>
+                </a:solidFill>
+              </a:rPr>
+              <a:t>의 </a:t>
+            </a:r>
+            <a:r>
+              <a:rPr lang="en-US" altLang="ko-KR" dirty="0">
+                <a:solidFill>
+                  <a:schemeClr val="tx1"/>
+                </a:solidFill>
+              </a:rPr>
+              <a:t>constructor</a:t>
+            </a:r>
+          </a:p>
+        </p:txBody>
+      </p:sp>
+    </p:spTree>
+    <p:extLst>
+      <p:ext uri="{BB962C8B-B14F-4D97-AF65-F5344CB8AC3E}">
+        <p14:creationId xmlns:p14="http://schemas.microsoft.com/office/powerpoint/2010/main" val="1567453012"/>
+      </p:ext>
+    </p:extLst>
+  </p:cSld>
+  <p:clrMapOvr>
+    <a:masterClrMapping/>
+  </p:clrMapOvr>
+</p:sld>
+</file>
+
+<file path=ppt/slides/slide55.xml><?xml version="1.0" encoding="utf-8"?>
+<p:sld xmlns:a="http://schemas.openxmlformats.org/drawingml/2006/main" xmlns:r="http://schemas.openxmlformats.org/officeDocument/2006/relationships" xmlns:p="http://schemas.openxmlformats.org/presentationml/2006/main">
+  <p:cSld>
+    <p:spTree>
+      <p:nvGrpSpPr>
+        <p:cNvPr id="1" name=""/>
+        <p:cNvGrpSpPr/>
+        <p:nvPr/>
+      </p:nvGrpSpPr>
+      <p:grpSpPr>
+        <a:xfrm>
+          <a:off x="0" y="0"/>
+          <a:ext cx="0" cy="0"/>
+          <a:chOff x="0" y="0"/>
+          <a:chExt cx="0" cy="0"/>
+        </a:xfrm>
+      </p:grpSpPr>
+      <p:pic>
+        <p:nvPicPr>
+          <p:cNvPr id="5" name="그림 4"/>
+          <p:cNvPicPr>
+            <a:picLocks noChangeAspect="1"/>
+          </p:cNvPicPr>
+          <p:nvPr/>
+        </p:nvPicPr>
+        <p:blipFill>
+          <a:blip r:embed="rId2"/>
+          <a:stretch>
+            <a:fillRect/>
+          </a:stretch>
+        </p:blipFill>
+        <p:spPr>
+          <a:xfrm>
+            <a:off x="4137449" y="1159210"/>
+            <a:ext cx="3897484" cy="5135509"/>
+          </a:xfrm>
+          <a:prstGeom prst="rect">
+            <a:avLst/>
+          </a:prstGeom>
+        </p:spPr>
+      </p:pic>
+      <p:sp>
+        <p:nvSpPr>
+          <p:cNvPr id="6" name="직사각형 5"/>
+          <p:cNvSpPr/>
+          <p:nvPr/>
+        </p:nvSpPr>
+        <p:spPr>
+          <a:xfrm>
+            <a:off x="4726343" y="3210877"/>
+            <a:ext cx="1733349" cy="363221"/>
+          </a:xfrm>
+          <a:prstGeom prst="rect">
+            <a:avLst/>
+          </a:prstGeom>
+          <a:noFill/>
+          <a:ln w="57150">
+            <a:solidFill>
+              <a:srgbClr val="FF0000"/>
+            </a:solidFill>
+            <a:prstDash val="sysDot"/>
+          </a:ln>
+        </p:spPr>
+        <p:style>
+          <a:lnRef idx="2">
+            <a:schemeClr val="accent1">
+              <a:shade val="50000"/>
+            </a:schemeClr>
+          </a:lnRef>
+          <a:fillRef idx="1">
+            <a:schemeClr val="accent1"/>
+          </a:fillRef>
+          <a:effectRef idx="0">
+            <a:schemeClr val="accent1"/>
+          </a:effectRef>
+          <a:fontRef idx="minor">
+            <a:schemeClr val="lt1"/>
+          </a:fontRef>
+        </p:style>
+        <p:txBody>
+          <a:bodyPr rtlCol="0" anchor="ctr"/>
+          <a:lstStyle/>
+          <a:p>
+            <a:pPr algn="ctr"/>
+            <a:endParaRPr lang="en-US" altLang="ko-KR" dirty="0">
+              <a:solidFill>
+                <a:schemeClr val="tx1"/>
+              </a:solidFill>
+            </a:endParaRPr>
+          </a:p>
+        </p:txBody>
+      </p:sp>
+      <p:sp>
+        <p:nvSpPr>
+          <p:cNvPr id="7" name="직사각형 6"/>
+          <p:cNvSpPr/>
+          <p:nvPr/>
+        </p:nvSpPr>
+        <p:spPr>
+          <a:xfrm>
+            <a:off x="8138667" y="2983771"/>
+            <a:ext cx="4053333" cy="817433"/>
+          </a:xfrm>
+          <a:prstGeom prst="rect">
+            <a:avLst/>
+          </a:prstGeom>
+          <a:solidFill>
+            <a:srgbClr val="00B0F0">
+              <a:alpha val="34000"/>
+            </a:srgbClr>
+          </a:solidFill>
+          <a:ln w="38100">
+            <a:noFill/>
+          </a:ln>
+        </p:spPr>
+        <p:style>
+          <a:lnRef idx="2">
+            <a:schemeClr val="accent1">
+              <a:shade val="50000"/>
+            </a:schemeClr>
+          </a:lnRef>
+          <a:fillRef idx="1">
+            <a:schemeClr val="accent1"/>
+          </a:fillRef>
+          <a:effectRef idx="0">
+            <a:schemeClr val="accent1"/>
+          </a:effectRef>
+          <a:fontRef idx="minor">
+            <a:schemeClr val="lt1"/>
+          </a:fontRef>
+        </p:style>
+        <p:txBody>
+          <a:bodyPr rtlCol="0" anchor="ctr"/>
+          <a:lstStyle/>
+          <a:p>
+            <a:pPr algn="ctr"/>
+            <a:r>
+              <a:rPr lang="en-US" altLang="ko-KR" dirty="0">
+                <a:solidFill>
+                  <a:schemeClr val="tx1"/>
+                </a:solidFill>
+              </a:rPr>
+              <a:t>__init__ =&gt; JS</a:t>
+            </a:r>
+            <a:r>
+              <a:rPr lang="ko-KR" altLang="en-US" dirty="0">
+                <a:solidFill>
+                  <a:schemeClr val="tx1"/>
+                </a:solidFill>
+              </a:rPr>
+              <a:t>의 </a:t>
+            </a:r>
+            <a:r>
+              <a:rPr lang="en-US" altLang="ko-KR" dirty="0">
+                <a:solidFill>
+                  <a:schemeClr val="tx1"/>
+                </a:solidFill>
+              </a:rPr>
+              <a:t>constructor</a:t>
+            </a:r>
+          </a:p>
+          <a:p>
+            <a:pPr algn="ctr"/>
+            <a:r>
+              <a:rPr lang="ko-KR" altLang="en-US" dirty="0">
+                <a:solidFill>
+                  <a:schemeClr val="tx1"/>
+                </a:solidFill>
+              </a:rPr>
+              <a:t>밑에 </a:t>
+            </a:r>
+            <a:r>
+              <a:rPr lang="en-US" altLang="ko-KR" dirty="0">
+                <a:solidFill>
+                  <a:schemeClr val="tx1"/>
+                </a:solidFill>
+              </a:rPr>
+              <a:t>super()</a:t>
+            </a:r>
+            <a:r>
+              <a:rPr lang="ko-KR" altLang="en-US" dirty="0">
+                <a:solidFill>
+                  <a:schemeClr val="tx1"/>
+                </a:solidFill>
+              </a:rPr>
+              <a:t>가 생략된 것</a:t>
+            </a:r>
+            <a:r>
+              <a:rPr lang="en-US" altLang="ko-KR" dirty="0">
+                <a:solidFill>
+                  <a:schemeClr val="tx1"/>
+                </a:solidFill>
+              </a:rPr>
+              <a:t>.</a:t>
+            </a:r>
+            <a:r>
+              <a:rPr lang="ko-KR" altLang="en-US" dirty="0">
+                <a:solidFill>
+                  <a:schemeClr val="tx1"/>
+                </a:solidFill>
+              </a:rPr>
+              <a:t> </a:t>
+            </a:r>
+          </a:p>
+        </p:txBody>
+      </p:sp>
+    </p:spTree>
+    <p:extLst>
+      <p:ext uri="{BB962C8B-B14F-4D97-AF65-F5344CB8AC3E}">
+        <p14:creationId xmlns:p14="http://schemas.microsoft.com/office/powerpoint/2010/main" val="3965045616"/>
+      </p:ext>
+    </p:extLst>
+  </p:cSld>
+  <p:clrMapOvr>
+    <a:masterClrMapping/>
+  </p:clrMapOvr>
+</p:sld>
+</file>
+
+<file path=ppt/slides/slide56.xml><?xml version="1.0" encoding="utf-8"?>
+<p:sld xmlns:a="http://schemas.openxmlformats.org/drawingml/2006/main" xmlns:r="http://schemas.openxmlformats.org/officeDocument/2006/relationships" xmlns:p="http://schemas.openxmlformats.org/presentationml/2006/main">
+  <p:cSld>
+    <p:spTree>
+      <p:nvGrpSpPr>
+        <p:cNvPr id="1" name=""/>
+        <p:cNvGrpSpPr/>
+        <p:nvPr/>
+      </p:nvGrpSpPr>
+      <p:grpSpPr>
+        <a:xfrm>
+          <a:off x="0" y="0"/>
+          <a:ext cx="0" cy="0"/>
+          <a:chOff x="0" y="0"/>
+          <a:chExt cx="0" cy="0"/>
+        </a:xfrm>
+      </p:grpSpPr>
+      <p:pic>
+        <p:nvPicPr>
+          <p:cNvPr id="6" name="그림 5"/>
+          <p:cNvPicPr>
+            <a:picLocks noChangeAspect="1"/>
+          </p:cNvPicPr>
+          <p:nvPr/>
+        </p:nvPicPr>
+        <p:blipFill>
+          <a:blip r:embed="rId2"/>
+          <a:stretch>
+            <a:fillRect/>
+          </a:stretch>
+        </p:blipFill>
+        <p:spPr>
+          <a:xfrm>
+            <a:off x="7080771" y="1808017"/>
+            <a:ext cx="4115374" cy="1143160"/>
+          </a:xfrm>
+          <a:prstGeom prst="rect">
+            <a:avLst/>
+          </a:prstGeom>
+        </p:spPr>
+      </p:pic>
+      <p:pic>
+        <p:nvPicPr>
+          <p:cNvPr id="7" name="그림 6"/>
+          <p:cNvPicPr>
+            <a:picLocks noChangeAspect="1"/>
+          </p:cNvPicPr>
+          <p:nvPr/>
+        </p:nvPicPr>
+        <p:blipFill>
+          <a:blip r:embed="rId3"/>
+          <a:stretch>
+            <a:fillRect/>
+          </a:stretch>
+        </p:blipFill>
+        <p:spPr>
+          <a:xfrm>
+            <a:off x="7080771" y="4494932"/>
+            <a:ext cx="4410691" cy="638264"/>
+          </a:xfrm>
+          <a:prstGeom prst="rect">
+            <a:avLst/>
+          </a:prstGeom>
+        </p:spPr>
+      </p:pic>
+      <p:sp>
+        <p:nvSpPr>
+          <p:cNvPr id="8" name="직사각형 7"/>
+          <p:cNvSpPr/>
+          <p:nvPr/>
+        </p:nvSpPr>
+        <p:spPr>
+          <a:xfrm>
+            <a:off x="7080771" y="688674"/>
+            <a:ext cx="4053333" cy="817433"/>
+          </a:xfrm>
+          <a:prstGeom prst="rect">
+            <a:avLst/>
+          </a:prstGeom>
+          <a:solidFill>
+            <a:srgbClr val="00B0F0">
+              <a:alpha val="34000"/>
+            </a:srgbClr>
+          </a:solidFill>
+          <a:ln w="38100">
+            <a:noFill/>
+          </a:ln>
+        </p:spPr>
+        <p:style>
+          <a:lnRef idx="2">
+            <a:schemeClr val="accent1">
+              <a:shade val="50000"/>
+            </a:schemeClr>
+          </a:lnRef>
+          <a:fillRef idx="1">
+            <a:schemeClr val="accent1"/>
+          </a:fillRef>
+          <a:effectRef idx="0">
+            <a:schemeClr val="accent1"/>
+          </a:effectRef>
+          <a:fontRef idx="minor">
+            <a:schemeClr val="lt1"/>
+          </a:fontRef>
+        </p:style>
+        <p:txBody>
+          <a:bodyPr rtlCol="0" anchor="ctr"/>
+          <a:lstStyle/>
+          <a:p>
+            <a:pPr algn="ctr"/>
+            <a:r>
+              <a:rPr lang="en-US" altLang="ko-KR" dirty="0">
+                <a:solidFill>
+                  <a:schemeClr val="tx1"/>
+                </a:solidFill>
+              </a:rPr>
+              <a:t>_third</a:t>
+            </a:r>
+            <a:r>
+              <a:rPr lang="ko-KR" altLang="en-US" dirty="0">
+                <a:solidFill>
+                  <a:schemeClr val="tx1"/>
+                </a:solidFill>
+              </a:rPr>
+              <a:t>는 직접적인 접근은 가능하지만 권장하지 않기에 경고를 띄움</a:t>
+            </a:r>
+            <a:r>
+              <a:rPr lang="en-US" altLang="ko-KR" dirty="0">
+                <a:solidFill>
+                  <a:schemeClr val="tx1"/>
+                </a:solidFill>
+              </a:rPr>
+              <a:t>.</a:t>
+            </a:r>
+            <a:endParaRPr lang="ko-KR" altLang="en-US" dirty="0">
+              <a:solidFill>
+                <a:schemeClr val="tx1"/>
+              </a:solidFill>
+            </a:endParaRPr>
+          </a:p>
+        </p:txBody>
+      </p:sp>
+      <p:sp>
+        <p:nvSpPr>
+          <p:cNvPr id="9" name="직사각형 8"/>
+          <p:cNvSpPr/>
+          <p:nvPr/>
+        </p:nvSpPr>
+        <p:spPr>
+          <a:xfrm>
+            <a:off x="7080771" y="3367217"/>
+            <a:ext cx="4053333" cy="817433"/>
+          </a:xfrm>
+          <a:prstGeom prst="rect">
+            <a:avLst/>
+          </a:prstGeom>
+          <a:solidFill>
+            <a:srgbClr val="00B0F0">
+              <a:alpha val="34000"/>
+            </a:srgbClr>
+          </a:solidFill>
+          <a:ln w="38100">
+            <a:noFill/>
+          </a:ln>
+        </p:spPr>
+        <p:style>
+          <a:lnRef idx="2">
+            <a:schemeClr val="accent1">
+              <a:shade val="50000"/>
+            </a:schemeClr>
+          </a:lnRef>
+          <a:fillRef idx="1">
+            <a:schemeClr val="accent1"/>
+          </a:fillRef>
+          <a:effectRef idx="0">
+            <a:schemeClr val="accent1"/>
+          </a:effectRef>
+          <a:fontRef idx="minor">
+            <a:schemeClr val="lt1"/>
+          </a:fontRef>
+        </p:style>
+        <p:txBody>
+          <a:bodyPr rtlCol="0" anchor="ctr"/>
+          <a:lstStyle/>
+          <a:p>
+            <a:pPr algn="ctr"/>
+            <a:r>
+              <a:rPr lang="en-US" altLang="ko-KR" dirty="0">
+                <a:solidFill>
+                  <a:schemeClr val="tx1"/>
+                </a:solidFill>
+              </a:rPr>
+              <a:t>__forth</a:t>
+            </a:r>
+            <a:r>
+              <a:rPr lang="ko-KR" altLang="en-US" dirty="0">
+                <a:solidFill>
+                  <a:schemeClr val="tx1"/>
+                </a:solidFill>
+              </a:rPr>
+              <a:t>는 아예 접근 자체를 막음</a:t>
+            </a:r>
+          </a:p>
+        </p:txBody>
+      </p:sp>
+      <p:pic>
+        <p:nvPicPr>
+          <p:cNvPr id="10" name="그림 9"/>
+          <p:cNvPicPr>
+            <a:picLocks noChangeAspect="1"/>
+          </p:cNvPicPr>
+          <p:nvPr/>
+        </p:nvPicPr>
+        <p:blipFill>
+          <a:blip r:embed="rId4"/>
+          <a:stretch>
+            <a:fillRect/>
+          </a:stretch>
+        </p:blipFill>
+        <p:spPr>
+          <a:xfrm>
+            <a:off x="631519" y="538003"/>
+            <a:ext cx="4810796" cy="3200847"/>
+          </a:xfrm>
+          <a:prstGeom prst="rect">
+            <a:avLst/>
+          </a:prstGeom>
+        </p:spPr>
+      </p:pic>
+      <p:pic>
+        <p:nvPicPr>
+          <p:cNvPr id="11" name="그림 10"/>
+          <p:cNvPicPr>
+            <a:picLocks noChangeAspect="1"/>
+          </p:cNvPicPr>
+          <p:nvPr/>
+        </p:nvPicPr>
+        <p:blipFill>
+          <a:blip r:embed="rId5"/>
+          <a:stretch>
+            <a:fillRect/>
+          </a:stretch>
+        </p:blipFill>
+        <p:spPr>
+          <a:xfrm>
+            <a:off x="1245400" y="3738850"/>
+            <a:ext cx="3583034" cy="2846451"/>
+          </a:xfrm>
+          <a:prstGeom prst="rect">
+            <a:avLst/>
+          </a:prstGeom>
+        </p:spPr>
+      </p:pic>
+      <p:sp>
+        <p:nvSpPr>
+          <p:cNvPr id="12" name="직사각형 11"/>
+          <p:cNvSpPr/>
+          <p:nvPr/>
+        </p:nvSpPr>
+        <p:spPr>
+          <a:xfrm>
+            <a:off x="7080771" y="5443478"/>
+            <a:ext cx="4053333" cy="817433"/>
+          </a:xfrm>
+          <a:prstGeom prst="rect">
+            <a:avLst/>
+          </a:prstGeom>
+          <a:solidFill>
+            <a:srgbClr val="00B0F0">
+              <a:alpha val="34000"/>
+            </a:srgbClr>
+          </a:solidFill>
+          <a:ln w="38100">
+            <a:noFill/>
+          </a:ln>
+        </p:spPr>
+        <p:style>
+          <a:lnRef idx="2">
+            <a:schemeClr val="accent1">
+              <a:shade val="50000"/>
+            </a:schemeClr>
+          </a:lnRef>
+          <a:fillRef idx="1">
+            <a:schemeClr val="accent1"/>
+          </a:fillRef>
+          <a:effectRef idx="0">
+            <a:schemeClr val="accent1"/>
+          </a:effectRef>
+          <a:fontRef idx="minor">
+            <a:schemeClr val="lt1"/>
+          </a:fontRef>
+        </p:style>
+        <p:txBody>
+          <a:bodyPr rtlCol="0" anchor="ctr"/>
+          <a:lstStyle/>
+          <a:p>
+            <a:pPr algn="ctr"/>
+            <a:r>
+              <a:rPr lang="en-US" altLang="ko-KR" dirty="0">
+                <a:solidFill>
+                  <a:schemeClr val="tx1"/>
+                </a:solidFill>
+              </a:rPr>
+              <a:t>__fifth__</a:t>
+            </a:r>
+            <a:r>
+              <a:rPr lang="ko-KR" altLang="en-US" dirty="0">
+                <a:solidFill>
+                  <a:schemeClr val="tx1"/>
+                </a:solidFill>
+              </a:rPr>
+              <a:t>는 접근을 허용함</a:t>
+            </a:r>
+          </a:p>
+        </p:txBody>
+      </p:sp>
+    </p:spTree>
+    <p:extLst>
+      <p:ext uri="{BB962C8B-B14F-4D97-AF65-F5344CB8AC3E}">
+        <p14:creationId xmlns:p14="http://schemas.microsoft.com/office/powerpoint/2010/main" val="218531164"/>
       </p:ext>
     </p:extLst>
   </p:cSld>
@@ -17563,7 +19300,7 @@
           <a:p>
             <a:pPr algn="ctr"/>
             <a:r>
-              <a:rPr lang="ko-KR" altLang="en-US" dirty="0" err="1" smtClean="0">
+              <a:rPr lang="ko-KR" altLang="en-US" dirty="0" err="1">
                 <a:solidFill>
                   <a:schemeClr val="tx1"/>
                 </a:solidFill>
@@ -17571,7 +19308,7 @@
               <a:t>딕셔너리의</a:t>
             </a:r>
             <a:r>
-              <a:rPr lang="ko-KR" altLang="en-US" dirty="0" smtClean="0">
+              <a:rPr lang="ko-KR" altLang="en-US" dirty="0">
                 <a:solidFill>
                   <a:schemeClr val="tx1"/>
                 </a:solidFill>
@@ -17579,7 +19316,7 @@
               <a:t> 경우</a:t>
             </a:r>
             <a:r>
-              <a:rPr lang="en-US" altLang="ko-KR" dirty="0" smtClean="0">
+              <a:rPr lang="en-US" altLang="ko-KR" dirty="0">
                 <a:solidFill>
                   <a:schemeClr val="tx1"/>
                 </a:solidFill>
@@ -17873,7 +19610,7 @@
           <a:p>
             <a:pPr algn="ctr"/>
             <a:r>
-              <a:rPr lang="ko-KR" altLang="en-US" dirty="0" err="1" smtClean="0">
+              <a:rPr lang="ko-KR" altLang="en-US" dirty="0" err="1">
                 <a:solidFill>
                   <a:schemeClr val="tx1"/>
                 </a:solidFill>
@@ -17881,7 +19618,7 @@
               <a:t>인자값을</a:t>
             </a:r>
             <a:r>
-              <a:rPr lang="ko-KR" altLang="en-US" dirty="0" smtClean="0">
+              <a:rPr lang="ko-KR" altLang="en-US" dirty="0">
                 <a:solidFill>
                   <a:schemeClr val="tx1"/>
                 </a:solidFill>
@@ -17889,7 +19626,7 @@
               <a:t> 모를 때</a:t>
             </a:r>
             <a:r>
-              <a:rPr lang="en-US" altLang="ko-KR" dirty="0" smtClean="0">
+              <a:rPr lang="en-US" altLang="ko-KR" dirty="0">
                 <a:solidFill>
                   <a:schemeClr val="tx1"/>
                 </a:solidFill>
